--- a/Simulation Works/QUESTIONS.pptx
+++ b/Simulation Works/QUESTIONS.pptx
@@ -104,6 +104,21 @@
     <p:sldId id="360" r:id="rId98"/>
     <p:sldId id="361" r:id="rId99"/>
     <p:sldId id="362" r:id="rId100"/>
+    <p:sldId id="363" r:id="rId101"/>
+    <p:sldId id="364" r:id="rId102"/>
+    <p:sldId id="365" r:id="rId103"/>
+    <p:sldId id="366" r:id="rId104"/>
+    <p:sldId id="377" r:id="rId105"/>
+    <p:sldId id="367" r:id="rId106"/>
+    <p:sldId id="368" r:id="rId107"/>
+    <p:sldId id="369" r:id="rId108"/>
+    <p:sldId id="370" r:id="rId109"/>
+    <p:sldId id="371" r:id="rId110"/>
+    <p:sldId id="372" r:id="rId111"/>
+    <p:sldId id="373" r:id="rId112"/>
+    <p:sldId id="374" r:id="rId113"/>
+    <p:sldId id="375" r:id="rId114"/>
+    <p:sldId id="376" r:id="rId115"/>
   </p:sldIdLst>
   <p:sldSz cx="9144000" cy="6858000" type="screen4x3"/>
   <p:notesSz cx="6858000" cy="9144000"/>
@@ -387,7 +402,7 @@
             <a:fld id="{2EC0B7D7-EB2F-4C32-8D19-579B8F564160}" type="datetimeFigureOut">
               <a:rPr lang="tr-TR" smtClean="0"/>
               <a:pPr/>
-              <a:t>17.04.2017</a:t>
+              <a:t>24.04.2017</a:t>
             </a:fld>
             <a:endParaRPr lang="tr-TR"/>
           </a:p>
@@ -554,7 +569,7 @@
             <a:fld id="{2EC0B7D7-EB2F-4C32-8D19-579B8F564160}" type="datetimeFigureOut">
               <a:rPr lang="tr-TR" smtClean="0"/>
               <a:pPr/>
-              <a:t>17.04.2017</a:t>
+              <a:t>24.04.2017</a:t>
             </a:fld>
             <a:endParaRPr lang="tr-TR"/>
           </a:p>
@@ -731,7 +746,7 @@
             <a:fld id="{2EC0B7D7-EB2F-4C32-8D19-579B8F564160}" type="datetimeFigureOut">
               <a:rPr lang="tr-TR" smtClean="0"/>
               <a:pPr/>
-              <a:t>17.04.2017</a:t>
+              <a:t>24.04.2017</a:t>
             </a:fld>
             <a:endParaRPr lang="tr-TR"/>
           </a:p>
@@ -898,7 +913,7 @@
             <a:fld id="{2EC0B7D7-EB2F-4C32-8D19-579B8F564160}" type="datetimeFigureOut">
               <a:rPr lang="tr-TR" smtClean="0"/>
               <a:pPr/>
-              <a:t>17.04.2017</a:t>
+              <a:t>24.04.2017</a:t>
             </a:fld>
             <a:endParaRPr lang="tr-TR"/>
           </a:p>
@@ -1141,7 +1156,7 @@
             <a:fld id="{2EC0B7D7-EB2F-4C32-8D19-579B8F564160}" type="datetimeFigureOut">
               <a:rPr lang="tr-TR" smtClean="0"/>
               <a:pPr/>
-              <a:t>17.04.2017</a:t>
+              <a:t>24.04.2017</a:t>
             </a:fld>
             <a:endParaRPr lang="tr-TR"/>
           </a:p>
@@ -1426,7 +1441,7 @@
             <a:fld id="{2EC0B7D7-EB2F-4C32-8D19-579B8F564160}" type="datetimeFigureOut">
               <a:rPr lang="tr-TR" smtClean="0"/>
               <a:pPr/>
-              <a:t>17.04.2017</a:t>
+              <a:t>24.04.2017</a:t>
             </a:fld>
             <a:endParaRPr lang="tr-TR"/>
           </a:p>
@@ -1845,7 +1860,7 @@
             <a:fld id="{2EC0B7D7-EB2F-4C32-8D19-579B8F564160}" type="datetimeFigureOut">
               <a:rPr lang="tr-TR" smtClean="0"/>
               <a:pPr/>
-              <a:t>17.04.2017</a:t>
+              <a:t>24.04.2017</a:t>
             </a:fld>
             <a:endParaRPr lang="tr-TR"/>
           </a:p>
@@ -1960,7 +1975,7 @@
             <a:fld id="{2EC0B7D7-EB2F-4C32-8D19-579B8F564160}" type="datetimeFigureOut">
               <a:rPr lang="tr-TR" smtClean="0"/>
               <a:pPr/>
-              <a:t>17.04.2017</a:t>
+              <a:t>24.04.2017</a:t>
             </a:fld>
             <a:endParaRPr lang="tr-TR"/>
           </a:p>
@@ -2052,7 +2067,7 @@
             <a:fld id="{2EC0B7D7-EB2F-4C32-8D19-579B8F564160}" type="datetimeFigureOut">
               <a:rPr lang="tr-TR" smtClean="0"/>
               <a:pPr/>
-              <a:t>17.04.2017</a:t>
+              <a:t>24.04.2017</a:t>
             </a:fld>
             <a:endParaRPr lang="tr-TR"/>
           </a:p>
@@ -2326,7 +2341,7 @@
             <a:fld id="{2EC0B7D7-EB2F-4C32-8D19-579B8F564160}" type="datetimeFigureOut">
               <a:rPr lang="tr-TR" smtClean="0"/>
               <a:pPr/>
-              <a:t>17.04.2017</a:t>
+              <a:t>24.04.2017</a:t>
             </a:fld>
             <a:endParaRPr lang="tr-TR"/>
           </a:p>
@@ -2576,7 +2591,7 @@
             <a:fld id="{2EC0B7D7-EB2F-4C32-8D19-579B8F564160}" type="datetimeFigureOut">
               <a:rPr lang="tr-TR" smtClean="0"/>
               <a:pPr/>
-              <a:t>17.04.2017</a:t>
+              <a:t>24.04.2017</a:t>
             </a:fld>
             <a:endParaRPr lang="tr-TR"/>
           </a:p>
@@ -2786,7 +2801,7 @@
             <a:fld id="{2EC0B7D7-EB2F-4C32-8D19-579B8F564160}" type="datetimeFigureOut">
               <a:rPr lang="tr-TR" smtClean="0"/>
               <a:pPr/>
-              <a:t>17.04.2017</a:t>
+              <a:t>24.04.2017</a:t>
             </a:fld>
             <a:endParaRPr lang="tr-TR"/>
           </a:p>
@@ -3269,6 +3284,1602 @@
 </p:sld>
 </file>
 
+<file path=ppt/slides/slide100.xml><?xml version="1.0" encoding="utf-8"?>
+<p:sld xmlns:a="http://schemas.openxmlformats.org/drawingml/2006/main" xmlns:r="http://schemas.openxmlformats.org/officeDocument/2006/relationships" xmlns:p="http://schemas.openxmlformats.org/presentationml/2006/main">
+  <p:cSld>
+    <p:spTree>
+      <p:nvGrpSpPr>
+        <p:cNvPr id="1" name=""/>
+        <p:cNvGrpSpPr/>
+        <p:nvPr/>
+      </p:nvGrpSpPr>
+      <p:grpSpPr>
+        <a:xfrm>
+          <a:off x="0" y="0"/>
+          <a:ext cx="0" cy="0"/>
+          <a:chOff x="0" y="0"/>
+          <a:chExt cx="0" cy="0"/>
+        </a:xfrm>
+      </p:grpSpPr>
+      <p:sp>
+        <p:nvSpPr>
+          <p:cNvPr id="2" name="1 Başlık"/>
+          <p:cNvSpPr>
+            <a:spLocks noGrp="1"/>
+          </p:cNvSpPr>
+          <p:nvPr>
+            <p:ph type="title"/>
+          </p:nvPr>
+        </p:nvSpPr>
+        <p:spPr/>
+        <p:txBody>
+          <a:bodyPr/>
+          <a:lstStyle/>
+          <a:p>
+            <a:r>
+              <a:rPr lang="tr-TR" dirty="0" smtClean="0"/>
+              <a:t>WORKSHEET EXAMPLE-8</a:t>
+            </a:r>
+            <a:endParaRPr lang="tr-TR" dirty="0"/>
+          </a:p>
+        </p:txBody>
+      </p:sp>
+      <p:sp>
+        <p:nvSpPr>
+          <p:cNvPr id="3" name="2 İçerik Yer Tutucusu"/>
+          <p:cNvSpPr>
+            <a:spLocks noGrp="1"/>
+          </p:cNvSpPr>
+          <p:nvPr>
+            <p:ph idx="1"/>
+          </p:nvPr>
+        </p:nvSpPr>
+        <p:spPr>
+          <a:xfrm>
+            <a:off x="457200" y="1268760"/>
+            <a:ext cx="8229600" cy="5328592"/>
+          </a:xfrm>
+        </p:spPr>
+        <p:txBody>
+          <a:bodyPr>
+            <a:normAutofit fontScale="70000" lnSpcReduction="20000"/>
+          </a:bodyPr>
+          <a:lstStyle/>
+          <a:p>
+            <a:r>
+              <a:rPr lang="en-US" dirty="0" smtClean="0"/>
+              <a:t>Consider a production/inventory system in which the production process (e.g., packaging) is comprised of three stages; </a:t>
+            </a:r>
+            <a:endParaRPr lang="tr-TR" dirty="0" smtClean="0"/>
+          </a:p>
+          <a:p>
+            <a:pPr>
+              <a:buNone/>
+            </a:pPr>
+            <a:endParaRPr lang="en-US" dirty="0" smtClean="0"/>
+          </a:p>
+          <a:p>
+            <a:pPr>
+              <a:buNone/>
+            </a:pPr>
+            <a:r>
+              <a:rPr lang="tr-TR" dirty="0" smtClean="0"/>
+              <a:t>	</a:t>
+            </a:r>
+            <a:r>
+              <a:rPr lang="en-US" dirty="0" smtClean="0"/>
+              <a:t>1. filling each container unit (e.g., bottles) </a:t>
+            </a:r>
+          </a:p>
+          <a:p>
+            <a:pPr>
+              <a:buNone/>
+            </a:pPr>
+            <a:r>
+              <a:rPr lang="tr-TR" dirty="0" smtClean="0"/>
+              <a:t>	2. </a:t>
+            </a:r>
+            <a:r>
+              <a:rPr lang="tr-TR" dirty="0" err="1" smtClean="0"/>
+              <a:t>sealing</a:t>
+            </a:r>
+            <a:r>
+              <a:rPr lang="tr-TR" dirty="0" smtClean="0"/>
+              <a:t> </a:t>
+            </a:r>
+            <a:r>
+              <a:rPr lang="tr-TR" dirty="0" err="1" smtClean="0"/>
+              <a:t>each</a:t>
+            </a:r>
+            <a:r>
+              <a:rPr lang="tr-TR" dirty="0" smtClean="0"/>
+              <a:t> </a:t>
+            </a:r>
+            <a:r>
+              <a:rPr lang="tr-TR" dirty="0" err="1" smtClean="0"/>
+              <a:t>unit</a:t>
+            </a:r>
+            <a:r>
+              <a:rPr lang="tr-TR" dirty="0" smtClean="0"/>
+              <a:t> </a:t>
+            </a:r>
+          </a:p>
+          <a:p>
+            <a:pPr>
+              <a:buNone/>
+            </a:pPr>
+            <a:r>
+              <a:rPr lang="tr-TR" dirty="0" smtClean="0"/>
+              <a:t>	</a:t>
+            </a:r>
+            <a:r>
+              <a:rPr lang="en-US" dirty="0" smtClean="0"/>
+              <a:t>3. placing labels on each unit </a:t>
+            </a:r>
+            <a:endParaRPr lang="tr-TR" dirty="0" smtClean="0"/>
+          </a:p>
+          <a:p>
+            <a:pPr>
+              <a:buNone/>
+            </a:pPr>
+            <a:endParaRPr lang="en-US" dirty="0" smtClean="0"/>
+          </a:p>
+          <a:p>
+            <a:r>
+              <a:rPr lang="en-US" dirty="0" smtClean="0"/>
+              <a:t>A raw-material storage feeds the production process, and finished units are stored in a warehouse. Customers arrive at the warehouse with product requests (demands), and if a request cannot be fully satisfied by on-hand inventory, the unsatisfied portion represents lost business. </a:t>
+            </a:r>
+            <a:endParaRPr lang="tr-TR" dirty="0" smtClean="0"/>
+          </a:p>
+          <a:p>
+            <a:endParaRPr lang="en-US" dirty="0" smtClean="0"/>
+          </a:p>
+          <a:p>
+            <a:r>
+              <a:rPr lang="en-US" dirty="0" smtClean="0"/>
+              <a:t>The production process component operates as follows: there is always sufficient raw material in storage, so the production process never starves. </a:t>
+            </a:r>
+            <a:r>
+              <a:rPr lang="en-US" b="1" dirty="0" smtClean="0"/>
+              <a:t>Product processing is carried out in lots of 5 units, and finished lots are placed in the warehouse</a:t>
+            </a:r>
+          </a:p>
+        </p:txBody>
+      </p:sp>
+    </p:spTree>
+  </p:cSld>
+  <p:clrMapOvr>
+    <a:masterClrMapping/>
+  </p:clrMapOvr>
+</p:sld>
+</file>
+
+<file path=ppt/slides/slide101.xml><?xml version="1.0" encoding="utf-8"?>
+<p:sld xmlns:a="http://schemas.openxmlformats.org/drawingml/2006/main" xmlns:r="http://schemas.openxmlformats.org/officeDocument/2006/relationships" xmlns:p="http://schemas.openxmlformats.org/presentationml/2006/main">
+  <p:cSld>
+    <p:spTree>
+      <p:nvGrpSpPr>
+        <p:cNvPr id="1" name=""/>
+        <p:cNvGrpSpPr/>
+        <p:nvPr/>
+      </p:nvGrpSpPr>
+      <p:grpSpPr>
+        <a:xfrm>
+          <a:off x="0" y="0"/>
+          <a:ext cx="0" cy="0"/>
+          <a:chOff x="0" y="0"/>
+          <a:chExt cx="0" cy="0"/>
+        </a:xfrm>
+      </p:grpSpPr>
+      <p:sp>
+        <p:nvSpPr>
+          <p:cNvPr id="2" name="1 Başlık"/>
+          <p:cNvSpPr>
+            <a:spLocks noGrp="1"/>
+          </p:cNvSpPr>
+          <p:nvPr>
+            <p:ph type="title"/>
+          </p:nvPr>
+        </p:nvSpPr>
+        <p:spPr/>
+        <p:txBody>
+          <a:bodyPr/>
+          <a:lstStyle/>
+          <a:p>
+            <a:r>
+              <a:rPr lang="tr-TR" dirty="0" smtClean="0"/>
+              <a:t>WORKSHEET EXAMPLE-8</a:t>
+            </a:r>
+            <a:endParaRPr lang="tr-TR" dirty="0"/>
+          </a:p>
+        </p:txBody>
+      </p:sp>
+      <p:sp>
+        <p:nvSpPr>
+          <p:cNvPr id="3" name="2 İçerik Yer Tutucusu"/>
+          <p:cNvSpPr>
+            <a:spLocks noGrp="1"/>
+          </p:cNvSpPr>
+          <p:nvPr>
+            <p:ph idx="1"/>
+          </p:nvPr>
+        </p:nvSpPr>
+        <p:spPr>
+          <a:xfrm>
+            <a:off x="457200" y="1268760"/>
+            <a:ext cx="8229600" cy="5328592"/>
+          </a:xfrm>
+        </p:spPr>
+        <p:txBody>
+          <a:bodyPr>
+            <a:normAutofit fontScale="62500" lnSpcReduction="20000"/>
+          </a:bodyPr>
+          <a:lstStyle/>
+          <a:p>
+            <a:r>
+              <a:rPr lang="en-US" b="1" dirty="0" smtClean="0"/>
+              <a:t>Lot processing time is uniformly distributed between 10 and 20 minutes. The production process experiences random failures, which may occur at any point in time </a:t>
+            </a:r>
+            <a:endParaRPr lang="tr-TR" b="1" dirty="0" smtClean="0"/>
+          </a:p>
+          <a:p>
+            <a:pPr>
+              <a:buNone/>
+            </a:pPr>
+            <a:r>
+              <a:rPr lang="tr-TR" dirty="0" smtClean="0"/>
+              <a:t>	1. </a:t>
+            </a:r>
+            <a:r>
+              <a:rPr lang="en-US" dirty="0" smtClean="0"/>
+              <a:t>Times between failures are exponentially distributed with a mean of 200 minutes </a:t>
+            </a:r>
+            <a:endParaRPr lang="tr-TR" dirty="0" smtClean="0"/>
+          </a:p>
+          <a:p>
+            <a:pPr>
+              <a:buNone/>
+            </a:pPr>
+            <a:r>
+              <a:rPr lang="tr-TR" dirty="0" smtClean="0"/>
+              <a:t>	2. </a:t>
+            </a:r>
+            <a:r>
+              <a:rPr lang="en-US" dirty="0" smtClean="0"/>
+              <a:t>Repair times are normally distributed, with a mean of 90 minutes and a standard deviation of 45 minutes </a:t>
+            </a:r>
+            <a:endParaRPr lang="tr-TR" dirty="0" smtClean="0"/>
+          </a:p>
+          <a:p>
+            <a:endParaRPr lang="en-US" dirty="0" smtClean="0"/>
+          </a:p>
+          <a:p>
+            <a:r>
+              <a:rPr lang="en-US" b="1" dirty="0" smtClean="0"/>
+              <a:t>The warehouse component operates as follows: </a:t>
+            </a:r>
+          </a:p>
+          <a:p>
+            <a:pPr>
+              <a:buNone/>
+            </a:pPr>
+            <a:r>
+              <a:rPr lang="tr-TR" dirty="0" smtClean="0"/>
+              <a:t>	</a:t>
+            </a:r>
+            <a:r>
+              <a:rPr lang="en-US" dirty="0" smtClean="0"/>
+              <a:t>Warehouse operations implement the inventory control policy, where; </a:t>
+            </a:r>
+          </a:p>
+          <a:p>
+            <a:pPr>
+              <a:buNone/>
+            </a:pPr>
+            <a:r>
+              <a:rPr lang="tr-TR" dirty="0" smtClean="0"/>
+              <a:t>	</a:t>
+            </a:r>
+            <a:r>
+              <a:rPr lang="en-US" dirty="0" smtClean="0"/>
+              <a:t>1. The warehouse has a capacity (target level) of units</a:t>
+            </a:r>
+            <a:endParaRPr lang="tr-TR" dirty="0" smtClean="0"/>
+          </a:p>
+          <a:p>
+            <a:pPr>
+              <a:buNone/>
+            </a:pPr>
+            <a:r>
+              <a:rPr lang="tr-TR" dirty="0" smtClean="0"/>
+              <a:t>	</a:t>
+            </a:r>
+            <a:r>
+              <a:rPr lang="en-US" dirty="0" smtClean="0"/>
+              <a:t>2. The production process stops when the inventory in the warehouse reaches the target level </a:t>
+            </a:r>
+          </a:p>
+          <a:p>
+            <a:pPr>
+              <a:buNone/>
+            </a:pPr>
+            <a:r>
+              <a:rPr lang="tr-TR" dirty="0" smtClean="0"/>
+              <a:t>	</a:t>
+            </a:r>
+            <a:r>
+              <a:rPr lang="en-US" dirty="0" smtClean="0"/>
+              <a:t>3. From this point and on, the production process remains inactive until the inventory level drops to or below the reorder point of units </a:t>
+            </a:r>
+          </a:p>
+          <a:p>
+            <a:pPr>
+              <a:buNone/>
+            </a:pPr>
+            <a:r>
+              <a:rPr lang="tr-TR" dirty="0" smtClean="0"/>
+              <a:t>	</a:t>
+            </a:r>
+            <a:r>
+              <a:rPr lang="en-US" dirty="0" smtClean="0"/>
+              <a:t>4. At this point the production process is restarted until the warehouse inventory level reaches the target level</a:t>
+            </a:r>
+            <a:endParaRPr lang="en-US" b="1" dirty="0" smtClean="0"/>
+          </a:p>
+        </p:txBody>
+      </p:sp>
+    </p:spTree>
+  </p:cSld>
+  <p:clrMapOvr>
+    <a:masterClrMapping/>
+  </p:clrMapOvr>
+</p:sld>
+</file>
+
+<file path=ppt/slides/slide102.xml><?xml version="1.0" encoding="utf-8"?>
+<p:sld xmlns:a="http://schemas.openxmlformats.org/drawingml/2006/main" xmlns:r="http://schemas.openxmlformats.org/officeDocument/2006/relationships" xmlns:p="http://schemas.openxmlformats.org/presentationml/2006/main">
+  <p:cSld>
+    <p:spTree>
+      <p:nvGrpSpPr>
+        <p:cNvPr id="1" name=""/>
+        <p:cNvGrpSpPr/>
+        <p:nvPr/>
+      </p:nvGrpSpPr>
+      <p:grpSpPr>
+        <a:xfrm>
+          <a:off x="0" y="0"/>
+          <a:ext cx="0" cy="0"/>
+          <a:chOff x="0" y="0"/>
+          <a:chExt cx="0" cy="0"/>
+        </a:xfrm>
+      </p:grpSpPr>
+      <p:sp>
+        <p:nvSpPr>
+          <p:cNvPr id="2" name="1 Başlık"/>
+          <p:cNvSpPr>
+            <a:spLocks noGrp="1"/>
+          </p:cNvSpPr>
+          <p:nvPr>
+            <p:ph type="title"/>
+          </p:nvPr>
+        </p:nvSpPr>
+        <p:spPr/>
+        <p:txBody>
+          <a:bodyPr/>
+          <a:lstStyle/>
+          <a:p>
+            <a:r>
+              <a:rPr lang="tr-TR" dirty="0" smtClean="0"/>
+              <a:t>WORKSHEET EXAMPLE-8</a:t>
+            </a:r>
+            <a:endParaRPr lang="tr-TR" dirty="0"/>
+          </a:p>
+        </p:txBody>
+      </p:sp>
+      <p:sp>
+        <p:nvSpPr>
+          <p:cNvPr id="3" name="2 İçerik Yer Tutucusu"/>
+          <p:cNvSpPr>
+            <a:spLocks noGrp="1"/>
+          </p:cNvSpPr>
+          <p:nvPr>
+            <p:ph idx="1"/>
+          </p:nvPr>
+        </p:nvSpPr>
+        <p:spPr>
+          <a:xfrm>
+            <a:off x="457200" y="1268760"/>
+            <a:ext cx="8229600" cy="5328592"/>
+          </a:xfrm>
+        </p:spPr>
+        <p:txBody>
+          <a:bodyPr>
+            <a:normAutofit fontScale="62500" lnSpcReduction="20000"/>
+          </a:bodyPr>
+          <a:lstStyle/>
+          <a:p>
+            <a:r>
+              <a:rPr lang="en-US" b="1" i="1" dirty="0" smtClean="0"/>
+              <a:t>The inter-arrival times between successive customers are uniformly distributed between 3 to 7 hours, and individual demand sizes are distributed uniformly between 50 and 100 units </a:t>
+            </a:r>
+            <a:endParaRPr lang="tr-TR" b="1" i="1" dirty="0" smtClean="0"/>
+          </a:p>
+          <a:p>
+            <a:endParaRPr lang="en-US" b="1" i="1" dirty="0" smtClean="0"/>
+          </a:p>
+          <a:p>
+            <a:r>
+              <a:rPr lang="en-US" dirty="0" smtClean="0"/>
+              <a:t>On customer arrival, the inventory is immediately checked and if there is sufficient stock on hand, that demand is promptly satisfied,</a:t>
+            </a:r>
+            <a:r>
+              <a:rPr lang="tr-TR" dirty="0" smtClean="0"/>
+              <a:t> </a:t>
+            </a:r>
+            <a:r>
+              <a:rPr lang="en-US" dirty="0" smtClean="0"/>
+              <a:t>and otherwise, the unsatisfied portion of the demand is lost</a:t>
+            </a:r>
+            <a:r>
+              <a:rPr lang="tr-TR" dirty="0" smtClean="0"/>
+              <a:t>. </a:t>
+            </a:r>
+            <a:r>
+              <a:rPr lang="en-US" dirty="0" smtClean="0"/>
+              <a:t>The Arena model of the production/inventory system is composed of two segments: inventory management and demand management </a:t>
+            </a:r>
+            <a:endParaRPr lang="tr-TR" dirty="0" smtClean="0"/>
+          </a:p>
+          <a:p>
+            <a:endParaRPr lang="en-US" dirty="0" smtClean="0"/>
+          </a:p>
+          <a:p>
+            <a:r>
+              <a:rPr lang="en-US" dirty="0" smtClean="0"/>
+              <a:t>In the Arena model logic of the inventory management segment: </a:t>
+            </a:r>
+            <a:r>
+              <a:rPr lang="en-US" b="1" dirty="0" smtClean="0"/>
+              <a:t>the packaging process takes a unit of raw material from its queue and processes it as a batch of 5</a:t>
+            </a:r>
+            <a:r>
+              <a:rPr lang="tr-TR" b="1" dirty="0" smtClean="0"/>
+              <a:t>. </a:t>
+            </a:r>
+            <a:r>
+              <a:rPr lang="en-US" dirty="0" smtClean="0"/>
+              <a:t>The finished lot is added to the warehouse inventory (variable Inventory) </a:t>
+            </a:r>
+            <a:endParaRPr lang="tr-TR" dirty="0" smtClean="0"/>
+          </a:p>
+          <a:p>
+            <a:endParaRPr lang="en-US" dirty="0" smtClean="0"/>
+          </a:p>
+          <a:p>
+            <a:r>
+              <a:rPr lang="en-US" dirty="0" smtClean="0"/>
+              <a:t>If Inventory reaches or up-crosses the target level (variable Target Stock), then production stops until the reorder point (variable Reorder Point) is reached or down-crossed again. Processing of a new batch starts immediately when the reorder point is down-crossed</a:t>
+            </a:r>
+            <a:endParaRPr lang="en-US" b="1" dirty="0" smtClean="0"/>
+          </a:p>
+        </p:txBody>
+      </p:sp>
+    </p:spTree>
+  </p:cSld>
+  <p:clrMapOvr>
+    <a:masterClrMapping/>
+  </p:clrMapOvr>
+</p:sld>
+</file>
+
+<file path=ppt/slides/slide103.xml><?xml version="1.0" encoding="utf-8"?>
+<p:sld xmlns:a="http://schemas.openxmlformats.org/drawingml/2006/main" xmlns:r="http://schemas.openxmlformats.org/officeDocument/2006/relationships" xmlns:p="http://schemas.openxmlformats.org/presentationml/2006/main">
+  <p:cSld>
+    <p:spTree>
+      <p:nvGrpSpPr>
+        <p:cNvPr id="1" name=""/>
+        <p:cNvGrpSpPr/>
+        <p:nvPr/>
+      </p:nvGrpSpPr>
+      <p:grpSpPr>
+        <a:xfrm>
+          <a:off x="0" y="0"/>
+          <a:ext cx="0" cy="0"/>
+          <a:chOff x="0" y="0"/>
+          <a:chExt cx="0" cy="0"/>
+        </a:xfrm>
+      </p:grpSpPr>
+      <p:sp>
+        <p:nvSpPr>
+          <p:cNvPr id="2" name="1 Başlık"/>
+          <p:cNvSpPr>
+            <a:spLocks noGrp="1"/>
+          </p:cNvSpPr>
+          <p:nvPr>
+            <p:ph type="title"/>
+          </p:nvPr>
+        </p:nvSpPr>
+        <p:spPr/>
+        <p:txBody>
+          <a:bodyPr/>
+          <a:lstStyle/>
+          <a:p>
+            <a:r>
+              <a:rPr lang="tr-TR" dirty="0" smtClean="0"/>
+              <a:t>WORKSHEET EXAMPLE-8</a:t>
+            </a:r>
+            <a:endParaRPr lang="tr-TR" dirty="0"/>
+          </a:p>
+        </p:txBody>
+      </p:sp>
+      <p:sp>
+        <p:nvSpPr>
+          <p:cNvPr id="3" name="2 İçerik Yer Tutucusu"/>
+          <p:cNvSpPr>
+            <a:spLocks noGrp="1"/>
+          </p:cNvSpPr>
+          <p:nvPr>
+            <p:ph idx="1"/>
+          </p:nvPr>
+        </p:nvSpPr>
+        <p:spPr>
+          <a:xfrm>
+            <a:off x="457200" y="1268760"/>
+            <a:ext cx="8229600" cy="5328592"/>
+          </a:xfrm>
+        </p:spPr>
+        <p:txBody>
+          <a:bodyPr>
+            <a:normAutofit fontScale="70000" lnSpcReduction="20000"/>
+          </a:bodyPr>
+          <a:lstStyle/>
+          <a:p>
+            <a:r>
+              <a:rPr lang="en-US" dirty="0" smtClean="0"/>
+              <a:t>In the Arena model logic of the demand management segment: arrivals of customers and their demands at the warehouse are generated, the variable Inventory is adjusted upon customer arrival, the value of Inventory is monitored for triggering resumption of suspended production when the reorder point is down-crossed, track is kept of lost demand </a:t>
+            </a:r>
+            <a:endParaRPr lang="tr-TR" dirty="0" smtClean="0"/>
+          </a:p>
+          <a:p>
+            <a:endParaRPr lang="en-US" dirty="0" smtClean="0"/>
+          </a:p>
+          <a:p>
+            <a:r>
+              <a:rPr lang="en-US" b="1" dirty="0" smtClean="0"/>
+              <a:t>The Arena model logic implementation of the inventory management segment makes use of the following modules: </a:t>
+            </a:r>
+            <a:endParaRPr lang="tr-TR" b="1" dirty="0" smtClean="0"/>
+          </a:p>
+          <a:p>
+            <a:endParaRPr lang="en-US" b="1" dirty="0" smtClean="0"/>
+          </a:p>
+          <a:p>
+            <a:pPr>
+              <a:buNone/>
+            </a:pPr>
+            <a:r>
+              <a:rPr lang="tr-TR" dirty="0" smtClean="0"/>
+              <a:t>	1. </a:t>
+            </a:r>
+            <a:r>
+              <a:rPr lang="en-US" dirty="0" smtClean="0"/>
+              <a:t>The Create module, called Raw Material, generates product units for the packaging (batching) operation </a:t>
+            </a:r>
+            <a:endParaRPr lang="tr-TR" dirty="0" smtClean="0"/>
+          </a:p>
+          <a:p>
+            <a:pPr>
+              <a:buNone/>
+            </a:pPr>
+            <a:r>
+              <a:rPr lang="tr-TR" dirty="0" smtClean="0"/>
+              <a:t>	2. T</a:t>
+            </a:r>
+            <a:r>
+              <a:rPr lang="en-US" dirty="0" smtClean="0"/>
+              <a:t>he packaging operation is modeled using a sequence of Seize, Delay and Release modules </a:t>
+            </a:r>
+            <a:endParaRPr lang="tr-TR" dirty="0" smtClean="0"/>
+          </a:p>
+          <a:p>
+            <a:pPr>
+              <a:buNone/>
+            </a:pPr>
+            <a:r>
+              <a:rPr lang="tr-TR" dirty="0" smtClean="0"/>
+              <a:t>	3. T</a:t>
+            </a:r>
+            <a:r>
+              <a:rPr lang="en-US" dirty="0" smtClean="0"/>
+              <a:t>he actual processing (packaging in our case) takes place at the Delay module, called Packaging Process, where the packaging time of a batch is specified as minutes </a:t>
+            </a:r>
+            <a:r>
+              <a:rPr lang="en-US" dirty="0" err="1" smtClean="0"/>
+              <a:t>Unif</a:t>
+            </a:r>
+            <a:r>
+              <a:rPr lang="en-US" dirty="0" smtClean="0"/>
+              <a:t>( ) </a:t>
+            </a:r>
+          </a:p>
+        </p:txBody>
+      </p:sp>
+    </p:spTree>
+  </p:cSld>
+  <p:clrMapOvr>
+    <a:masterClrMapping/>
+  </p:clrMapOvr>
+</p:sld>
+</file>
+
+<file path=ppt/slides/slide104.xml><?xml version="1.0" encoding="utf-8"?>
+<p:sld xmlns:a="http://schemas.openxmlformats.org/drawingml/2006/main" xmlns:r="http://schemas.openxmlformats.org/officeDocument/2006/relationships" xmlns:p="http://schemas.openxmlformats.org/presentationml/2006/main">
+  <p:cSld>
+    <p:spTree>
+      <p:nvGrpSpPr>
+        <p:cNvPr id="1" name=""/>
+        <p:cNvGrpSpPr/>
+        <p:nvPr/>
+      </p:nvGrpSpPr>
+      <p:grpSpPr>
+        <a:xfrm>
+          <a:off x="0" y="0"/>
+          <a:ext cx="0" cy="0"/>
+          <a:chOff x="0" y="0"/>
+          <a:chExt cx="0" cy="0"/>
+        </a:xfrm>
+      </p:grpSpPr>
+      <p:sp>
+        <p:nvSpPr>
+          <p:cNvPr id="2" name="1 Başlık"/>
+          <p:cNvSpPr>
+            <a:spLocks noGrp="1"/>
+          </p:cNvSpPr>
+          <p:nvPr>
+            <p:ph type="title"/>
+          </p:nvPr>
+        </p:nvSpPr>
+        <p:spPr/>
+        <p:txBody>
+          <a:bodyPr/>
+          <a:lstStyle/>
+          <a:p>
+            <a:r>
+              <a:rPr lang="tr-TR" dirty="0" smtClean="0"/>
+              <a:t>WORKSHEET EXAMPLE-8</a:t>
+            </a:r>
+            <a:endParaRPr lang="tr-TR" dirty="0"/>
+          </a:p>
+        </p:txBody>
+      </p:sp>
+      <p:pic>
+        <p:nvPicPr>
+          <p:cNvPr id="11266" name="Picture 2"/>
+          <p:cNvPicPr>
+            <a:picLocks noGrp="1" noChangeAspect="1" noChangeArrowheads="1"/>
+          </p:cNvPicPr>
+          <p:nvPr>
+            <p:ph idx="1"/>
+          </p:nvPr>
+        </p:nvPicPr>
+        <p:blipFill>
+          <a:blip r:embed="rId2" cstate="print"/>
+          <a:srcRect/>
+          <a:stretch>
+            <a:fillRect/>
+          </a:stretch>
+        </p:blipFill>
+        <p:spPr bwMode="auto">
+          <a:xfrm>
+            <a:off x="516360" y="1268413"/>
+            <a:ext cx="8111279" cy="5329237"/>
+          </a:xfrm>
+          <a:prstGeom prst="rect">
+            <a:avLst/>
+          </a:prstGeom>
+          <a:noFill/>
+          <a:ln w="9525">
+            <a:noFill/>
+            <a:miter lim="800000"/>
+            <a:headEnd/>
+            <a:tailEnd/>
+          </a:ln>
+        </p:spPr>
+      </p:pic>
+    </p:spTree>
+  </p:cSld>
+  <p:clrMapOvr>
+    <a:masterClrMapping/>
+  </p:clrMapOvr>
+</p:sld>
+</file>
+
+<file path=ppt/slides/slide105.xml><?xml version="1.0" encoding="utf-8"?>
+<p:sld xmlns:a="http://schemas.openxmlformats.org/drawingml/2006/main" xmlns:r="http://schemas.openxmlformats.org/officeDocument/2006/relationships" xmlns:p="http://schemas.openxmlformats.org/presentationml/2006/main">
+  <p:cSld>
+    <p:spTree>
+      <p:nvGrpSpPr>
+        <p:cNvPr id="1" name=""/>
+        <p:cNvGrpSpPr/>
+        <p:nvPr/>
+      </p:nvGrpSpPr>
+      <p:grpSpPr>
+        <a:xfrm>
+          <a:off x="0" y="0"/>
+          <a:ext cx="0" cy="0"/>
+          <a:chOff x="0" y="0"/>
+          <a:chExt cx="0" cy="0"/>
+        </a:xfrm>
+      </p:grpSpPr>
+      <p:sp>
+        <p:nvSpPr>
+          <p:cNvPr id="2" name="1 Başlık"/>
+          <p:cNvSpPr>
+            <a:spLocks noGrp="1"/>
+          </p:cNvSpPr>
+          <p:nvPr>
+            <p:ph type="title"/>
+          </p:nvPr>
+        </p:nvSpPr>
+        <p:spPr>
+          <a:xfrm>
+            <a:off x="467544" y="0"/>
+            <a:ext cx="8229600" cy="1143000"/>
+          </a:xfrm>
+        </p:spPr>
+        <p:txBody>
+          <a:bodyPr/>
+          <a:lstStyle/>
+          <a:p>
+            <a:r>
+              <a:rPr lang="tr-TR" dirty="0" smtClean="0"/>
+              <a:t>WORKSHEET EXAMPLE-8</a:t>
+            </a:r>
+            <a:endParaRPr lang="tr-TR" dirty="0"/>
+          </a:p>
+        </p:txBody>
+      </p:sp>
+      <p:pic>
+        <p:nvPicPr>
+          <p:cNvPr id="3" name="Picture 2"/>
+          <p:cNvPicPr>
+            <a:picLocks noChangeAspect="1" noChangeArrowheads="1"/>
+          </p:cNvPicPr>
+          <p:nvPr/>
+        </p:nvPicPr>
+        <p:blipFill>
+          <a:blip r:embed="rId2" cstate="print"/>
+          <a:srcRect/>
+          <a:stretch>
+            <a:fillRect/>
+          </a:stretch>
+        </p:blipFill>
+        <p:spPr bwMode="auto">
+          <a:xfrm>
+            <a:off x="251520" y="1052736"/>
+            <a:ext cx="4362450" cy="2781300"/>
+          </a:xfrm>
+          <a:prstGeom prst="rect">
+            <a:avLst/>
+          </a:prstGeom>
+          <a:noFill/>
+          <a:ln w="9525">
+            <a:noFill/>
+            <a:miter lim="800000"/>
+            <a:headEnd/>
+            <a:tailEnd/>
+          </a:ln>
+        </p:spPr>
+      </p:pic>
+      <p:pic>
+        <p:nvPicPr>
+          <p:cNvPr id="1027" name="Picture 3"/>
+          <p:cNvPicPr>
+            <a:picLocks noChangeAspect="1" noChangeArrowheads="1"/>
+          </p:cNvPicPr>
+          <p:nvPr/>
+        </p:nvPicPr>
+        <p:blipFill>
+          <a:blip r:embed="rId3" cstate="print"/>
+          <a:srcRect/>
+          <a:stretch>
+            <a:fillRect/>
+          </a:stretch>
+        </p:blipFill>
+        <p:spPr bwMode="auto">
+          <a:xfrm>
+            <a:off x="3779912" y="3557085"/>
+            <a:ext cx="5169396" cy="3110787"/>
+          </a:xfrm>
+          <a:prstGeom prst="rect">
+            <a:avLst/>
+          </a:prstGeom>
+          <a:noFill/>
+          <a:ln w="9525">
+            <a:noFill/>
+            <a:miter lim="800000"/>
+            <a:headEnd/>
+            <a:tailEnd/>
+          </a:ln>
+        </p:spPr>
+      </p:pic>
+    </p:spTree>
+  </p:cSld>
+  <p:clrMapOvr>
+    <a:masterClrMapping/>
+  </p:clrMapOvr>
+</p:sld>
+</file>
+
+<file path=ppt/slides/slide106.xml><?xml version="1.0" encoding="utf-8"?>
+<p:sld xmlns:a="http://schemas.openxmlformats.org/drawingml/2006/main" xmlns:r="http://schemas.openxmlformats.org/officeDocument/2006/relationships" xmlns:p="http://schemas.openxmlformats.org/presentationml/2006/main">
+  <p:cSld>
+    <p:spTree>
+      <p:nvGrpSpPr>
+        <p:cNvPr id="1" name=""/>
+        <p:cNvGrpSpPr/>
+        <p:nvPr/>
+      </p:nvGrpSpPr>
+      <p:grpSpPr>
+        <a:xfrm>
+          <a:off x="0" y="0"/>
+          <a:ext cx="0" cy="0"/>
+          <a:chOff x="0" y="0"/>
+          <a:chExt cx="0" cy="0"/>
+        </a:xfrm>
+      </p:grpSpPr>
+      <p:sp>
+        <p:nvSpPr>
+          <p:cNvPr id="2" name="1 Başlık"/>
+          <p:cNvSpPr>
+            <a:spLocks noGrp="1"/>
+          </p:cNvSpPr>
+          <p:nvPr>
+            <p:ph type="title"/>
+          </p:nvPr>
+        </p:nvSpPr>
+        <p:spPr>
+          <a:xfrm>
+            <a:off x="467544" y="0"/>
+            <a:ext cx="8229600" cy="1143000"/>
+          </a:xfrm>
+        </p:spPr>
+        <p:txBody>
+          <a:bodyPr/>
+          <a:lstStyle/>
+          <a:p>
+            <a:r>
+              <a:rPr lang="tr-TR" dirty="0" smtClean="0"/>
+              <a:t>WORKSHEET EXAMPLE-8</a:t>
+            </a:r>
+            <a:endParaRPr lang="tr-TR" dirty="0"/>
+          </a:p>
+        </p:txBody>
+      </p:sp>
+      <p:pic>
+        <p:nvPicPr>
+          <p:cNvPr id="2050" name="Picture 2"/>
+          <p:cNvPicPr>
+            <a:picLocks noChangeAspect="1" noChangeArrowheads="1"/>
+          </p:cNvPicPr>
+          <p:nvPr/>
+        </p:nvPicPr>
+        <p:blipFill>
+          <a:blip r:embed="rId2" cstate="print"/>
+          <a:srcRect/>
+          <a:stretch>
+            <a:fillRect/>
+          </a:stretch>
+        </p:blipFill>
+        <p:spPr bwMode="auto">
+          <a:xfrm>
+            <a:off x="251520" y="1772816"/>
+            <a:ext cx="4476543" cy="3600400"/>
+          </a:xfrm>
+          <a:prstGeom prst="rect">
+            <a:avLst/>
+          </a:prstGeom>
+          <a:noFill/>
+          <a:ln w="9525">
+            <a:noFill/>
+            <a:miter lim="800000"/>
+            <a:headEnd/>
+            <a:tailEnd/>
+          </a:ln>
+        </p:spPr>
+      </p:pic>
+      <p:sp>
+        <p:nvSpPr>
+          <p:cNvPr id="6" name="5 Dikdörtgen"/>
+          <p:cNvSpPr/>
+          <p:nvPr/>
+        </p:nvSpPr>
+        <p:spPr>
+          <a:xfrm>
+            <a:off x="4860032" y="1196752"/>
+            <a:ext cx="3600400" cy="1477328"/>
+          </a:xfrm>
+          <a:prstGeom prst="rect">
+            <a:avLst/>
+          </a:prstGeom>
+        </p:spPr>
+        <p:txBody>
+          <a:bodyPr wrap="square">
+            <a:spAutoFit/>
+          </a:bodyPr>
+          <a:lstStyle/>
+          <a:p>
+            <a:r>
+              <a:rPr lang="en-US" dirty="0" smtClean="0"/>
+              <a:t>The Hold module performs a gating function on entities </a:t>
+            </a:r>
+          </a:p>
+          <a:p>
+            <a:r>
+              <a:rPr lang="en-US" dirty="0" smtClean="0"/>
+              <a:t>• the dialog box below illustrates the use of a Hold module for checking the production state </a:t>
+            </a:r>
+            <a:endParaRPr lang="tr-TR" dirty="0"/>
+          </a:p>
+        </p:txBody>
+      </p:sp>
+      <p:sp>
+        <p:nvSpPr>
+          <p:cNvPr id="7" name="6 Dikdörtgen"/>
+          <p:cNvSpPr/>
+          <p:nvPr/>
+        </p:nvSpPr>
+        <p:spPr>
+          <a:xfrm>
+            <a:off x="4860032" y="2852936"/>
+            <a:ext cx="3672408" cy="3693319"/>
+          </a:xfrm>
+          <a:prstGeom prst="rect">
+            <a:avLst/>
+          </a:prstGeom>
+        </p:spPr>
+        <p:txBody>
+          <a:bodyPr wrap="square">
+            <a:spAutoFit/>
+          </a:bodyPr>
+          <a:lstStyle/>
+          <a:p>
+            <a:r>
+              <a:rPr lang="en-US" dirty="0" smtClean="0"/>
+              <a:t>The state of production (0 = off or 1 = on) is maintained in a variable, called Production, initially set to 0 </a:t>
+            </a:r>
+          </a:p>
+          <a:p>
+            <a:r>
+              <a:rPr lang="en-US" dirty="0" smtClean="0"/>
+              <a:t>• </a:t>
+            </a:r>
+            <a:r>
+              <a:rPr lang="en-US" b="1" dirty="0" smtClean="0"/>
+              <a:t>the Hold module scan for the truth or falsehood of a logical condition, (Production = = 1), and holds the entity in the module until the condition becomes true </a:t>
+            </a:r>
+          </a:p>
+          <a:p>
+            <a:r>
+              <a:rPr lang="en-US" dirty="0" smtClean="0"/>
+              <a:t>• once the condition becomes true, the entity proceeds to the next module, and otherwise, it waits on in a Queue, called Shall We Produce?.Queue </a:t>
+            </a:r>
+          </a:p>
+        </p:txBody>
+      </p:sp>
+    </p:spTree>
+  </p:cSld>
+  <p:clrMapOvr>
+    <a:masterClrMapping/>
+  </p:clrMapOvr>
+</p:sld>
+</file>
+
+<file path=ppt/slides/slide107.xml><?xml version="1.0" encoding="utf-8"?>
+<p:sld xmlns:a="http://schemas.openxmlformats.org/drawingml/2006/main" xmlns:r="http://schemas.openxmlformats.org/officeDocument/2006/relationships" xmlns:p="http://schemas.openxmlformats.org/presentationml/2006/main">
+  <p:cSld>
+    <p:spTree>
+      <p:nvGrpSpPr>
+        <p:cNvPr id="1" name=""/>
+        <p:cNvGrpSpPr/>
+        <p:nvPr/>
+      </p:nvGrpSpPr>
+      <p:grpSpPr>
+        <a:xfrm>
+          <a:off x="0" y="0"/>
+          <a:ext cx="0" cy="0"/>
+          <a:chOff x="0" y="0"/>
+          <a:chExt cx="0" cy="0"/>
+        </a:xfrm>
+      </p:grpSpPr>
+      <p:sp>
+        <p:nvSpPr>
+          <p:cNvPr id="2" name="1 Başlık"/>
+          <p:cNvSpPr>
+            <a:spLocks noGrp="1"/>
+          </p:cNvSpPr>
+          <p:nvPr>
+            <p:ph type="title"/>
+          </p:nvPr>
+        </p:nvSpPr>
+        <p:spPr>
+          <a:xfrm>
+            <a:off x="467544" y="0"/>
+            <a:ext cx="8229600" cy="1143000"/>
+          </a:xfrm>
+        </p:spPr>
+        <p:txBody>
+          <a:bodyPr/>
+          <a:lstStyle/>
+          <a:p>
+            <a:r>
+              <a:rPr lang="tr-TR" dirty="0" smtClean="0"/>
+              <a:t>WORKSHEET EXAMPLE-8</a:t>
+            </a:r>
+            <a:endParaRPr lang="tr-TR" dirty="0"/>
+          </a:p>
+        </p:txBody>
+      </p:sp>
+      <p:sp>
+        <p:nvSpPr>
+          <p:cNvPr id="3" name="2 Dikdörtgen"/>
+          <p:cNvSpPr/>
+          <p:nvPr/>
+        </p:nvSpPr>
+        <p:spPr>
+          <a:xfrm>
+            <a:off x="5292080" y="1268760"/>
+            <a:ext cx="3563888" cy="4247317"/>
+          </a:xfrm>
+          <a:prstGeom prst="rect">
+            <a:avLst/>
+          </a:prstGeom>
+        </p:spPr>
+        <p:txBody>
+          <a:bodyPr wrap="square">
+            <a:spAutoFit/>
+          </a:bodyPr>
+          <a:lstStyle/>
+          <a:p>
+            <a:r>
+              <a:rPr lang="en-US" dirty="0" smtClean="0"/>
+              <a:t>The inventory level at the warehouse is maintained in a variable, called Inventory, initially set to 250 </a:t>
+            </a:r>
+          </a:p>
+          <a:p>
+            <a:r>
+              <a:rPr lang="en-US" dirty="0" smtClean="0"/>
+              <a:t>• each product entity (batch of 5 units) that enters the Assign module, called Update Inventory, increases the warehouse inventory level by a batch of 5 finished jobs by adding the Batch Size to the variable Inventory </a:t>
+            </a:r>
+          </a:p>
+          <a:p>
+            <a:r>
+              <a:rPr lang="en-US" dirty="0" smtClean="0"/>
+              <a:t>• that entity then proceeds from the Hold module, called Shall We Produce?, to the Decide module, called Check Target </a:t>
+            </a:r>
+            <a:endParaRPr lang="tr-TR" dirty="0"/>
+          </a:p>
+        </p:txBody>
+      </p:sp>
+      <p:pic>
+        <p:nvPicPr>
+          <p:cNvPr id="3074" name="Picture 2"/>
+          <p:cNvPicPr>
+            <a:picLocks noChangeAspect="1" noChangeArrowheads="1"/>
+          </p:cNvPicPr>
+          <p:nvPr/>
+        </p:nvPicPr>
+        <p:blipFill>
+          <a:blip r:embed="rId2" cstate="print"/>
+          <a:srcRect/>
+          <a:stretch>
+            <a:fillRect/>
+          </a:stretch>
+        </p:blipFill>
+        <p:spPr bwMode="auto">
+          <a:xfrm>
+            <a:off x="323528" y="1124744"/>
+            <a:ext cx="4776262" cy="2232248"/>
+          </a:xfrm>
+          <a:prstGeom prst="rect">
+            <a:avLst/>
+          </a:prstGeom>
+          <a:noFill/>
+          <a:ln w="9525">
+            <a:noFill/>
+            <a:miter lim="800000"/>
+            <a:headEnd/>
+            <a:tailEnd/>
+          </a:ln>
+        </p:spPr>
+      </p:pic>
+      <p:pic>
+        <p:nvPicPr>
+          <p:cNvPr id="3075" name="Picture 3"/>
+          <p:cNvPicPr>
+            <a:picLocks noChangeAspect="1" noChangeArrowheads="1"/>
+          </p:cNvPicPr>
+          <p:nvPr/>
+        </p:nvPicPr>
+        <p:blipFill>
+          <a:blip r:embed="rId3" cstate="print"/>
+          <a:srcRect/>
+          <a:stretch>
+            <a:fillRect/>
+          </a:stretch>
+        </p:blipFill>
+        <p:spPr bwMode="auto">
+          <a:xfrm>
+            <a:off x="395536" y="5517232"/>
+            <a:ext cx="8229600" cy="1066800"/>
+          </a:xfrm>
+          <a:prstGeom prst="rect">
+            <a:avLst/>
+          </a:prstGeom>
+          <a:noFill/>
+          <a:ln w="9525">
+            <a:noFill/>
+            <a:miter lim="800000"/>
+            <a:headEnd/>
+            <a:tailEnd/>
+          </a:ln>
+        </p:spPr>
+      </p:pic>
+      <p:pic>
+        <p:nvPicPr>
+          <p:cNvPr id="3076" name="Picture 4"/>
+          <p:cNvPicPr>
+            <a:picLocks noChangeAspect="1" noChangeArrowheads="1"/>
+          </p:cNvPicPr>
+          <p:nvPr/>
+        </p:nvPicPr>
+        <p:blipFill>
+          <a:blip r:embed="rId4" cstate="print"/>
+          <a:srcRect/>
+          <a:stretch>
+            <a:fillRect/>
+          </a:stretch>
+        </p:blipFill>
+        <p:spPr bwMode="auto">
+          <a:xfrm>
+            <a:off x="323528" y="3789040"/>
+            <a:ext cx="4825136" cy="1224136"/>
+          </a:xfrm>
+          <a:prstGeom prst="rect">
+            <a:avLst/>
+          </a:prstGeom>
+          <a:noFill/>
+          <a:ln w="9525">
+            <a:noFill/>
+            <a:miter lim="800000"/>
+            <a:headEnd/>
+            <a:tailEnd/>
+          </a:ln>
+        </p:spPr>
+      </p:pic>
+    </p:spTree>
+  </p:cSld>
+  <p:clrMapOvr>
+    <a:masterClrMapping/>
+  </p:clrMapOvr>
+</p:sld>
+</file>
+
+<file path=ppt/slides/slide108.xml><?xml version="1.0" encoding="utf-8"?>
+<p:sld xmlns:a="http://schemas.openxmlformats.org/drawingml/2006/main" xmlns:r="http://schemas.openxmlformats.org/officeDocument/2006/relationships" xmlns:p="http://schemas.openxmlformats.org/presentationml/2006/main">
+  <p:cSld>
+    <p:spTree>
+      <p:nvGrpSpPr>
+        <p:cNvPr id="1" name=""/>
+        <p:cNvGrpSpPr/>
+        <p:nvPr/>
+      </p:nvGrpSpPr>
+      <p:grpSpPr>
+        <a:xfrm>
+          <a:off x="0" y="0"/>
+          <a:ext cx="0" cy="0"/>
+          <a:chOff x="0" y="0"/>
+          <a:chExt cx="0" cy="0"/>
+        </a:xfrm>
+      </p:grpSpPr>
+      <p:sp>
+        <p:nvSpPr>
+          <p:cNvPr id="2" name="1 Başlık"/>
+          <p:cNvSpPr>
+            <a:spLocks noGrp="1"/>
+          </p:cNvSpPr>
+          <p:nvPr>
+            <p:ph type="title"/>
+          </p:nvPr>
+        </p:nvSpPr>
+        <p:spPr>
+          <a:xfrm>
+            <a:off x="467544" y="0"/>
+            <a:ext cx="8229600" cy="1143000"/>
+          </a:xfrm>
+        </p:spPr>
+        <p:txBody>
+          <a:bodyPr/>
+          <a:lstStyle/>
+          <a:p>
+            <a:r>
+              <a:rPr lang="tr-TR" dirty="0" smtClean="0"/>
+              <a:t>WORKSHEET EXAMPLE-8</a:t>
+            </a:r>
+            <a:endParaRPr lang="tr-TR" dirty="0"/>
+          </a:p>
+        </p:txBody>
+      </p:sp>
+      <p:sp>
+        <p:nvSpPr>
+          <p:cNvPr id="3" name="2 Dikdörtgen"/>
+          <p:cNvSpPr/>
+          <p:nvPr/>
+        </p:nvSpPr>
+        <p:spPr>
+          <a:xfrm>
+            <a:off x="611560" y="4149080"/>
+            <a:ext cx="7776864" cy="1200329"/>
+          </a:xfrm>
+          <a:prstGeom prst="rect">
+            <a:avLst/>
+          </a:prstGeom>
+        </p:spPr>
+        <p:txBody>
+          <a:bodyPr wrap="square">
+            <a:spAutoFit/>
+          </a:bodyPr>
+          <a:lstStyle/>
+          <a:p>
+            <a:r>
+              <a:rPr lang="en-US" dirty="0" smtClean="0"/>
+              <a:t>• One of the attribute fields is Failures, which specifies resource failures in a dialog box </a:t>
+            </a:r>
+          </a:p>
+          <a:p>
+            <a:r>
+              <a:rPr lang="en-US" dirty="0" smtClean="0"/>
+              <a:t>• the dialog box below shows the resource Packaging Process with its Failures field details </a:t>
+            </a:r>
+            <a:endParaRPr lang="tr-TR" dirty="0"/>
+          </a:p>
+        </p:txBody>
+      </p:sp>
+      <p:pic>
+        <p:nvPicPr>
+          <p:cNvPr id="4098" name="Picture 2"/>
+          <p:cNvPicPr>
+            <a:picLocks noChangeAspect="1" noChangeArrowheads="1"/>
+          </p:cNvPicPr>
+          <p:nvPr/>
+        </p:nvPicPr>
+        <p:blipFill>
+          <a:blip r:embed="rId2" cstate="print"/>
+          <a:srcRect/>
+          <a:stretch>
+            <a:fillRect/>
+          </a:stretch>
+        </p:blipFill>
+        <p:spPr bwMode="auto">
+          <a:xfrm>
+            <a:off x="611560" y="5373216"/>
+            <a:ext cx="7753350" cy="1304925"/>
+          </a:xfrm>
+          <a:prstGeom prst="rect">
+            <a:avLst/>
+          </a:prstGeom>
+          <a:noFill/>
+          <a:ln w="9525">
+            <a:noFill/>
+            <a:miter lim="800000"/>
+            <a:headEnd/>
+            <a:tailEnd/>
+          </a:ln>
+        </p:spPr>
+      </p:pic>
+      <p:pic>
+        <p:nvPicPr>
+          <p:cNvPr id="4099" name="Picture 3"/>
+          <p:cNvPicPr>
+            <a:picLocks noChangeAspect="1" noChangeArrowheads="1"/>
+          </p:cNvPicPr>
+          <p:nvPr/>
+        </p:nvPicPr>
+        <p:blipFill>
+          <a:blip r:embed="rId3" cstate="print"/>
+          <a:srcRect/>
+          <a:stretch>
+            <a:fillRect/>
+          </a:stretch>
+        </p:blipFill>
+        <p:spPr bwMode="auto">
+          <a:xfrm>
+            <a:off x="251520" y="980728"/>
+            <a:ext cx="4032448" cy="2792621"/>
+          </a:xfrm>
+          <a:prstGeom prst="rect">
+            <a:avLst/>
+          </a:prstGeom>
+          <a:noFill/>
+          <a:ln w="9525">
+            <a:noFill/>
+            <a:miter lim="800000"/>
+            <a:headEnd/>
+            <a:tailEnd/>
+          </a:ln>
+        </p:spPr>
+      </p:pic>
+      <p:pic>
+        <p:nvPicPr>
+          <p:cNvPr id="4101" name="Picture 5"/>
+          <p:cNvPicPr>
+            <a:picLocks noChangeAspect="1" noChangeArrowheads="1"/>
+          </p:cNvPicPr>
+          <p:nvPr/>
+        </p:nvPicPr>
+        <p:blipFill>
+          <a:blip r:embed="rId4" cstate="print"/>
+          <a:srcRect/>
+          <a:stretch>
+            <a:fillRect/>
+          </a:stretch>
+        </p:blipFill>
+        <p:spPr bwMode="auto">
+          <a:xfrm>
+            <a:off x="4716016" y="980728"/>
+            <a:ext cx="4058551" cy="1944216"/>
+          </a:xfrm>
+          <a:prstGeom prst="rect">
+            <a:avLst/>
+          </a:prstGeom>
+          <a:noFill/>
+          <a:ln w="9525">
+            <a:noFill/>
+            <a:miter lim="800000"/>
+            <a:headEnd/>
+            <a:tailEnd/>
+          </a:ln>
+        </p:spPr>
+      </p:pic>
+      <p:sp>
+        <p:nvSpPr>
+          <p:cNvPr id="8" name="7 Dikdörtgen"/>
+          <p:cNvSpPr/>
+          <p:nvPr/>
+        </p:nvSpPr>
+        <p:spPr>
+          <a:xfrm>
+            <a:off x="4644008" y="3068960"/>
+            <a:ext cx="4248472" cy="1200329"/>
+          </a:xfrm>
+          <a:prstGeom prst="rect">
+            <a:avLst/>
+          </a:prstGeom>
+        </p:spPr>
+        <p:txBody>
+          <a:bodyPr wrap="square">
+            <a:spAutoFit/>
+          </a:bodyPr>
+          <a:lstStyle/>
+          <a:p>
+            <a:r>
+              <a:rPr lang="en-US" dirty="0" smtClean="0"/>
+              <a:t>A spreadsheet view of Resource modules (from the Basic Process template panel) is used to list all resources and their attributes </a:t>
+            </a:r>
+          </a:p>
+        </p:txBody>
+      </p:sp>
+    </p:spTree>
+  </p:cSld>
+  <p:clrMapOvr>
+    <a:masterClrMapping/>
+  </p:clrMapOvr>
+</p:sld>
+</file>
+
+<file path=ppt/slides/slide109.xml><?xml version="1.0" encoding="utf-8"?>
+<p:sld xmlns:a="http://schemas.openxmlformats.org/drawingml/2006/main" xmlns:r="http://schemas.openxmlformats.org/officeDocument/2006/relationships" xmlns:p="http://schemas.openxmlformats.org/presentationml/2006/main">
+  <p:cSld>
+    <p:spTree>
+      <p:nvGrpSpPr>
+        <p:cNvPr id="1" name=""/>
+        <p:cNvGrpSpPr/>
+        <p:nvPr/>
+      </p:nvGrpSpPr>
+      <p:grpSpPr>
+        <a:xfrm>
+          <a:off x="0" y="0"/>
+          <a:ext cx="0" cy="0"/>
+          <a:chOff x="0" y="0"/>
+          <a:chExt cx="0" cy="0"/>
+        </a:xfrm>
+      </p:grpSpPr>
+      <p:sp>
+        <p:nvSpPr>
+          <p:cNvPr id="2" name="1 Başlık"/>
+          <p:cNvSpPr>
+            <a:spLocks noGrp="1"/>
+          </p:cNvSpPr>
+          <p:nvPr>
+            <p:ph type="title"/>
+          </p:nvPr>
+        </p:nvSpPr>
+        <p:spPr>
+          <a:xfrm>
+            <a:off x="467544" y="0"/>
+            <a:ext cx="8229600" cy="1143000"/>
+          </a:xfrm>
+        </p:spPr>
+        <p:txBody>
+          <a:bodyPr/>
+          <a:lstStyle/>
+          <a:p>
+            <a:r>
+              <a:rPr lang="tr-TR" dirty="0" smtClean="0"/>
+              <a:t>WORKSHEET EXAMPLE-8</a:t>
+            </a:r>
+            <a:endParaRPr lang="tr-TR" dirty="0"/>
+          </a:p>
+        </p:txBody>
+      </p:sp>
+      <p:pic>
+        <p:nvPicPr>
+          <p:cNvPr id="5122" name="Picture 2"/>
+          <p:cNvPicPr>
+            <a:picLocks noChangeAspect="1" noChangeArrowheads="1"/>
+          </p:cNvPicPr>
+          <p:nvPr/>
+        </p:nvPicPr>
+        <p:blipFill>
+          <a:blip r:embed="rId2" cstate="print"/>
+          <a:srcRect/>
+          <a:stretch>
+            <a:fillRect/>
+          </a:stretch>
+        </p:blipFill>
+        <p:spPr bwMode="auto">
+          <a:xfrm>
+            <a:off x="251519" y="980728"/>
+            <a:ext cx="4920547" cy="2952328"/>
+          </a:xfrm>
+          <a:prstGeom prst="rect">
+            <a:avLst/>
+          </a:prstGeom>
+          <a:noFill/>
+          <a:ln w="9525">
+            <a:noFill/>
+            <a:miter lim="800000"/>
+            <a:headEnd/>
+            <a:tailEnd/>
+          </a:ln>
+        </p:spPr>
+      </p:pic>
+      <p:sp>
+        <p:nvSpPr>
+          <p:cNvPr id="4" name="3 Dikdörtgen"/>
+          <p:cNvSpPr/>
+          <p:nvPr/>
+        </p:nvSpPr>
+        <p:spPr>
+          <a:xfrm>
+            <a:off x="5652120" y="1124744"/>
+            <a:ext cx="3240360" cy="2308324"/>
+          </a:xfrm>
+          <a:prstGeom prst="rect">
+            <a:avLst/>
+          </a:prstGeom>
+        </p:spPr>
+        <p:txBody>
+          <a:bodyPr wrap="square">
+            <a:spAutoFit/>
+          </a:bodyPr>
+          <a:lstStyle/>
+          <a:p>
+            <a:r>
+              <a:rPr lang="en-US" dirty="0" smtClean="0"/>
+              <a:t>The Decide module is used by entities</a:t>
+            </a:r>
+            <a:r>
+              <a:rPr lang="tr-TR" dirty="0" smtClean="0"/>
+              <a:t> </a:t>
+            </a:r>
+            <a:r>
+              <a:rPr lang="en-US" dirty="0" smtClean="0"/>
+              <a:t>to make branching </a:t>
+            </a:r>
+            <a:r>
+              <a:rPr lang="en-US" dirty="0" err="1" smtClean="0"/>
+              <a:t>decisions,based</a:t>
+            </a:r>
+            <a:r>
+              <a:rPr lang="en-US" dirty="0" smtClean="0"/>
+              <a:t> on chance or the truth/falsity of prescribed conditions the dialog box below makes a two-way probabilistic branching decision by checking the inventory target level </a:t>
+            </a:r>
+            <a:endParaRPr lang="tr-TR" dirty="0"/>
+          </a:p>
+        </p:txBody>
+      </p:sp>
+      <p:sp>
+        <p:nvSpPr>
+          <p:cNvPr id="5" name="4 Dikdörtgen"/>
+          <p:cNvSpPr/>
+          <p:nvPr/>
+        </p:nvSpPr>
+        <p:spPr>
+          <a:xfrm>
+            <a:off x="5652120" y="3573016"/>
+            <a:ext cx="3491880" cy="3139321"/>
+          </a:xfrm>
+          <a:prstGeom prst="rect">
+            <a:avLst/>
+          </a:prstGeom>
+        </p:spPr>
+        <p:txBody>
+          <a:bodyPr wrap="square">
+            <a:spAutoFit/>
+          </a:bodyPr>
+          <a:lstStyle/>
+          <a:p>
+            <a:r>
+              <a:rPr lang="en-US" dirty="0" smtClean="0"/>
+              <a:t>The entity tests there whether or not the inventory target level has been up-crossed as follows: </a:t>
+            </a:r>
+          </a:p>
+          <a:p>
+            <a:r>
+              <a:rPr lang="en-US" dirty="0" smtClean="0"/>
+              <a:t>• if the inventory target level has been up-crossed, then the entity moves on to the Assign module, called Stop Production, and sets Production = 0 to signal that production is suspended </a:t>
+            </a:r>
+          </a:p>
+          <a:p>
+            <a:r>
+              <a:rPr lang="en-US" dirty="0" smtClean="0"/>
+              <a:t>• otherwise, the entity does nothing </a:t>
+            </a:r>
+            <a:endParaRPr lang="tr-TR" dirty="0"/>
+          </a:p>
+        </p:txBody>
+      </p:sp>
+      <p:pic>
+        <p:nvPicPr>
+          <p:cNvPr id="5123" name="Picture 3"/>
+          <p:cNvPicPr>
+            <a:picLocks noChangeAspect="1" noChangeArrowheads="1"/>
+          </p:cNvPicPr>
+          <p:nvPr/>
+        </p:nvPicPr>
+        <p:blipFill>
+          <a:blip r:embed="rId3" cstate="print"/>
+          <a:srcRect/>
+          <a:stretch>
+            <a:fillRect/>
+          </a:stretch>
+        </p:blipFill>
+        <p:spPr bwMode="auto">
+          <a:xfrm>
+            <a:off x="1187624" y="3933056"/>
+            <a:ext cx="3550680" cy="2736304"/>
+          </a:xfrm>
+          <a:prstGeom prst="rect">
+            <a:avLst/>
+          </a:prstGeom>
+          <a:noFill/>
+          <a:ln w="9525">
+            <a:noFill/>
+            <a:miter lim="800000"/>
+            <a:headEnd/>
+            <a:tailEnd/>
+          </a:ln>
+        </p:spPr>
+      </p:pic>
+    </p:spTree>
+  </p:cSld>
+  <p:clrMapOvr>
+    <a:masterClrMapping/>
+  </p:clrMapOvr>
+</p:sld>
+</file>
+
 <file path=ppt/slides/slide11.xml><?xml version="1.0" encoding="utf-8"?>
 <p:sld xmlns:a="http://schemas.openxmlformats.org/drawingml/2006/main" xmlns:r="http://schemas.openxmlformats.org/officeDocument/2006/relationships" xmlns:p="http://schemas.openxmlformats.org/presentationml/2006/main">
   <p:cSld>
@@ -3366,6 +4977,789 @@
           </a:p>
         </p:txBody>
       </p:sp>
+    </p:spTree>
+  </p:cSld>
+  <p:clrMapOvr>
+    <a:masterClrMapping/>
+  </p:clrMapOvr>
+</p:sld>
+</file>
+
+<file path=ppt/slides/slide110.xml><?xml version="1.0" encoding="utf-8"?>
+<p:sld xmlns:a="http://schemas.openxmlformats.org/drawingml/2006/main" xmlns:r="http://schemas.openxmlformats.org/officeDocument/2006/relationships" xmlns:p="http://schemas.openxmlformats.org/presentationml/2006/main">
+  <p:cSld>
+    <p:spTree>
+      <p:nvGrpSpPr>
+        <p:cNvPr id="1" name=""/>
+        <p:cNvGrpSpPr/>
+        <p:nvPr/>
+      </p:nvGrpSpPr>
+      <p:grpSpPr>
+        <a:xfrm>
+          <a:off x="0" y="0"/>
+          <a:ext cx="0" cy="0"/>
+          <a:chOff x="0" y="0"/>
+          <a:chExt cx="0" cy="0"/>
+        </a:xfrm>
+      </p:grpSpPr>
+      <p:sp>
+        <p:nvSpPr>
+          <p:cNvPr id="2" name="1 Başlık"/>
+          <p:cNvSpPr>
+            <a:spLocks noGrp="1"/>
+          </p:cNvSpPr>
+          <p:nvPr>
+            <p:ph type="title"/>
+          </p:nvPr>
+        </p:nvSpPr>
+        <p:spPr>
+          <a:xfrm>
+            <a:off x="467544" y="0"/>
+            <a:ext cx="8229600" cy="1143000"/>
+          </a:xfrm>
+        </p:spPr>
+        <p:txBody>
+          <a:bodyPr/>
+          <a:lstStyle/>
+          <a:p>
+            <a:r>
+              <a:rPr lang="tr-TR" dirty="0" smtClean="0"/>
+              <a:t>WORKSHEET EXAMPLE-8</a:t>
+            </a:r>
+            <a:endParaRPr lang="tr-TR" dirty="0"/>
+          </a:p>
+        </p:txBody>
+      </p:sp>
+      <p:sp>
+        <p:nvSpPr>
+          <p:cNvPr id="4" name="3 Dikdörtgen"/>
+          <p:cNvSpPr/>
+          <p:nvPr/>
+        </p:nvSpPr>
+        <p:spPr>
+          <a:xfrm>
+            <a:off x="4860032" y="1052736"/>
+            <a:ext cx="3888432" cy="2585323"/>
+          </a:xfrm>
+          <a:prstGeom prst="rect">
+            <a:avLst/>
+          </a:prstGeom>
+        </p:spPr>
+        <p:txBody>
+          <a:bodyPr wrap="square">
+            <a:spAutoFit/>
+          </a:bodyPr>
+          <a:lstStyle/>
+          <a:p>
+            <a:r>
+              <a:rPr lang="en-US" dirty="0" smtClean="0"/>
+              <a:t>The Create module generates a stream of arrivals of Arena entities(jobs, people, demands, etc.)the dialog box below models the arrival of customer demands </a:t>
+            </a:r>
+            <a:r>
+              <a:rPr lang="tr-TR" dirty="0" smtClean="0"/>
+              <a:t>. </a:t>
+            </a:r>
+            <a:r>
+              <a:rPr lang="en-US" dirty="0" smtClean="0"/>
+              <a:t>The arrival pattern of customers is specified to be random with inter-arrival time distribution </a:t>
+            </a:r>
+            <a:r>
+              <a:rPr lang="en-US" dirty="0" err="1" smtClean="0"/>
+              <a:t>Unif</a:t>
+            </a:r>
+            <a:r>
+              <a:rPr lang="en-US" dirty="0" smtClean="0"/>
+              <a:t>(3,7) </a:t>
+            </a:r>
+            <a:endParaRPr lang="tr-TR" dirty="0" smtClean="0"/>
+          </a:p>
+          <a:p>
+            <a:endParaRPr lang="tr-TR" dirty="0"/>
+          </a:p>
+        </p:txBody>
+      </p:sp>
+      <p:sp>
+        <p:nvSpPr>
+          <p:cNvPr id="6" name="5 Dikdörtgen"/>
+          <p:cNvSpPr/>
+          <p:nvPr/>
+        </p:nvSpPr>
+        <p:spPr>
+          <a:xfrm>
+            <a:off x="4932040" y="4725144"/>
+            <a:ext cx="3600400" cy="1754326"/>
+          </a:xfrm>
+          <a:prstGeom prst="rect">
+            <a:avLst/>
+          </a:prstGeom>
+        </p:spPr>
+        <p:txBody>
+          <a:bodyPr wrap="square">
+            <a:spAutoFit/>
+          </a:bodyPr>
+          <a:lstStyle/>
+          <a:p>
+            <a:r>
+              <a:rPr lang="en-US" dirty="0" smtClean="0"/>
+              <a:t>On arrival, the customer entity first enters the Assign module, called Customer Demand, where its Demand attribute is assigned a random value from the distribution </a:t>
+            </a:r>
+            <a:r>
+              <a:rPr lang="en-US" dirty="0" err="1" smtClean="0"/>
+              <a:t>Unif</a:t>
+            </a:r>
+            <a:r>
+              <a:rPr lang="en-US" dirty="0" smtClean="0"/>
+              <a:t>(50,100 ) </a:t>
+            </a:r>
+            <a:endParaRPr lang="tr-TR" dirty="0"/>
+          </a:p>
+        </p:txBody>
+      </p:sp>
+      <p:pic>
+        <p:nvPicPr>
+          <p:cNvPr id="6148" name="Picture 4"/>
+          <p:cNvPicPr>
+            <a:picLocks noChangeAspect="1" noChangeArrowheads="1"/>
+          </p:cNvPicPr>
+          <p:nvPr/>
+        </p:nvPicPr>
+        <p:blipFill>
+          <a:blip r:embed="rId2" cstate="print"/>
+          <a:srcRect/>
+          <a:stretch>
+            <a:fillRect/>
+          </a:stretch>
+        </p:blipFill>
+        <p:spPr bwMode="auto">
+          <a:xfrm>
+            <a:off x="395536" y="4293096"/>
+            <a:ext cx="4176464" cy="2268252"/>
+          </a:xfrm>
+          <a:prstGeom prst="rect">
+            <a:avLst/>
+          </a:prstGeom>
+          <a:noFill/>
+          <a:ln w="9525">
+            <a:noFill/>
+            <a:miter lim="800000"/>
+            <a:headEnd/>
+            <a:tailEnd/>
+          </a:ln>
+        </p:spPr>
+      </p:pic>
+      <p:pic>
+        <p:nvPicPr>
+          <p:cNvPr id="2050" name="Picture 2"/>
+          <p:cNvPicPr>
+            <a:picLocks noChangeAspect="1" noChangeArrowheads="1"/>
+          </p:cNvPicPr>
+          <p:nvPr/>
+        </p:nvPicPr>
+        <p:blipFill>
+          <a:blip r:embed="rId3" cstate="print"/>
+          <a:srcRect/>
+          <a:stretch>
+            <a:fillRect/>
+          </a:stretch>
+        </p:blipFill>
+        <p:spPr bwMode="auto">
+          <a:xfrm>
+            <a:off x="179513" y="980728"/>
+            <a:ext cx="4632272" cy="2952328"/>
+          </a:xfrm>
+          <a:prstGeom prst="rect">
+            <a:avLst/>
+          </a:prstGeom>
+          <a:noFill/>
+          <a:ln w="9525">
+            <a:noFill/>
+            <a:miter lim="800000"/>
+            <a:headEnd/>
+            <a:tailEnd/>
+          </a:ln>
+        </p:spPr>
+      </p:pic>
+    </p:spTree>
+  </p:cSld>
+  <p:clrMapOvr>
+    <a:masterClrMapping/>
+  </p:clrMapOvr>
+</p:sld>
+</file>
+
+<file path=ppt/slides/slide111.xml><?xml version="1.0" encoding="utf-8"?>
+<p:sld xmlns:a="http://schemas.openxmlformats.org/drawingml/2006/main" xmlns:r="http://schemas.openxmlformats.org/officeDocument/2006/relationships" xmlns:p="http://schemas.openxmlformats.org/presentationml/2006/main">
+  <p:cSld>
+    <p:spTree>
+      <p:nvGrpSpPr>
+        <p:cNvPr id="1" name=""/>
+        <p:cNvGrpSpPr/>
+        <p:nvPr/>
+      </p:nvGrpSpPr>
+      <p:grpSpPr>
+        <a:xfrm>
+          <a:off x="0" y="0"/>
+          <a:ext cx="0" cy="0"/>
+          <a:chOff x="0" y="0"/>
+          <a:chExt cx="0" cy="0"/>
+        </a:xfrm>
+      </p:grpSpPr>
+      <p:sp>
+        <p:nvSpPr>
+          <p:cNvPr id="2" name="1 Başlık"/>
+          <p:cNvSpPr>
+            <a:spLocks noGrp="1"/>
+          </p:cNvSpPr>
+          <p:nvPr>
+            <p:ph type="title"/>
+          </p:nvPr>
+        </p:nvSpPr>
+        <p:spPr>
+          <a:xfrm>
+            <a:off x="467544" y="0"/>
+            <a:ext cx="8229600" cy="1143000"/>
+          </a:xfrm>
+        </p:spPr>
+        <p:txBody>
+          <a:bodyPr/>
+          <a:lstStyle/>
+          <a:p>
+            <a:r>
+              <a:rPr lang="tr-TR" dirty="0" smtClean="0"/>
+              <a:t>WORKSHEET EXAMPLE-8</a:t>
+            </a:r>
+            <a:endParaRPr lang="tr-TR" dirty="0"/>
+          </a:p>
+        </p:txBody>
+      </p:sp>
+      <p:sp>
+        <p:nvSpPr>
+          <p:cNvPr id="4" name="3 Dikdörtgen"/>
+          <p:cNvSpPr/>
+          <p:nvPr/>
+        </p:nvSpPr>
+        <p:spPr>
+          <a:xfrm>
+            <a:off x="4932040" y="1052736"/>
+            <a:ext cx="3995936" cy="2585323"/>
+          </a:xfrm>
+          <a:prstGeom prst="rect">
+            <a:avLst/>
+          </a:prstGeom>
+        </p:spPr>
+        <p:txBody>
+          <a:bodyPr wrap="square">
+            <a:spAutoFit/>
+          </a:bodyPr>
+          <a:lstStyle/>
+          <a:p>
+            <a:r>
+              <a:rPr lang="en-US" dirty="0" smtClean="0"/>
+              <a:t>The customer then proceeds to the Decide module, called Check Inventory, to test whether the warehouse has sufficient inventory on hand to satisfy its demand </a:t>
+            </a:r>
+            <a:endParaRPr lang="tr-TR" dirty="0" smtClean="0"/>
+          </a:p>
+          <a:p>
+            <a:r>
+              <a:rPr lang="en-US" dirty="0" smtClean="0"/>
+              <a:t>•If the variable Inventory has an equal or larger value than attribute Demand, then the customer takes the True exit to the Assign module,</a:t>
+            </a:r>
+          </a:p>
+        </p:txBody>
+      </p:sp>
+      <p:sp>
+        <p:nvSpPr>
+          <p:cNvPr id="5" name="4 Dikdörtgen"/>
+          <p:cNvSpPr/>
+          <p:nvPr/>
+        </p:nvSpPr>
+        <p:spPr>
+          <a:xfrm>
+            <a:off x="251520" y="3718679"/>
+            <a:ext cx="8640960" cy="2862322"/>
+          </a:xfrm>
+          <a:prstGeom prst="rect">
+            <a:avLst/>
+          </a:prstGeom>
+        </p:spPr>
+        <p:txBody>
+          <a:bodyPr wrap="square">
+            <a:spAutoFit/>
+          </a:bodyPr>
+          <a:lstStyle/>
+          <a:p>
+            <a:r>
+              <a:rPr lang="en-US" dirty="0" smtClean="0"/>
+              <a:t>called Take Away From Inventory, where its inventory is decreased the by the demand amount </a:t>
+            </a:r>
+          </a:p>
+          <a:p>
+            <a:r>
+              <a:rPr lang="en-US" dirty="0" smtClean="0"/>
+              <a:t>• it next proceeds to the Decide module, named Restart Production, to test whether the Reorder Level variable has just been down crossed</a:t>
+            </a:r>
+            <a:endParaRPr lang="tr-TR" dirty="0" smtClean="0"/>
+          </a:p>
+          <a:p>
+            <a:r>
+              <a:rPr lang="en-US" dirty="0" smtClean="0"/>
+              <a:t>• if it was down crossed, the customer proceeds to the Assign module, called Production Start, to set Production = 1, which would promptly release the product entity currently detained in the Hold module Shall We Produce?, effectively resuming the production process </a:t>
+            </a:r>
+          </a:p>
+          <a:p>
+            <a:r>
+              <a:rPr lang="en-US" dirty="0" smtClean="0"/>
+              <a:t>• either way, the Customer entity proceeds to be disposed of at the Dispose module, called Dispose1 </a:t>
+            </a:r>
+            <a:endParaRPr lang="tr-TR" dirty="0"/>
+          </a:p>
+        </p:txBody>
+      </p:sp>
+      <p:pic>
+        <p:nvPicPr>
+          <p:cNvPr id="7171" name="Picture 3"/>
+          <p:cNvPicPr>
+            <a:picLocks noChangeAspect="1" noChangeArrowheads="1"/>
+          </p:cNvPicPr>
+          <p:nvPr/>
+        </p:nvPicPr>
+        <p:blipFill>
+          <a:blip r:embed="rId2" cstate="print"/>
+          <a:srcRect/>
+          <a:stretch>
+            <a:fillRect/>
+          </a:stretch>
+        </p:blipFill>
+        <p:spPr bwMode="auto">
+          <a:xfrm>
+            <a:off x="179512" y="980728"/>
+            <a:ext cx="4752528" cy="2683046"/>
+          </a:xfrm>
+          <a:prstGeom prst="rect">
+            <a:avLst/>
+          </a:prstGeom>
+          <a:noFill/>
+          <a:ln w="9525">
+            <a:noFill/>
+            <a:miter lim="800000"/>
+            <a:headEnd/>
+            <a:tailEnd/>
+          </a:ln>
+        </p:spPr>
+      </p:pic>
+    </p:spTree>
+  </p:cSld>
+  <p:clrMapOvr>
+    <a:masterClrMapping/>
+  </p:clrMapOvr>
+</p:sld>
+</file>
+
+<file path=ppt/slides/slide112.xml><?xml version="1.0" encoding="utf-8"?>
+<p:sld xmlns:a="http://schemas.openxmlformats.org/drawingml/2006/main" xmlns:r="http://schemas.openxmlformats.org/officeDocument/2006/relationships" xmlns:p="http://schemas.openxmlformats.org/presentationml/2006/main">
+  <p:cSld>
+    <p:spTree>
+      <p:nvGrpSpPr>
+        <p:cNvPr id="1" name=""/>
+        <p:cNvGrpSpPr/>
+        <p:nvPr/>
+      </p:nvGrpSpPr>
+      <p:grpSpPr>
+        <a:xfrm>
+          <a:off x="0" y="0"/>
+          <a:ext cx="0" cy="0"/>
+          <a:chOff x="0" y="0"/>
+          <a:chExt cx="0" cy="0"/>
+        </a:xfrm>
+      </p:grpSpPr>
+      <p:sp>
+        <p:nvSpPr>
+          <p:cNvPr id="2" name="1 Başlık"/>
+          <p:cNvSpPr>
+            <a:spLocks noGrp="1"/>
+          </p:cNvSpPr>
+          <p:nvPr>
+            <p:ph type="title"/>
+          </p:nvPr>
+        </p:nvSpPr>
+        <p:spPr>
+          <a:xfrm>
+            <a:off x="467544" y="0"/>
+            <a:ext cx="8229600" cy="1143000"/>
+          </a:xfrm>
+        </p:spPr>
+        <p:txBody>
+          <a:bodyPr/>
+          <a:lstStyle/>
+          <a:p>
+            <a:r>
+              <a:rPr lang="tr-TR" dirty="0" smtClean="0"/>
+              <a:t>WORKSHEET EXAMPLE-8</a:t>
+            </a:r>
+            <a:endParaRPr lang="tr-TR" dirty="0"/>
+          </a:p>
+        </p:txBody>
+      </p:sp>
+      <p:pic>
+        <p:nvPicPr>
+          <p:cNvPr id="8194" name="Picture 2"/>
+          <p:cNvPicPr>
+            <a:picLocks noChangeAspect="1" noChangeArrowheads="1"/>
+          </p:cNvPicPr>
+          <p:nvPr/>
+        </p:nvPicPr>
+        <p:blipFill>
+          <a:blip r:embed="rId2" cstate="print"/>
+          <a:srcRect/>
+          <a:stretch>
+            <a:fillRect/>
+          </a:stretch>
+        </p:blipFill>
+        <p:spPr bwMode="auto">
+          <a:xfrm>
+            <a:off x="251520" y="980728"/>
+            <a:ext cx="4032448" cy="3170087"/>
+          </a:xfrm>
+          <a:prstGeom prst="rect">
+            <a:avLst/>
+          </a:prstGeom>
+          <a:noFill/>
+          <a:ln w="9525">
+            <a:noFill/>
+            <a:miter lim="800000"/>
+            <a:headEnd/>
+            <a:tailEnd/>
+          </a:ln>
+        </p:spPr>
+      </p:pic>
+      <p:pic>
+        <p:nvPicPr>
+          <p:cNvPr id="8196" name="Picture 4"/>
+          <p:cNvPicPr>
+            <a:picLocks noChangeAspect="1" noChangeArrowheads="1"/>
+          </p:cNvPicPr>
+          <p:nvPr/>
+        </p:nvPicPr>
+        <p:blipFill>
+          <a:blip r:embed="rId3" cstate="print"/>
+          <a:srcRect/>
+          <a:stretch>
+            <a:fillRect/>
+          </a:stretch>
+        </p:blipFill>
+        <p:spPr bwMode="auto">
+          <a:xfrm>
+            <a:off x="4572000" y="908720"/>
+            <a:ext cx="4039517" cy="3254407"/>
+          </a:xfrm>
+          <a:prstGeom prst="rect">
+            <a:avLst/>
+          </a:prstGeom>
+          <a:noFill/>
+          <a:ln w="9525">
+            <a:noFill/>
+            <a:miter lim="800000"/>
+            <a:headEnd/>
+            <a:tailEnd/>
+          </a:ln>
+        </p:spPr>
+      </p:pic>
+      <p:pic>
+        <p:nvPicPr>
+          <p:cNvPr id="8195" name="Picture 3"/>
+          <p:cNvPicPr>
+            <a:picLocks noChangeAspect="1" noChangeArrowheads="1"/>
+          </p:cNvPicPr>
+          <p:nvPr/>
+        </p:nvPicPr>
+        <p:blipFill>
+          <a:blip r:embed="rId4" cstate="print"/>
+          <a:srcRect/>
+          <a:stretch>
+            <a:fillRect/>
+          </a:stretch>
+        </p:blipFill>
+        <p:spPr bwMode="auto">
+          <a:xfrm>
+            <a:off x="1691680" y="3284984"/>
+            <a:ext cx="5760640" cy="3343229"/>
+          </a:xfrm>
+          <a:prstGeom prst="rect">
+            <a:avLst/>
+          </a:prstGeom>
+          <a:noFill/>
+          <a:ln w="9525">
+            <a:noFill/>
+            <a:miter lim="800000"/>
+            <a:headEnd/>
+            <a:tailEnd/>
+          </a:ln>
+        </p:spPr>
+      </p:pic>
+    </p:spTree>
+  </p:cSld>
+  <p:clrMapOvr>
+    <a:masterClrMapping/>
+  </p:clrMapOvr>
+</p:sld>
+</file>
+
+<file path=ppt/slides/slide113.xml><?xml version="1.0" encoding="utf-8"?>
+<p:sld xmlns:a="http://schemas.openxmlformats.org/drawingml/2006/main" xmlns:r="http://schemas.openxmlformats.org/officeDocument/2006/relationships" xmlns:p="http://schemas.openxmlformats.org/presentationml/2006/main">
+  <p:cSld>
+    <p:spTree>
+      <p:nvGrpSpPr>
+        <p:cNvPr id="1" name=""/>
+        <p:cNvGrpSpPr/>
+        <p:nvPr/>
+      </p:nvGrpSpPr>
+      <p:grpSpPr>
+        <a:xfrm>
+          <a:off x="0" y="0"/>
+          <a:ext cx="0" cy="0"/>
+          <a:chOff x="0" y="0"/>
+          <a:chExt cx="0" cy="0"/>
+        </a:xfrm>
+      </p:grpSpPr>
+      <p:sp>
+        <p:nvSpPr>
+          <p:cNvPr id="2" name="1 Başlık"/>
+          <p:cNvSpPr>
+            <a:spLocks noGrp="1"/>
+          </p:cNvSpPr>
+          <p:nvPr>
+            <p:ph type="title"/>
+          </p:nvPr>
+        </p:nvSpPr>
+        <p:spPr>
+          <a:xfrm>
+            <a:off x="467544" y="0"/>
+            <a:ext cx="8229600" cy="1143000"/>
+          </a:xfrm>
+        </p:spPr>
+        <p:txBody>
+          <a:bodyPr/>
+          <a:lstStyle/>
+          <a:p>
+            <a:r>
+              <a:rPr lang="tr-TR" dirty="0" smtClean="0"/>
+              <a:t>WORKSHEET EXAMPLE-8</a:t>
+            </a:r>
+            <a:endParaRPr lang="tr-TR" dirty="0"/>
+          </a:p>
+        </p:txBody>
+      </p:sp>
+      <p:pic>
+        <p:nvPicPr>
+          <p:cNvPr id="9218" name="Picture 2"/>
+          <p:cNvPicPr>
+            <a:picLocks noChangeAspect="1" noChangeArrowheads="1"/>
+          </p:cNvPicPr>
+          <p:nvPr/>
+        </p:nvPicPr>
+        <p:blipFill>
+          <a:blip r:embed="rId2" cstate="print"/>
+          <a:srcRect/>
+          <a:stretch>
+            <a:fillRect/>
+          </a:stretch>
+        </p:blipFill>
+        <p:spPr bwMode="auto">
+          <a:xfrm>
+            <a:off x="395536" y="1196752"/>
+            <a:ext cx="4366275" cy="2520280"/>
+          </a:xfrm>
+          <a:prstGeom prst="rect">
+            <a:avLst/>
+          </a:prstGeom>
+          <a:noFill/>
+          <a:ln w="9525">
+            <a:noFill/>
+            <a:miter lim="800000"/>
+            <a:headEnd/>
+            <a:tailEnd/>
+          </a:ln>
+        </p:spPr>
+      </p:pic>
+      <p:pic>
+        <p:nvPicPr>
+          <p:cNvPr id="9219" name="Picture 3"/>
+          <p:cNvPicPr>
+            <a:picLocks noChangeAspect="1" noChangeArrowheads="1"/>
+          </p:cNvPicPr>
+          <p:nvPr/>
+        </p:nvPicPr>
+        <p:blipFill>
+          <a:blip r:embed="rId3" cstate="print"/>
+          <a:srcRect/>
+          <a:stretch>
+            <a:fillRect/>
+          </a:stretch>
+        </p:blipFill>
+        <p:spPr bwMode="auto">
+          <a:xfrm>
+            <a:off x="3923928" y="2996952"/>
+            <a:ext cx="4320480" cy="3373347"/>
+          </a:xfrm>
+          <a:prstGeom prst="rect">
+            <a:avLst/>
+          </a:prstGeom>
+          <a:noFill/>
+          <a:ln w="9525">
+            <a:noFill/>
+            <a:miter lim="800000"/>
+            <a:headEnd/>
+            <a:tailEnd/>
+          </a:ln>
+        </p:spPr>
+      </p:pic>
+      <p:sp>
+        <p:nvSpPr>
+          <p:cNvPr id="5" name="4 Metin kutusu"/>
+          <p:cNvSpPr txBox="1"/>
+          <p:nvPr/>
+        </p:nvSpPr>
+        <p:spPr>
+          <a:xfrm>
+            <a:off x="5292080" y="1412776"/>
+            <a:ext cx="2160240" cy="646331"/>
+          </a:xfrm>
+          <a:prstGeom prst="rect">
+            <a:avLst/>
+          </a:prstGeom>
+          <a:noFill/>
+        </p:spPr>
+        <p:txBody>
+          <a:bodyPr wrap="square" rtlCol="0">
+            <a:spAutoFit/>
+          </a:bodyPr>
+          <a:lstStyle/>
+          <a:p>
+            <a:r>
+              <a:rPr lang="en-US" dirty="0" smtClean="0"/>
+              <a:t>Replication Length: 24 hour</a:t>
+            </a:r>
+            <a:endParaRPr lang="en-US" dirty="0"/>
+          </a:p>
+        </p:txBody>
+      </p:sp>
+    </p:spTree>
+  </p:cSld>
+  <p:clrMapOvr>
+    <a:masterClrMapping/>
+  </p:clrMapOvr>
+</p:sld>
+</file>
+
+<file path=ppt/slides/slide114.xml><?xml version="1.0" encoding="utf-8"?>
+<p:sld xmlns:a="http://schemas.openxmlformats.org/drawingml/2006/main" xmlns:r="http://schemas.openxmlformats.org/officeDocument/2006/relationships" xmlns:p="http://schemas.openxmlformats.org/presentationml/2006/main">
+  <p:cSld>
+    <p:spTree>
+      <p:nvGrpSpPr>
+        <p:cNvPr id="1" name=""/>
+        <p:cNvGrpSpPr/>
+        <p:nvPr/>
+      </p:nvGrpSpPr>
+      <p:grpSpPr>
+        <a:xfrm>
+          <a:off x="0" y="0"/>
+          <a:ext cx="0" cy="0"/>
+          <a:chOff x="0" y="0"/>
+          <a:chExt cx="0" cy="0"/>
+        </a:xfrm>
+      </p:grpSpPr>
+      <p:sp>
+        <p:nvSpPr>
+          <p:cNvPr id="2" name="1 Başlık"/>
+          <p:cNvSpPr>
+            <a:spLocks noGrp="1"/>
+          </p:cNvSpPr>
+          <p:nvPr>
+            <p:ph type="title"/>
+          </p:nvPr>
+        </p:nvSpPr>
+        <p:spPr>
+          <a:xfrm>
+            <a:off x="467544" y="0"/>
+            <a:ext cx="8229600" cy="1143000"/>
+          </a:xfrm>
+        </p:spPr>
+        <p:txBody>
+          <a:bodyPr/>
+          <a:lstStyle/>
+          <a:p>
+            <a:r>
+              <a:rPr lang="tr-TR" dirty="0" smtClean="0"/>
+              <a:t>WORKSHEET EXAMPLE-8</a:t>
+            </a:r>
+            <a:endParaRPr lang="tr-TR" dirty="0"/>
+          </a:p>
+        </p:txBody>
+      </p:sp>
+      <p:pic>
+        <p:nvPicPr>
+          <p:cNvPr id="10242" name="Picture 2"/>
+          <p:cNvPicPr>
+            <a:picLocks noChangeAspect="1" noChangeArrowheads="1"/>
+          </p:cNvPicPr>
+          <p:nvPr/>
+        </p:nvPicPr>
+        <p:blipFill>
+          <a:blip r:embed="rId2" cstate="print"/>
+          <a:srcRect/>
+          <a:stretch>
+            <a:fillRect/>
+          </a:stretch>
+        </p:blipFill>
+        <p:spPr bwMode="auto">
+          <a:xfrm>
+            <a:off x="539552" y="1124744"/>
+            <a:ext cx="7810500" cy="2819400"/>
+          </a:xfrm>
+          <a:prstGeom prst="rect">
+            <a:avLst/>
+          </a:prstGeom>
+          <a:noFill/>
+          <a:ln w="9525">
+            <a:noFill/>
+            <a:miter lim="800000"/>
+            <a:headEnd/>
+            <a:tailEnd/>
+          </a:ln>
+        </p:spPr>
+      </p:pic>
+      <p:pic>
+        <p:nvPicPr>
+          <p:cNvPr id="10243" name="Picture 3"/>
+          <p:cNvPicPr>
+            <a:picLocks noChangeAspect="1" noChangeArrowheads="1"/>
+          </p:cNvPicPr>
+          <p:nvPr/>
+        </p:nvPicPr>
+        <p:blipFill>
+          <a:blip r:embed="rId3" cstate="print"/>
+          <a:srcRect/>
+          <a:stretch>
+            <a:fillRect/>
+          </a:stretch>
+        </p:blipFill>
+        <p:spPr bwMode="auto">
+          <a:xfrm>
+            <a:off x="323528" y="4509120"/>
+            <a:ext cx="8343900" cy="1924050"/>
+          </a:xfrm>
+          <a:prstGeom prst="rect">
+            <a:avLst/>
+          </a:prstGeom>
+          <a:noFill/>
+          <a:ln w="9525">
+            <a:noFill/>
+            <a:miter lim="800000"/>
+            <a:headEnd/>
+            <a:tailEnd/>
+          </a:ln>
+        </p:spPr>
+      </p:pic>
     </p:spTree>
   </p:cSld>
   <p:clrMapOvr>
@@ -13498,11 +15892,7 @@
           <a:p>
             <a:r>
               <a:rPr lang="tr-TR" dirty="0" smtClean="0"/>
-              <a:t>WORKSHEET </a:t>
-            </a:r>
-            <a:r>
-              <a:rPr lang="tr-TR" dirty="0" smtClean="0"/>
-              <a:t>EXAMPLE-7</a:t>
+              <a:t>WORKSHEET EXAMPLE-7</a:t>
             </a:r>
             <a:endParaRPr lang="tr-TR" dirty="0"/>
           </a:p>
@@ -13532,15 +15922,7 @@
           <a:p>
             <a:r>
               <a:rPr lang="en-US" dirty="0" smtClean="0"/>
-              <a:t>This </a:t>
-            </a:r>
-            <a:r>
-              <a:rPr lang="en-US" dirty="0" smtClean="0"/>
-              <a:t>example concerns a transportation system consisting of a toll plaza on the New Jersey Turnpike, and aims to study the queuing delays resulting from toll collection. The system under study is depicted in </a:t>
-            </a:r>
-            <a:r>
-              <a:rPr lang="en-US" dirty="0" smtClean="0"/>
-              <a:t>Figure</a:t>
+              <a:t>This example concerns a transportation system consisting of a toll plaza on the New Jersey Turnpike, and aims to study the queuing delays resulting from toll collection. The system under study is depicted in Figure</a:t>
             </a:r>
             <a:r>
               <a:rPr lang="tr-TR" dirty="0" smtClean="0"/>
@@ -13601,11 +15983,7 @@
           <a:p>
             <a:r>
               <a:rPr lang="tr-TR" dirty="0" smtClean="0"/>
-              <a:t>WORKSHEET </a:t>
-            </a:r>
-            <a:r>
-              <a:rPr lang="tr-TR" dirty="0" smtClean="0"/>
-              <a:t>EXAMPLE-7</a:t>
+              <a:t>WORKSHEET EXAMPLE-7</a:t>
             </a:r>
             <a:endParaRPr lang="tr-TR" dirty="0"/>
           </a:p>
@@ -13652,11 +16030,7 @@
             </a:r>
             <a:r>
               <a:rPr lang="en-US" b="1" i="1" dirty="0" smtClean="0"/>
-              <a:t>1</a:t>
-            </a:r>
-            <a:r>
-              <a:rPr lang="en-US" b="1" i="1" dirty="0" smtClean="0"/>
-              <a:t>. Fifty percent of all arriving cars go to EC lanes, and their normal service time distribution is Norm(4.81, 1.01). Recall that only the non-negative values sampled from this distribution are used by Arena </a:t>
+              <a:t>1. Fifty percent of all arriving cars go to EC lanes, and their normal service time distribution is Norm(4.81, 1.01). Recall that only the non-negative values sampled from this distribution are used by Arena </a:t>
             </a:r>
           </a:p>
           <a:p>
@@ -13669,11 +16043,7 @@
             </a:r>
             <a:r>
               <a:rPr lang="en-US" b="1" i="1" dirty="0" smtClean="0"/>
-              <a:t>2</a:t>
-            </a:r>
-            <a:r>
-              <a:rPr lang="en-US" b="1" i="1" dirty="0" smtClean="0"/>
-              <a:t>. Thirty percent of all arriving cars go to CR lanes, and their service time distribution is 5 + </a:t>
+              <a:t>2. Thirty percent of all arriving cars go to CR lanes, and their service time distribution is 5 + </a:t>
             </a:r>
             <a:r>
               <a:rPr lang="en-US" b="1" i="1" dirty="0" err="1" smtClean="0"/>
@@ -13694,11 +16064,7 @@
             </a:r>
             <a:r>
               <a:rPr lang="en-US" b="1" i="1" dirty="0" smtClean="0"/>
-              <a:t>3</a:t>
-            </a:r>
-            <a:r>
-              <a:rPr lang="en-US" b="1" i="1" dirty="0" smtClean="0"/>
-              <a:t>. Twenty percent of all arriving cars go to EZP lanes, and their service time distribution is 1.18 + 4.29 * Beta(2.27, 3.02). </a:t>
+              <a:t>3. Twenty percent of all arriving cars go to EZP lanes, and their service time distribution is 1.18 + 4.29 * Beta(2.27, 3.02). </a:t>
             </a:r>
             <a:endParaRPr lang="en-US" b="1" dirty="0" smtClean="0"/>
           </a:p>
@@ -13859,11 +16225,7 @@
           <a:p>
             <a:r>
               <a:rPr lang="tr-TR" dirty="0" smtClean="0"/>
-              <a:t>WORKSHEET </a:t>
-            </a:r>
-            <a:r>
-              <a:rPr lang="tr-TR" dirty="0" smtClean="0"/>
-              <a:t>EXAMPLE-7</a:t>
+              <a:t>WORKSHEET EXAMPLE-7</a:t>
             </a:r>
             <a:endParaRPr lang="tr-TR" dirty="0"/>
           </a:p>
@@ -13948,11 +16310,7 @@
           <a:p>
             <a:r>
               <a:rPr lang="tr-TR" dirty="0" smtClean="0"/>
-              <a:t>WORKSHEET </a:t>
-            </a:r>
-            <a:r>
-              <a:rPr lang="tr-TR" dirty="0" smtClean="0"/>
-              <a:t>EXAMPLE-7</a:t>
+              <a:t>WORKSHEET EXAMPLE-7</a:t>
             </a:r>
             <a:endParaRPr lang="tr-TR" dirty="0"/>
           </a:p>
@@ -13986,11 +16344,7 @@
             </a:r>
             <a:r>
               <a:rPr lang="en-US" b="1" i="1" dirty="0" smtClean="0"/>
-              <a:t>An Arena model for the toll plaza system presented here is depicted in </a:t>
-            </a:r>
-            <a:r>
-              <a:rPr lang="en-US" b="1" i="1" dirty="0" smtClean="0"/>
-              <a:t>Figure</a:t>
+              <a:t>An Arena model for the toll plaza system presented here is depicted in Figure</a:t>
             </a:r>
             <a:r>
               <a:rPr lang="tr-TR" b="1" i="1" dirty="0" smtClean="0"/>
@@ -14321,11 +16675,7 @@
           <a:p>
             <a:r>
               <a:rPr lang="tr-TR" dirty="0" smtClean="0"/>
-              <a:t>WORKSHEET </a:t>
-            </a:r>
-            <a:r>
-              <a:rPr lang="tr-TR" dirty="0" smtClean="0"/>
-              <a:t>EXAMPLE-7</a:t>
+              <a:t>WORKSHEET EXAMPLE-7</a:t>
             </a:r>
             <a:endParaRPr lang="tr-TR" dirty="0"/>
           </a:p>
@@ -14458,11 +16808,7 @@
           <a:p>
             <a:r>
               <a:rPr lang="tr-TR" dirty="0" smtClean="0"/>
-              <a:t>WORKSHEET </a:t>
-            </a:r>
-            <a:r>
-              <a:rPr lang="tr-TR" dirty="0" smtClean="0"/>
-              <a:t>EXAMPLE-7</a:t>
+              <a:t>WORKSHEET EXAMPLE-7</a:t>
             </a:r>
             <a:endParaRPr lang="tr-TR" dirty="0"/>
           </a:p>
@@ -14492,11 +16838,7 @@
           <a:p>
             <a:r>
               <a:rPr lang="en-US" sz="1800" i="1" dirty="0" smtClean="0"/>
-              <a:t>This </a:t>
-            </a:r>
-            <a:r>
-              <a:rPr lang="en-US" sz="1800" i="1" dirty="0" smtClean="0"/>
-              <a:t>assignment takes place immediately following a car creation, when the car entity enters the Assign module, called Assign Type and Modify Congestion Period, whose dialog box is displayed in Figure 4. The assignment of k is made in the third line of the Assignments section, which partially displays the expression (the conditions in parentheses are in seconds and an asterisk denotes multiplication):</a:t>
+              <a:t>This assignment takes place immediately following a car creation, when the car entity enters the Assign module, called Assign Type and Modify Congestion Period, whose dialog box is displayed in Figure 4. The assignment of k is made in the third line of the Assignments section, which partially displays the expression (the conditions in parentheses are in seconds and an asterisk denotes multiplication):</a:t>
             </a:r>
             <a:endParaRPr lang="en-US" sz="1800" dirty="0" smtClean="0"/>
           </a:p>
@@ -14645,11 +16987,7 @@
           <a:p>
             <a:r>
               <a:rPr lang="tr-TR" dirty="0" smtClean="0"/>
-              <a:t>WORKSHEET </a:t>
-            </a:r>
-            <a:r>
-              <a:rPr lang="tr-TR" dirty="0" smtClean="0"/>
-              <a:t>EXAMPLE-7</a:t>
+              <a:t>WORKSHEET EXAMPLE-7</a:t>
             </a:r>
             <a:endParaRPr lang="tr-TR" dirty="0"/>
           </a:p>
@@ -14857,11 +17195,7 @@
           <a:p>
             <a:r>
               <a:rPr lang="tr-TR" dirty="0" smtClean="0"/>
-              <a:t>WORKSHEET </a:t>
-            </a:r>
-            <a:r>
-              <a:rPr lang="tr-TR" dirty="0" smtClean="0"/>
-              <a:t>EXAMPLE-7</a:t>
+              <a:t>WORKSHEET EXAMPLE-7</a:t>
             </a:r>
             <a:endParaRPr lang="tr-TR" dirty="0"/>
           </a:p>
@@ -14921,11 +17255,7 @@
           <a:p>
             <a:r>
               <a:rPr lang="en-US" b="1" i="1" dirty="0" smtClean="0"/>
-              <a:t>In </a:t>
-            </a:r>
-            <a:r>
-              <a:rPr lang="en-US" b="1" i="1" dirty="0" smtClean="0"/>
-              <a:t>addition, the first line of the Assignments section samples each car’s type number (1 = exact change, 2 =cash receipt, 3= EZ pass) with the requisite probability (via the Arena DISC distribution), and assigns it to the car entity’s Type attribute. </a:t>
+              <a:t>In addition, the first line of the Assignments section samples each car’s type number (1 = exact change, 2 =cash receipt, 3= EZ pass) with the requisite probability (via the Arena DISC distribution), and assigns it to the car entity’s Type attribute. </a:t>
             </a:r>
             <a:r>
               <a:rPr lang="en-US" i="1" dirty="0" smtClean="0"/>
@@ -14993,11 +17323,7 @@
           <a:p>
             <a:r>
               <a:rPr lang="tr-TR" dirty="0" smtClean="0"/>
-              <a:t>WORKSHEET </a:t>
-            </a:r>
-            <a:r>
-              <a:rPr lang="tr-TR" dirty="0" smtClean="0"/>
-              <a:t>EXAMPLE-7</a:t>
+              <a:t>WORKSHEET EXAMPLE-7</a:t>
             </a:r>
             <a:endParaRPr lang="tr-TR" dirty="0"/>
           </a:p>
@@ -15092,11 +17418,7 @@
           <a:p>
             <a:r>
               <a:rPr lang="en-US" dirty="0" smtClean="0"/>
-              <a:t>Once the assignments are made, the car entity proceeds to the Decide module, called Which Type, whose dialog box is displayed in </a:t>
-            </a:r>
-            <a:r>
-              <a:rPr lang="en-US" dirty="0" smtClean="0"/>
-              <a:t>Figure. </a:t>
+              <a:t>Once the assignments are made, the car entity proceeds to the Decide module, called Which Type, whose dialog box is displayed in Figure. </a:t>
             </a:r>
             <a:r>
               <a:rPr lang="en-US" b="1" i="1" dirty="0" smtClean="0"/>
@@ -15153,11 +17475,7 @@
           <a:p>
             <a:r>
               <a:rPr lang="tr-TR" dirty="0" smtClean="0"/>
-              <a:t>WORKSHEET </a:t>
-            </a:r>
-            <a:r>
-              <a:rPr lang="tr-TR" dirty="0" smtClean="0"/>
-              <a:t>EXAMPLE-7</a:t>
+              <a:t>WORKSHEET EXAMPLE-7</a:t>
             </a:r>
             <a:endParaRPr lang="tr-TR" dirty="0"/>
           </a:p>
@@ -15328,11 +17646,7 @@
           <a:p>
             <a:r>
               <a:rPr lang="tr-TR" dirty="0" smtClean="0"/>
-              <a:t>WORKSHEET </a:t>
-            </a:r>
-            <a:r>
-              <a:rPr lang="tr-TR" dirty="0" smtClean="0"/>
-              <a:t>EXAMPLE-7</a:t>
+              <a:t>WORKSHEET EXAMPLE-7</a:t>
             </a:r>
             <a:endParaRPr lang="tr-TR" dirty="0"/>
           </a:p>
@@ -15402,11 +17716,7 @@
             </a:r>
             <a:r>
               <a:rPr lang="en-US" b="1" i="1" dirty="0" smtClean="0"/>
-              <a:t> the </a:t>
-            </a:r>
-            <a:r>
-              <a:rPr lang="en-US" b="1" i="1" dirty="0" smtClean="0"/>
-              <a:t>dialog box of the Station module set representing EC tollbooths. To this end, the option Set is selected in the Station Type field (as opposed to the option Station, which defines a single Station module). </a:t>
+              <a:t> the dialog box of the Station module set representing EC tollbooths. To this end, the option Set is selected in the Station Type field (as opposed to the option Station, which defines a single Station module). </a:t>
             </a:r>
           </a:p>
         </p:txBody>
@@ -15485,11 +17795,7 @@
           <a:p>
             <a:r>
               <a:rPr lang="tr-TR" dirty="0" smtClean="0"/>
-              <a:t>WORKSHEET </a:t>
-            </a:r>
-            <a:r>
-              <a:rPr lang="tr-TR" dirty="0" smtClean="0"/>
-              <a:t>EXAMPLE-7</a:t>
+              <a:t>WORKSHEET EXAMPLE-7</a:t>
             </a:r>
             <a:endParaRPr lang="tr-TR" dirty="0"/>
           </a:p>
@@ -15519,25 +17825,17 @@
           <a:p>
             <a:r>
               <a:rPr lang="en-US" dirty="0" smtClean="0"/>
-              <a:t>The </a:t>
-            </a:r>
+              <a:t>The name of this Station module set is specified in the Set Name field. The Save Attribute field is used to specify the attribute name in which to store the station ID when an entity enters a particular member of the Station module set. This ID is just the rank (position) of the requisite Station name in the list of the Station Set Members field. </a:t>
+            </a:r>
+            <a:endParaRPr lang="tr-TR" dirty="0" smtClean="0"/>
+          </a:p>
+          <a:p>
+            <a:endParaRPr lang="tr-TR" dirty="0" smtClean="0"/>
+          </a:p>
+          <a:p>
             <a:r>
               <a:rPr lang="en-US" dirty="0" smtClean="0"/>
-              <a:t>name of this Station module set is specified in the Set Name field. The Save Attribute field is used to specify the attribute name in which to store the station ID when an entity enters a particular member of the Station module set. This ID is just the rank (position) of the requisite Station name in the list of the Station Set Members field. </a:t>
-            </a:r>
-            <a:endParaRPr lang="tr-TR" dirty="0" smtClean="0"/>
-          </a:p>
-          <a:p>
-            <a:endParaRPr lang="tr-TR" dirty="0" smtClean="0"/>
-          </a:p>
-          <a:p>
-            <a:r>
-              <a:rPr lang="en-US" dirty="0" smtClean="0"/>
-              <a:t>In </a:t>
-            </a:r>
-            <a:r>
-              <a:rPr lang="en-US" dirty="0" smtClean="0"/>
-              <a:t>our case, the Station module ID is assigned elsewhere to attribute </a:t>
+              <a:t>In our case, the Station module ID is assigned elsewhere to attribute </a:t>
             </a:r>
             <a:r>
               <a:rPr lang="en-US" dirty="0" err="1" smtClean="0"/>
@@ -15623,11 +17921,7 @@
           <a:p>
             <a:r>
               <a:rPr lang="tr-TR" dirty="0" smtClean="0"/>
-              <a:t>WORKSHEET </a:t>
-            </a:r>
-            <a:r>
-              <a:rPr lang="tr-TR" dirty="0" smtClean="0"/>
-              <a:t>EXAMPLE-7</a:t>
+              <a:t>WORKSHEET EXAMPLE-7</a:t>
             </a:r>
             <a:endParaRPr lang="tr-TR" dirty="0"/>
           </a:p>
@@ -15657,11 +17951,7 @@
           <a:p>
             <a:r>
               <a:rPr lang="en-US" dirty="0" smtClean="0"/>
-              <a:t>Each </a:t>
-            </a:r>
-            <a:r>
-              <a:rPr lang="en-US" dirty="0" smtClean="0"/>
-              <a:t>car entity that enters its </a:t>
+              <a:t>Each car entity that enters its </a:t>
             </a:r>
             <a:r>
               <a:rPr lang="en-US" dirty="0" err="1" smtClean="0"/>
@@ -15673,11 +17963,7 @@
             </a:r>
             <a:r>
               <a:rPr lang="en-US" b="1" i="1" dirty="0" smtClean="0"/>
-              <a:t>Figure 7 for EC cars (type 1). Here, the list of Station modules and queues to choose from is constructed by the modeler in the Stations section with the aid of the three buttons to its right. Each entry specifies a Station </a:t>
-            </a:r>
-            <a:r>
-              <a:rPr lang="en-US" b="1" i="1" dirty="0" smtClean="0"/>
-              <a:t>module</a:t>
+              <a:t>Figure 7 for EC cars (type 1). Here, the list of Station modules and queues to choose from is constructed by the modeler in the Stations section with the aid of the three buttons to its right. Each entry specifies a Station module</a:t>
             </a:r>
             <a:r>
               <a:rPr lang="tr-TR" b="1" i="1" dirty="0" smtClean="0"/>
@@ -15898,11 +18184,7 @@
           <a:p>
             <a:r>
               <a:rPr lang="tr-TR" dirty="0" smtClean="0"/>
-              <a:t>WORKSHEET </a:t>
-            </a:r>
-            <a:r>
-              <a:rPr lang="tr-TR" dirty="0" smtClean="0"/>
-              <a:t>EXAMPLE-7</a:t>
+              <a:t>WORKSHEET EXAMPLE-7</a:t>
             </a:r>
             <a:endParaRPr lang="tr-TR" dirty="0"/>
           </a:p>
@@ -16046,11 +18328,7 @@
           <a:p>
             <a:r>
               <a:rPr lang="tr-TR" dirty="0" smtClean="0"/>
-              <a:t>WORKSHEET </a:t>
-            </a:r>
-            <a:r>
-              <a:rPr lang="tr-TR" dirty="0" smtClean="0"/>
-              <a:t>EXAMPLE-7</a:t>
+              <a:t>WORKSHEET EXAMPLE-7</a:t>
             </a:r>
             <a:endParaRPr lang="tr-TR" dirty="0"/>
           </a:p>
@@ -16293,11 +18571,7 @@
           <a:p>
             <a:r>
               <a:rPr lang="en-US" dirty="0" smtClean="0"/>
-              <a:t>Figure </a:t>
-            </a:r>
-            <a:r>
-              <a:rPr lang="en-US" dirty="0" smtClean="0"/>
-              <a:t>12 displays the spreadsheet views of the Advanced Set </a:t>
+              <a:t>Figure 12 displays the spreadsheet views of the Advanced Set </a:t>
             </a:r>
             <a:r>
               <a:rPr lang="en-US" dirty="0" err="1" smtClean="0"/>
@@ -16323,11 +18597,7 @@
           <a:p>
             <a:r>
               <a:rPr lang="en-US" dirty="0" smtClean="0"/>
-              <a:t>Once </a:t>
-            </a:r>
-            <a:r>
-              <a:rPr lang="en-US" dirty="0" smtClean="0"/>
-              <a:t>a car entity succeeds in seizing its respective server resource (tollbooth), it enters a Delay module in its path for the duration of the toll payment activity.</a:t>
+              <a:t>Once a car entity succeeds in seizing its respective server resource (tollbooth), it enters a Delay module in its path for the duration of the toll payment activity.</a:t>
             </a:r>
             <a:endParaRPr lang="tr-TR" dirty="0"/>
           </a:p>
@@ -16380,11 +18650,7 @@
           <a:p>
             <a:r>
               <a:rPr lang="tr-TR" dirty="0" smtClean="0"/>
-              <a:t>WORKSHEET </a:t>
-            </a:r>
-            <a:r>
-              <a:rPr lang="tr-TR" dirty="0" smtClean="0"/>
-              <a:t>EXAMPLE-7</a:t>
+              <a:t>WORKSHEET EXAMPLE-7</a:t>
             </a:r>
             <a:endParaRPr lang="tr-TR" dirty="0"/>
           </a:p>
@@ -16414,17 +18680,12 @@
           <a:p>
             <a:r>
               <a:rPr lang="en-US" sz="1800" b="1" i="1" dirty="0" smtClean="0"/>
-              <a:t>Finally, recall that MR(R) and NQ(Q) are the Arena functions returning the current number of resource units in resource R and the current number of entities in queue Q, respectively, and suppose that queue CRSQ_2 can accommodate less than 1000 cars (otherwise, replace 1000 by a sufficiently large number, which surely exists). Now, to ensure that the expressions in the Stations section are properly defined, consider the following two cases pertaining to the expression for </a:t>
-            </a:r>
-            <a:r>
-              <a:rPr lang="en-US" sz="1800" b="1" i="1" dirty="0" smtClean="0"/>
-              <a:t>CR_1</a:t>
+              <a:t>Finally, recall that MR(R) and NQ(Q) are the Arena functions returning the current number of resource units in resource R and the current number of entities in queue Q, respectively, and suppose that queue CRSQ_2 can accommodate less than 1000 cars (otherwise, replace 1000 by a sufficiently large number, which surely exists). Now, to ensure that the expressions in the Stations section are properly defined, consider the following two cases pertaining to the expression for CR_1</a:t>
             </a:r>
             <a:r>
               <a:rPr lang="en-US" sz="1800" dirty="0" smtClean="0"/>
               <a:t>. </a:t>
             </a:r>
-            <a:endParaRPr lang="en-US" sz="1800" dirty="0" smtClean="0"/>
           </a:p>
         </p:txBody>
       </p:sp>
@@ -16507,11 +18768,7 @@
           <a:p>
             <a:r>
               <a:rPr lang="tr-TR" dirty="0" smtClean="0"/>
-              <a:t>WORKSHEET </a:t>
-            </a:r>
-            <a:r>
-              <a:rPr lang="tr-TR" dirty="0" smtClean="0"/>
-              <a:t>EXAMPLE-7</a:t>
+              <a:t>WORKSHEET EXAMPLE-7</a:t>
             </a:r>
             <a:endParaRPr lang="tr-TR" dirty="0"/>
           </a:p>
@@ -16541,11 +18798,7 @@
           <a:p>
             <a:r>
               <a:rPr lang="en-US" sz="1800" b="1" i="1" dirty="0" smtClean="0"/>
-              <a:t>Finally, recall that MR(R) and NQ(Q) are the Arena functions returning the current number of resource units in resource R and the current number of entities in queue Q, respectively, and suppose that queue CRSQ_2 can accommodate less than 1000 </a:t>
-            </a:r>
-            <a:r>
-              <a:rPr lang="en-US" sz="1800" b="1" i="1" dirty="0" smtClean="0"/>
-              <a:t>cars</a:t>
+              <a:t>Finally, recall that MR(R) and NQ(Q) are the Arena functions returning the current number of resource units in resource R and the current number of entities in queue Q, respectively, and suppose that queue CRSQ_2 can accommodate less than 1000 cars</a:t>
             </a:r>
             <a:endParaRPr lang="en-US" sz="1800" dirty="0" smtClean="0"/>
           </a:p>
@@ -16638,15 +18891,7 @@
           <a:p>
             <a:r>
               <a:rPr lang="en-US" b="1" i="1" dirty="0" smtClean="0"/>
-              <a:t>(otherwise, replace 1000 by a sufficiently large number, which surely exists). </a:t>
-            </a:r>
-            <a:r>
-              <a:rPr lang="en-US" b="1" i="1" dirty="0" smtClean="0"/>
-              <a:t>Now</a:t>
-            </a:r>
-            <a:r>
-              <a:rPr lang="en-US" b="1" i="1" dirty="0" smtClean="0"/>
-              <a:t>, to ensure that the expressions in the Stations section are properly defined, consider the following two cases pertaining to the expression for CR_1</a:t>
+              <a:t>(otherwise, replace 1000 by a sufficiently large number, which surely exists). Now, to ensure that the expressions in the Stations section are properly defined, consider the following two cases pertaining to the expression for CR_1</a:t>
             </a:r>
             <a:r>
               <a:rPr lang="en-US" dirty="0" smtClean="0"/>
@@ -16703,11 +18948,7 @@
           <a:p>
             <a:r>
               <a:rPr lang="tr-TR" dirty="0" smtClean="0"/>
-              <a:t>WORKSHEET </a:t>
-            </a:r>
-            <a:r>
-              <a:rPr lang="tr-TR" dirty="0" smtClean="0"/>
-              <a:t>EXAMPLE-7</a:t>
+              <a:t>WORKSHEET EXAMPLE-7</a:t>
             </a:r>
             <a:endParaRPr lang="tr-TR" dirty="0"/>
           </a:p>
@@ -16800,11 +19041,7 @@
           <a:p>
             <a:r>
               <a:rPr lang="en-US" dirty="0" smtClean="0"/>
-              <a:t>To specify these constructs, the requisite sets are created first. More specifically, to create a set of queues, the Set option is selected in the Queue Type field, and its name is entered in the Set Name field. Next, the Add button is used to create the requisite resource set, by popping up the Resources dialog </a:t>
-            </a:r>
-            <a:r>
-              <a:rPr lang="en-US" dirty="0" smtClean="0"/>
-              <a:t>box</a:t>
+              <a:t>To specify these constructs, the requisite sets are created first. More specifically, to create a set of queues, the Set option is selected in the Queue Type field, and its name is entered in the Set Name field. Next, the Add button is used to create the requisite resource set, by popping up the Resources dialog box</a:t>
             </a:r>
             <a:endParaRPr lang="tr-TR" dirty="0"/>
           </a:p>
@@ -16889,11 +19126,7 @@
           <a:p>
             <a:r>
               <a:rPr lang="tr-TR" dirty="0" smtClean="0"/>
-              <a:t>WORKSHEET </a:t>
-            </a:r>
-            <a:r>
-              <a:rPr lang="tr-TR" dirty="0" smtClean="0"/>
-              <a:t>EXAMPLE-7</a:t>
+              <a:t>WORKSHEET EXAMPLE-7</a:t>
             </a:r>
             <a:endParaRPr lang="tr-TR" dirty="0"/>
           </a:p>

--- a/Simulation Works/QUESTIONS.pptx
+++ b/Simulation Works/QUESTIONS.pptx
@@ -119,6 +119,20 @@
     <p:sldId id="374" r:id="rId113"/>
     <p:sldId id="375" r:id="rId114"/>
     <p:sldId id="376" r:id="rId115"/>
+    <p:sldId id="378" r:id="rId116"/>
+    <p:sldId id="379" r:id="rId117"/>
+    <p:sldId id="380" r:id="rId118"/>
+    <p:sldId id="381" r:id="rId119"/>
+    <p:sldId id="382" r:id="rId120"/>
+    <p:sldId id="383" r:id="rId121"/>
+    <p:sldId id="384" r:id="rId122"/>
+    <p:sldId id="385" r:id="rId123"/>
+    <p:sldId id="386" r:id="rId124"/>
+    <p:sldId id="387" r:id="rId125"/>
+    <p:sldId id="388" r:id="rId126"/>
+    <p:sldId id="389" r:id="rId127"/>
+    <p:sldId id="390" r:id="rId128"/>
+    <p:sldId id="391" r:id="rId129"/>
   </p:sldIdLst>
   <p:sldSz cx="9144000" cy="6858000" type="screen4x3"/>
   <p:notesSz cx="6858000" cy="9144000"/>
@@ -402,7 +416,7 @@
             <a:fld id="{2EC0B7D7-EB2F-4C32-8D19-579B8F564160}" type="datetimeFigureOut">
               <a:rPr lang="tr-TR" smtClean="0"/>
               <a:pPr/>
-              <a:t>24.04.2017</a:t>
+              <a:t>01.05.2017</a:t>
             </a:fld>
             <a:endParaRPr lang="tr-TR"/>
           </a:p>
@@ -569,7 +583,7 @@
             <a:fld id="{2EC0B7D7-EB2F-4C32-8D19-579B8F564160}" type="datetimeFigureOut">
               <a:rPr lang="tr-TR" smtClean="0"/>
               <a:pPr/>
-              <a:t>24.04.2017</a:t>
+              <a:t>01.05.2017</a:t>
             </a:fld>
             <a:endParaRPr lang="tr-TR"/>
           </a:p>
@@ -746,7 +760,7 @@
             <a:fld id="{2EC0B7D7-EB2F-4C32-8D19-579B8F564160}" type="datetimeFigureOut">
               <a:rPr lang="tr-TR" smtClean="0"/>
               <a:pPr/>
-              <a:t>24.04.2017</a:t>
+              <a:t>01.05.2017</a:t>
             </a:fld>
             <a:endParaRPr lang="tr-TR"/>
           </a:p>
@@ -913,7 +927,7 @@
             <a:fld id="{2EC0B7D7-EB2F-4C32-8D19-579B8F564160}" type="datetimeFigureOut">
               <a:rPr lang="tr-TR" smtClean="0"/>
               <a:pPr/>
-              <a:t>24.04.2017</a:t>
+              <a:t>01.05.2017</a:t>
             </a:fld>
             <a:endParaRPr lang="tr-TR"/>
           </a:p>
@@ -1156,7 +1170,7 @@
             <a:fld id="{2EC0B7D7-EB2F-4C32-8D19-579B8F564160}" type="datetimeFigureOut">
               <a:rPr lang="tr-TR" smtClean="0"/>
               <a:pPr/>
-              <a:t>24.04.2017</a:t>
+              <a:t>01.05.2017</a:t>
             </a:fld>
             <a:endParaRPr lang="tr-TR"/>
           </a:p>
@@ -1441,7 +1455,7 @@
             <a:fld id="{2EC0B7D7-EB2F-4C32-8D19-579B8F564160}" type="datetimeFigureOut">
               <a:rPr lang="tr-TR" smtClean="0"/>
               <a:pPr/>
-              <a:t>24.04.2017</a:t>
+              <a:t>01.05.2017</a:t>
             </a:fld>
             <a:endParaRPr lang="tr-TR"/>
           </a:p>
@@ -1860,7 +1874,7 @@
             <a:fld id="{2EC0B7D7-EB2F-4C32-8D19-579B8F564160}" type="datetimeFigureOut">
               <a:rPr lang="tr-TR" smtClean="0"/>
               <a:pPr/>
-              <a:t>24.04.2017</a:t>
+              <a:t>01.05.2017</a:t>
             </a:fld>
             <a:endParaRPr lang="tr-TR"/>
           </a:p>
@@ -1975,7 +1989,7 @@
             <a:fld id="{2EC0B7D7-EB2F-4C32-8D19-579B8F564160}" type="datetimeFigureOut">
               <a:rPr lang="tr-TR" smtClean="0"/>
               <a:pPr/>
-              <a:t>24.04.2017</a:t>
+              <a:t>01.05.2017</a:t>
             </a:fld>
             <a:endParaRPr lang="tr-TR"/>
           </a:p>
@@ -2067,7 +2081,7 @@
             <a:fld id="{2EC0B7D7-EB2F-4C32-8D19-579B8F564160}" type="datetimeFigureOut">
               <a:rPr lang="tr-TR" smtClean="0"/>
               <a:pPr/>
-              <a:t>24.04.2017</a:t>
+              <a:t>01.05.2017</a:t>
             </a:fld>
             <a:endParaRPr lang="tr-TR"/>
           </a:p>
@@ -2341,7 +2355,7 @@
             <a:fld id="{2EC0B7D7-EB2F-4C32-8D19-579B8F564160}" type="datetimeFigureOut">
               <a:rPr lang="tr-TR" smtClean="0"/>
               <a:pPr/>
-              <a:t>24.04.2017</a:t>
+              <a:t>01.05.2017</a:t>
             </a:fld>
             <a:endParaRPr lang="tr-TR"/>
           </a:p>
@@ -2591,7 +2605,7 @@
             <a:fld id="{2EC0B7D7-EB2F-4C32-8D19-579B8F564160}" type="datetimeFigureOut">
               <a:rPr lang="tr-TR" smtClean="0"/>
               <a:pPr/>
-              <a:t>24.04.2017</a:t>
+              <a:t>01.05.2017</a:t>
             </a:fld>
             <a:endParaRPr lang="tr-TR"/>
           </a:p>
@@ -2801,7 +2815,7 @@
             <a:fld id="{2EC0B7D7-EB2F-4C32-8D19-579B8F564160}" type="datetimeFigureOut">
               <a:rPr lang="tr-TR" smtClean="0"/>
               <a:pPr/>
-              <a:t>24.04.2017</a:t>
+              <a:t>01.05.2017</a:t>
             </a:fld>
             <a:endParaRPr lang="tr-TR"/>
           </a:p>
@@ -3348,7 +3362,15 @@
           <a:p>
             <a:r>
               <a:rPr lang="en-US" dirty="0" smtClean="0"/>
-              <a:t>Consider a production/inventory system in which the production process (e.g., packaging) is comprised of three stages; </a:t>
+              <a:t>Consider </a:t>
+            </a:r>
+            <a:r>
+              <a:rPr lang="en-US" b="1" dirty="0" smtClean="0"/>
+              <a:t>a production/inventory </a:t>
+            </a:r>
+            <a:r>
+              <a:rPr lang="en-US" dirty="0" smtClean="0"/>
+              <a:t>system in which the production process (e.g., packaging) is comprised of three stages; </a:t>
             </a:r>
             <a:endParaRPr lang="tr-TR" dirty="0" smtClean="0"/>
           </a:p>
@@ -3363,11 +3385,11 @@
               <a:buNone/>
             </a:pPr>
             <a:r>
-              <a:rPr lang="tr-TR" dirty="0" smtClean="0"/>
+              <a:rPr lang="tr-TR" b="1" dirty="0" smtClean="0"/>
               <a:t>	</a:t>
             </a:r>
             <a:r>
-              <a:rPr lang="en-US" dirty="0" smtClean="0"/>
+              <a:rPr lang="en-US" b="1" dirty="0" smtClean="0"/>
               <a:t>1. filling each container unit (e.g., bottles) </a:t>
             </a:r>
           </a:p>
@@ -3376,31 +3398,31 @@
               <a:buNone/>
             </a:pPr>
             <a:r>
-              <a:rPr lang="tr-TR" dirty="0" smtClean="0"/>
+              <a:rPr lang="tr-TR" b="1" dirty="0" smtClean="0"/>
               <a:t>	2. </a:t>
             </a:r>
             <a:r>
-              <a:rPr lang="tr-TR" dirty="0" err="1" smtClean="0"/>
+              <a:rPr lang="tr-TR" b="1" dirty="0" err="1" smtClean="0"/>
               <a:t>sealing</a:t>
             </a:r>
             <a:r>
-              <a:rPr lang="tr-TR" dirty="0" smtClean="0"/>
+              <a:rPr lang="tr-TR" b="1" dirty="0" smtClean="0"/>
               <a:t> </a:t>
             </a:r>
             <a:r>
-              <a:rPr lang="tr-TR" dirty="0" err="1" smtClean="0"/>
+              <a:rPr lang="tr-TR" b="1" dirty="0" err="1" smtClean="0"/>
               <a:t>each</a:t>
             </a:r>
             <a:r>
-              <a:rPr lang="tr-TR" dirty="0" smtClean="0"/>
+              <a:rPr lang="tr-TR" b="1" dirty="0" smtClean="0"/>
               <a:t> </a:t>
             </a:r>
             <a:r>
-              <a:rPr lang="tr-TR" dirty="0" err="1" smtClean="0"/>
+              <a:rPr lang="tr-TR" b="1" dirty="0" err="1" smtClean="0"/>
               <a:t>unit</a:t>
             </a:r>
             <a:r>
-              <a:rPr lang="tr-TR" dirty="0" smtClean="0"/>
+              <a:rPr lang="tr-TR" b="1" dirty="0" smtClean="0"/>
               <a:t> </a:t>
             </a:r>
           </a:p>
@@ -3409,14 +3431,14 @@
               <a:buNone/>
             </a:pPr>
             <a:r>
-              <a:rPr lang="tr-TR" dirty="0" smtClean="0"/>
+              <a:rPr lang="tr-TR" b="1" dirty="0" smtClean="0"/>
               <a:t>	</a:t>
             </a:r>
             <a:r>
-              <a:rPr lang="en-US" dirty="0" smtClean="0"/>
+              <a:rPr lang="en-US" b="1" dirty="0" smtClean="0"/>
               <a:t>3. placing labels on each unit </a:t>
             </a:r>
-            <a:endParaRPr lang="tr-TR" dirty="0" smtClean="0"/>
+            <a:endParaRPr lang="tr-TR" b="1" dirty="0" smtClean="0"/>
           </a:p>
           <a:p>
             <a:pPr>
@@ -3427,9 +3449,45 @@
           <a:p>
             <a:r>
               <a:rPr lang="en-US" dirty="0" smtClean="0"/>
-              <a:t>A raw-material storage feeds the production process, and finished units are stored in a warehouse. Customers arrive at the warehouse with product requests (demands), and if a request cannot be fully satisfied by on-hand inventory, the unsatisfied portion represents lost business. </a:t>
-            </a:r>
-            <a:endParaRPr lang="tr-TR" dirty="0" smtClean="0"/>
+              <a:t>A </a:t>
+            </a:r>
+            <a:r>
+              <a:rPr lang="en-US" b="1" dirty="0" smtClean="0"/>
+              <a:t>raw-material storage feeds</a:t>
+            </a:r>
+            <a:r>
+              <a:rPr lang="en-US" dirty="0" smtClean="0"/>
+              <a:t> the production process, and finished units are </a:t>
+            </a:r>
+            <a:r>
+              <a:rPr lang="en-US" b="1" dirty="0" smtClean="0"/>
+              <a:t>stored in a warehouse. Customers </a:t>
+            </a:r>
+            <a:r>
+              <a:rPr lang="en-US" dirty="0" smtClean="0"/>
+              <a:t>arrive at the warehouse with </a:t>
+            </a:r>
+            <a:r>
+              <a:rPr lang="en-US" b="1" dirty="0" smtClean="0"/>
+              <a:t>product requests </a:t>
+            </a:r>
+            <a:r>
+              <a:rPr lang="en-US" dirty="0" smtClean="0"/>
+              <a:t>(demands), and if a request </a:t>
+            </a:r>
+            <a:r>
+              <a:rPr lang="en-US" b="1" dirty="0" smtClean="0"/>
+              <a:t>cannot be fully satisfied </a:t>
+            </a:r>
+            <a:r>
+              <a:rPr lang="en-US" dirty="0" smtClean="0"/>
+              <a:t>by on-hand inventory, the unsatisfied portion represents </a:t>
+            </a:r>
+            <a:r>
+              <a:rPr lang="en-US" b="1" dirty="0" smtClean="0"/>
+              <a:t>lost business. </a:t>
+            </a:r>
+            <a:endParaRPr lang="tr-TR" b="1" dirty="0" smtClean="0"/>
           </a:p>
           <a:p>
             <a:endParaRPr lang="en-US" dirty="0" smtClean="0"/>
@@ -3437,7 +3495,15 @@
           <a:p>
             <a:r>
               <a:rPr lang="en-US" dirty="0" smtClean="0"/>
-              <a:t>The production process component operates as follows: there is always sufficient raw material in storage, so the production process never starves. </a:t>
+              <a:t>The production process component operates as follows: there is </a:t>
+            </a:r>
+            <a:r>
+              <a:rPr lang="en-US" b="1" dirty="0" smtClean="0"/>
+              <a:t>always sufficient raw material </a:t>
+            </a:r>
+            <a:r>
+              <a:rPr lang="en-US" dirty="0" smtClean="0"/>
+              <a:t>in storage, so the production process never starves. </a:t>
             </a:r>
             <a:r>
               <a:rPr lang="en-US" b="1" dirty="0" smtClean="0"/>
@@ -3531,8 +3597,20 @@
               <a:t>	1. </a:t>
             </a:r>
             <a:r>
-              <a:rPr lang="en-US" dirty="0" smtClean="0"/>
-              <a:t>Times between failures are exponentially distributed with a mean of 200 minutes </a:t>
+              <a:rPr lang="en-US" b="1" dirty="0" smtClean="0"/>
+              <a:t>Times between failures </a:t>
+            </a:r>
+            <a:r>
+              <a:rPr lang="en-US" dirty="0" smtClean="0"/>
+              <a:t>are exponentially distributed with a mean of </a:t>
+            </a:r>
+            <a:r>
+              <a:rPr lang="en-US" b="1" dirty="0" smtClean="0"/>
+              <a:t>200 minutes</a:t>
+            </a:r>
+            <a:r>
+              <a:rPr lang="en-US" dirty="0" smtClean="0"/>
+              <a:t> </a:t>
             </a:r>
             <a:endParaRPr lang="tr-TR" dirty="0" smtClean="0"/>
           </a:p>
@@ -3545,10 +3623,34 @@
               <a:t>	2. </a:t>
             </a:r>
             <a:r>
-              <a:rPr lang="en-US" dirty="0" smtClean="0"/>
-              <a:t>Repair times are normally distributed, with a mean of 90 minutes and a standard deviation of 45 minutes </a:t>
-            </a:r>
-            <a:endParaRPr lang="tr-TR" dirty="0" smtClean="0"/>
+              <a:rPr lang="en-US" b="1" dirty="0" smtClean="0"/>
+              <a:t>Repair times </a:t>
+            </a:r>
+            <a:r>
+              <a:rPr lang="en-US" dirty="0" smtClean="0"/>
+              <a:t>are normally distributed, with a mean </a:t>
+            </a:r>
+            <a:r>
+              <a:rPr lang="en-US" b="1" dirty="0" smtClean="0"/>
+              <a:t>of </a:t>
+            </a:r>
+            <a:r>
+              <a:rPr lang="tr-TR" b="1" dirty="0" smtClean="0"/>
+              <a:t>7</a:t>
+            </a:r>
+            <a:r>
+              <a:rPr lang="en-US" b="1" dirty="0" smtClean="0"/>
+              <a:t>0 minutes </a:t>
+            </a:r>
+            <a:r>
+              <a:rPr lang="en-US" dirty="0" smtClean="0"/>
+              <a:t>and a standard deviation of </a:t>
+            </a:r>
+            <a:r>
+              <a:rPr lang="en-US" b="1" dirty="0" smtClean="0"/>
+              <a:t>45 minutes </a:t>
+            </a:r>
+            <a:endParaRPr lang="tr-TR" b="1" dirty="0" smtClean="0"/>
           </a:p>
           <a:p>
             <a:endParaRPr lang="en-US" dirty="0" smtClean="0"/>
@@ -3569,7 +3671,15 @@
             </a:r>
             <a:r>
               <a:rPr lang="en-US" dirty="0" smtClean="0"/>
-              <a:t>Warehouse operations implement the inventory control policy, where; </a:t>
+              <a:t>Warehouse operations implement </a:t>
+            </a:r>
+            <a:r>
+              <a:rPr lang="en-US" b="1" dirty="0" smtClean="0"/>
+              <a:t>the inventory control policy</a:t>
+            </a:r>
+            <a:r>
+              <a:rPr lang="en-US" dirty="0" smtClean="0"/>
+              <a:t>, where; </a:t>
             </a:r>
           </a:p>
           <a:p>
@@ -3582,7 +3692,15 @@
             </a:r>
             <a:r>
               <a:rPr lang="en-US" dirty="0" smtClean="0"/>
-              <a:t>1. The warehouse has a capacity (target level) of units</a:t>
+              <a:t>1. The warehouse has a </a:t>
+            </a:r>
+            <a:r>
+              <a:rPr lang="en-US" b="1" dirty="0" smtClean="0"/>
+              <a:t>capacity</a:t>
+            </a:r>
+            <a:r>
+              <a:rPr lang="en-US" dirty="0" smtClean="0"/>
+              <a:t> (target level) of units</a:t>
             </a:r>
             <a:endParaRPr lang="tr-TR" dirty="0" smtClean="0"/>
           </a:p>
@@ -3596,7 +3714,19 @@
             </a:r>
             <a:r>
               <a:rPr lang="en-US" dirty="0" smtClean="0"/>
-              <a:t>2. The production process stops when the inventory in the warehouse reaches the target level </a:t>
+              <a:t>2. The </a:t>
+            </a:r>
+            <a:r>
+              <a:rPr lang="en-US" b="1" dirty="0" smtClean="0"/>
+              <a:t>production process stops </a:t>
+            </a:r>
+            <a:r>
+              <a:rPr lang="en-US" dirty="0" smtClean="0"/>
+              <a:t>when the inventory in the warehouse </a:t>
+            </a:r>
+            <a:r>
+              <a:rPr lang="en-US" b="1" dirty="0" smtClean="0"/>
+              <a:t>reaches the target level </a:t>
             </a:r>
           </a:p>
           <a:p>
@@ -3609,7 +3739,31 @@
             </a:r>
             <a:r>
               <a:rPr lang="en-US" dirty="0" smtClean="0"/>
-              <a:t>3. From this point and on, the production process remains inactive until the inventory level drops to or below the reorder point of units </a:t>
+              <a:t>3. From this point and on, the production </a:t>
+            </a:r>
+            <a:r>
+              <a:rPr lang="en-US" b="1" dirty="0" smtClean="0"/>
+              <a:t>process remains inactive </a:t>
+            </a:r>
+            <a:r>
+              <a:rPr lang="en-US" dirty="0" smtClean="0"/>
+              <a:t>until </a:t>
+            </a:r>
+            <a:r>
+              <a:rPr lang="en-US" b="1" dirty="0" smtClean="0"/>
+              <a:t>the inventory level drops </a:t>
+            </a:r>
+            <a:r>
+              <a:rPr lang="en-US" dirty="0" smtClean="0"/>
+              <a:t>to or below the </a:t>
+            </a:r>
+            <a:r>
+              <a:rPr lang="en-US" b="1" dirty="0" smtClean="0"/>
+              <a:t>reorder point </a:t>
+            </a:r>
+            <a:r>
+              <a:rPr lang="en-US" dirty="0" smtClean="0"/>
+              <a:t>of units </a:t>
             </a:r>
           </a:p>
           <a:p>
@@ -3622,9 +3776,12 @@
             </a:r>
             <a:r>
               <a:rPr lang="en-US" dirty="0" smtClean="0"/>
-              <a:t>4. At this point the production process is restarted until the warehouse inventory level reaches the target level</a:t>
-            </a:r>
-            <a:endParaRPr lang="en-US" b="1" dirty="0" smtClean="0"/>
+              <a:t>4. At this point the production process is </a:t>
+            </a:r>
+            <a:r>
+              <a:rPr lang="en-US" b="1" dirty="0" smtClean="0"/>
+              <a:t>restarted until the warehouse inventory level reaches the target level</a:t>
+            </a:r>
           </a:p>
         </p:txBody>
       </p:sp>
@@ -3700,7 +3857,23 @@
           <a:p>
             <a:r>
               <a:rPr lang="en-US" b="1" i="1" dirty="0" smtClean="0"/>
-              <a:t>The inter-arrival times between successive customers are uniformly distributed between 3 to 7 hours, and individual demand sizes are distributed uniformly between 50 and 100 units </a:t>
+              <a:t>The inter-arrival times between successive customers are uniformly distributed between </a:t>
+            </a:r>
+            <a:r>
+              <a:rPr lang="tr-TR" b="1" i="1" dirty="0" smtClean="0"/>
+              <a:t>1</a:t>
+            </a:r>
+            <a:r>
+              <a:rPr lang="en-US" b="1" i="1" dirty="0" smtClean="0"/>
+              <a:t> to </a:t>
+            </a:r>
+            <a:r>
+              <a:rPr lang="tr-TR" b="1" i="1" dirty="0" smtClean="0"/>
+              <a:t>3 </a:t>
+            </a:r>
+            <a:r>
+              <a:rPr lang="en-US" b="1" i="1" dirty="0" smtClean="0"/>
+              <a:t>hours, and individual demand sizes are distributed uniformly between 50 and 100 units </a:t>
             </a:r>
             <a:endParaRPr lang="tr-TR" b="1" i="1" dirty="0" smtClean="0"/>
           </a:p>
@@ -3710,7 +3883,23 @@
           <a:p>
             <a:r>
               <a:rPr lang="en-US" dirty="0" smtClean="0"/>
-              <a:t>On customer arrival, the inventory is immediately checked and if there is sufficient stock on hand, that demand is promptly satisfied,</a:t>
+              <a:t>On customer arrival, the inventory is </a:t>
+            </a:r>
+            <a:r>
+              <a:rPr lang="en-US" b="1" dirty="0" smtClean="0"/>
+              <a:t>immediately checked </a:t>
+            </a:r>
+            <a:r>
+              <a:rPr lang="en-US" dirty="0" smtClean="0"/>
+              <a:t>and if there is </a:t>
+            </a:r>
+            <a:r>
+              <a:rPr lang="en-US" b="1" dirty="0" smtClean="0"/>
+              <a:t>sufficient stock on hand</a:t>
+            </a:r>
+            <a:r>
+              <a:rPr lang="en-US" dirty="0" smtClean="0"/>
+              <a:t>, that demand is promptly satisfied,</a:t>
             </a:r>
             <a:r>
               <a:rPr lang="tr-TR" dirty="0" smtClean="0"/>
@@ -3718,7 +3907,11 @@
             </a:r>
             <a:r>
               <a:rPr lang="en-US" dirty="0" smtClean="0"/>
-              <a:t>and otherwise, the unsatisfied portion of the demand is lost</a:t>
+              <a:t>and otherwise, the </a:t>
+            </a:r>
+            <a:r>
+              <a:rPr lang="en-US" b="1" dirty="0" smtClean="0"/>
+              <a:t>unsatisfied portion of the demand is lost</a:t>
             </a:r>
             <a:r>
               <a:rPr lang="tr-TR" dirty="0" smtClean="0"/>
@@ -3726,9 +3919,13 @@
             </a:r>
             <a:r>
               <a:rPr lang="en-US" dirty="0" smtClean="0"/>
-              <a:t>The Arena model of the production/inventory system is composed of two segments: inventory management and demand management </a:t>
-            </a:r>
-            <a:endParaRPr lang="tr-TR" dirty="0" smtClean="0"/>
+              <a:t>The Arena model of the production/inventory system is composed of two segments: </a:t>
+            </a:r>
+            <a:r>
+              <a:rPr lang="en-US" b="1" dirty="0" smtClean="0"/>
+              <a:t>inventory management and demand management </a:t>
+            </a:r>
+            <a:endParaRPr lang="tr-TR" b="1" dirty="0" smtClean="0"/>
           </a:p>
           <a:p>
             <a:endParaRPr lang="en-US" dirty="0" smtClean="0"/>
@@ -4342,22 +4539,50 @@
           <a:lstStyle/>
           <a:p>
             <a:r>
-              <a:rPr lang="en-US" dirty="0" smtClean="0"/>
-              <a:t>The inventory level at the warehouse is maintained in a variable, called Inventory, initially set to 250 </a:t>
-            </a:r>
-          </a:p>
-          <a:p>
-            <a:r>
-              <a:rPr lang="en-US" dirty="0" smtClean="0"/>
-              <a:t>• each product entity (batch of 5 units) that enters the Assign module, called Update Inventory, increases the warehouse inventory level by a batch of 5 finished jobs by adding the Batch Size to the variable Inventory </a:t>
-            </a:r>
-          </a:p>
-          <a:p>
-            <a:r>
-              <a:rPr lang="en-US" dirty="0" smtClean="0"/>
-              <a:t>• that entity then proceeds from the Hold module, called Shall We Produce?, to the Decide module, called Check Target </a:t>
-            </a:r>
-            <a:endParaRPr lang="tr-TR" dirty="0"/>
+              <a:rPr lang="en-US" b="1" dirty="0" smtClean="0"/>
+              <a:t>The inventory level </a:t>
+            </a:r>
+            <a:r>
+              <a:rPr lang="en-US" dirty="0" smtClean="0"/>
+              <a:t>at the warehouse is maintained in a variable, called Inventory,</a:t>
+            </a:r>
+            <a:r>
+              <a:rPr lang="en-US" b="1" dirty="0" smtClean="0"/>
+              <a:t> initially set to 250 </a:t>
+            </a:r>
+          </a:p>
+          <a:p>
+            <a:r>
+              <a:rPr lang="en-US" dirty="0" smtClean="0"/>
+              <a:t>• each product entity (batch of 5 units) that enters the Assign module, called </a:t>
+            </a:r>
+            <a:r>
+              <a:rPr lang="en-US" b="1" dirty="0" smtClean="0"/>
+              <a:t>Update Inventory</a:t>
+            </a:r>
+            <a:r>
+              <a:rPr lang="en-US" dirty="0" smtClean="0"/>
+              <a:t>, increases the warehouse inventory level by a </a:t>
+            </a:r>
+            <a:r>
+              <a:rPr lang="en-US" b="1" dirty="0" smtClean="0"/>
+              <a:t>batch of 5 finished jobs </a:t>
+            </a:r>
+            <a:r>
+              <a:rPr lang="en-US" dirty="0" smtClean="0"/>
+              <a:t>by adding the Batch Size to the variable Inventory </a:t>
+            </a:r>
+          </a:p>
+          <a:p>
+            <a:r>
+              <a:rPr lang="en-US" dirty="0" smtClean="0"/>
+              <a:t>• that entity then proceeds </a:t>
+            </a:r>
+            <a:r>
+              <a:rPr lang="en-US" b="1" dirty="0" smtClean="0"/>
+              <a:t>from the Hold module, called Shall We Produce?, to the Decide module, called Check Target </a:t>
+            </a:r>
+            <a:endParaRPr lang="tr-TR" b="1" dirty="0"/>
           </a:p>
         </p:txBody>
       </p:sp>
@@ -4533,7 +4758,15 @@
           <a:p>
             <a:r>
               <a:rPr lang="en-US" dirty="0" smtClean="0"/>
-              <a:t>• One of the attribute fields is Failures, which specifies resource failures in a dialog box </a:t>
+              <a:t>• </a:t>
+            </a:r>
+            <a:r>
+              <a:rPr lang="en-US" b="1" dirty="0" smtClean="0"/>
+              <a:t>One of the attribute fields is Failures</a:t>
+            </a:r>
+            <a:r>
+              <a:rPr lang="en-US" dirty="0" smtClean="0"/>
+              <a:t>, which specifies resource failures in a dialog box </a:t>
             </a:r>
           </a:p>
           <a:p>
@@ -4785,15 +5018,15 @@
             </a:r>
             <a:r>
               <a:rPr lang="en-US" dirty="0" smtClean="0"/>
-              <a:t>to make branching </a:t>
-            </a:r>
-            <a:r>
-              <a:rPr lang="en-US" dirty="0" err="1" smtClean="0"/>
-              <a:t>decisions,based</a:t>
-            </a:r>
-            <a:r>
-              <a:rPr lang="en-US" dirty="0" smtClean="0"/>
-              <a:t> on chance or the truth/falsity of prescribed conditions the dialog box below makes a two-way probabilistic branching decision by checking the inventory target level </a:t>
+              <a:t>to make branching decisions,</a:t>
+            </a:r>
+            <a:r>
+              <a:rPr lang="tr-TR" dirty="0" smtClean="0"/>
+              <a:t> </a:t>
+            </a:r>
+            <a:r>
+              <a:rPr lang="en-US" dirty="0" smtClean="0"/>
+              <a:t>based on chance or the truth/falsity of prescribed conditions the dialog box below makes a two-way probabilistic branching decision by checking the inventory target level </a:t>
             </a:r>
             <a:endParaRPr lang="tr-TR" dirty="0"/>
           </a:p>
@@ -4822,21 +5055,49 @@
           <a:p>
             <a:r>
               <a:rPr lang="en-US" dirty="0" smtClean="0"/>
-              <a:t>The entity tests there whether or not the inventory target level has been up-crossed as follows: </a:t>
-            </a:r>
-          </a:p>
-          <a:p>
-            <a:r>
-              <a:rPr lang="en-US" dirty="0" smtClean="0"/>
-              <a:t>• if the inventory target level has been up-crossed, then the entity moves on to the Assign module, called Stop Production, and sets Production = 0 to signal that production is suspended </a:t>
-            </a:r>
-          </a:p>
-          <a:p>
-            <a:r>
-              <a:rPr lang="en-US" dirty="0" smtClean="0"/>
-              <a:t>• otherwise, the entity does nothing </a:t>
-            </a:r>
-            <a:endParaRPr lang="tr-TR" dirty="0"/>
+              <a:t>The entity tests there whether or not the </a:t>
+            </a:r>
+            <a:r>
+              <a:rPr lang="en-US" b="1" dirty="0" smtClean="0"/>
+              <a:t>inventory target level has been up-crossed as follows</a:t>
+            </a:r>
+            <a:r>
+              <a:rPr lang="en-US" dirty="0" smtClean="0"/>
+              <a:t>: </a:t>
+            </a:r>
+          </a:p>
+          <a:p>
+            <a:r>
+              <a:rPr lang="en-US" dirty="0" smtClean="0"/>
+              <a:t>• if the inventory target level has been up-crossed, then the entity moves on to </a:t>
+            </a:r>
+            <a:r>
+              <a:rPr lang="en-US" b="1" dirty="0" smtClean="0"/>
+              <a:t>the Assign module, called Stop Production</a:t>
+            </a:r>
+            <a:r>
+              <a:rPr lang="en-US" dirty="0" smtClean="0"/>
+              <a:t>, </a:t>
+            </a:r>
+            <a:r>
+              <a:rPr lang="en-US" b="1" dirty="0" smtClean="0"/>
+              <a:t>and sets Production = 0 </a:t>
+            </a:r>
+            <a:r>
+              <a:rPr lang="en-US" dirty="0" smtClean="0"/>
+              <a:t>to signal that production is suspended </a:t>
+            </a:r>
+          </a:p>
+          <a:p>
+            <a:r>
+              <a:rPr lang="en-US" dirty="0" smtClean="0"/>
+              <a:t>• </a:t>
+            </a:r>
+            <a:r>
+              <a:rPr lang="en-US" b="1" dirty="0" smtClean="0"/>
+              <a:t>otherwise, the entity does nothing </a:t>
+            </a:r>
+            <a:endParaRPr lang="tr-TR" b="1" dirty="0"/>
           </a:p>
         </p:txBody>
       </p:sp>
@@ -5069,7 +5330,23 @@
             </a:r>
             <a:r>
               <a:rPr lang="en-US" dirty="0" smtClean="0"/>
-              <a:t>(3,7) </a:t>
+              <a:t>(</a:t>
+            </a:r>
+            <a:r>
+              <a:rPr lang="tr-TR" dirty="0" smtClean="0"/>
+              <a:t>1</a:t>
+            </a:r>
+            <a:r>
+              <a:rPr lang="en-US" dirty="0" smtClean="0"/>
+              <a:t>,</a:t>
+            </a:r>
+            <a:r>
+              <a:rPr lang="tr-TR" dirty="0" smtClean="0"/>
+              <a:t>3</a:t>
+            </a:r>
+            <a:r>
+              <a:rPr lang="en-US" dirty="0" smtClean="0"/>
+              <a:t>) </a:t>
             </a:r>
             <a:endParaRPr lang="tr-TR" dirty="0" smtClean="0"/>
           </a:p>
@@ -5101,17 +5378,21 @@
           <a:p>
             <a:r>
               <a:rPr lang="en-US" dirty="0" smtClean="0"/>
-              <a:t>On arrival, the customer entity first enters the Assign module, called Customer Demand, where its Demand attribute is assigned a random value from the distribution </a:t>
-            </a:r>
-            <a:r>
-              <a:rPr lang="en-US" dirty="0" err="1" smtClean="0"/>
+              <a:t>On arrival, the customer entity first enters the Assign module, called Customer Demand, </a:t>
+            </a:r>
+            <a:r>
+              <a:rPr lang="en-US" b="1" dirty="0" smtClean="0"/>
+              <a:t>where its Demand attribute is assigned a random value from the distribution </a:t>
+            </a:r>
+            <a:r>
+              <a:rPr lang="en-US" b="1" dirty="0" err="1" smtClean="0"/>
               <a:t>Unif</a:t>
             </a:r>
             <a:r>
-              <a:rPr lang="en-US" dirty="0" smtClean="0"/>
+              <a:rPr lang="en-US" b="1" dirty="0" smtClean="0"/>
               <a:t>(50,100 ) </a:t>
             </a:r>
-            <a:endParaRPr lang="tr-TR" dirty="0"/>
+            <a:endParaRPr lang="tr-TR" b="1" dirty="0"/>
           </a:p>
         </p:txBody>
       </p:sp>
@@ -5255,9 +5536,13 @@
           <a:p>
             <a:r>
               <a:rPr lang="en-US" dirty="0" smtClean="0"/>
-              <a:t>The customer then proceeds to the Decide module, called Check Inventory, to test whether the warehouse has sufficient inventory on hand to satisfy its demand </a:t>
-            </a:r>
-            <a:endParaRPr lang="tr-TR" dirty="0" smtClean="0"/>
+              <a:t>The customer then proceeds to the Decide module, called </a:t>
+            </a:r>
+            <a:r>
+              <a:rPr lang="en-US" b="1" dirty="0" smtClean="0"/>
+              <a:t>Check Inventory, to test whether the warehouse has sufficient inventory on hand to satisfy its demand </a:t>
+            </a:r>
+            <a:endParaRPr lang="tr-TR" b="1" dirty="0" smtClean="0"/>
           </a:p>
           <a:p>
             <a:r>
@@ -5290,7 +5575,11 @@
           <a:p>
             <a:r>
               <a:rPr lang="en-US" dirty="0" smtClean="0"/>
-              <a:t>called Take Away From Inventory, where its inventory is decreased the by the demand amount </a:t>
+              <a:t>called </a:t>
+            </a:r>
+            <a:r>
+              <a:rPr lang="en-US" b="1" dirty="0" smtClean="0"/>
+              <a:t>Take Away From Inventory, where its inventory is decreased the by the demand amount </a:t>
             </a:r>
           </a:p>
           <a:p>
@@ -5372,37 +5661,9 @@
           <a:chExt cx="0" cy="0"/>
         </a:xfrm>
       </p:grpSpPr>
-      <p:sp>
-        <p:nvSpPr>
-          <p:cNvPr id="2" name="1 Başlık"/>
-          <p:cNvSpPr>
-            <a:spLocks noGrp="1"/>
-          </p:cNvSpPr>
-          <p:nvPr>
-            <p:ph type="title"/>
-          </p:nvPr>
-        </p:nvSpPr>
-        <p:spPr>
-          <a:xfrm>
-            <a:off x="467544" y="0"/>
-            <a:ext cx="8229600" cy="1143000"/>
-          </a:xfrm>
-        </p:spPr>
-        <p:txBody>
-          <a:bodyPr/>
-          <a:lstStyle/>
-          <a:p>
-            <a:r>
-              <a:rPr lang="tr-TR" dirty="0" smtClean="0"/>
-              <a:t>WORKSHEET EXAMPLE-8</a:t>
-            </a:r>
-            <a:endParaRPr lang="tr-TR" dirty="0"/>
-          </a:p>
-        </p:txBody>
-      </p:sp>
       <p:pic>
         <p:nvPicPr>
-          <p:cNvPr id="8194" name="Picture 2"/>
+          <p:cNvPr id="6" name="Picture 3"/>
           <p:cNvPicPr>
             <a:picLocks noChangeAspect="1" noChangeArrowheads="1"/>
           </p:cNvPicPr>
@@ -5417,8 +5678,8 @@
         </p:blipFill>
         <p:spPr bwMode="auto">
           <a:xfrm>
-            <a:off x="251520" y="980728"/>
-            <a:ext cx="4032448" cy="3170087"/>
+            <a:off x="4572000" y="980728"/>
+            <a:ext cx="4320480" cy="3373347"/>
           </a:xfrm>
           <a:prstGeom prst="rect">
             <a:avLst/>
@@ -5432,9 +5693,37 @@
           </a:ln>
         </p:spPr>
       </p:pic>
+      <p:sp>
+        <p:nvSpPr>
+          <p:cNvPr id="2" name="1 Başlık"/>
+          <p:cNvSpPr>
+            <a:spLocks noGrp="1"/>
+          </p:cNvSpPr>
+          <p:nvPr>
+            <p:ph type="title"/>
+          </p:nvPr>
+        </p:nvSpPr>
+        <p:spPr>
+          <a:xfrm>
+            <a:off x="467544" y="0"/>
+            <a:ext cx="8229600" cy="1143000"/>
+          </a:xfrm>
+        </p:spPr>
+        <p:txBody>
+          <a:bodyPr/>
+          <a:lstStyle/>
+          <a:p>
+            <a:r>
+              <a:rPr lang="tr-TR" dirty="0" smtClean="0"/>
+              <a:t>WORKSHEET EXAMPLE-8</a:t>
+            </a:r>
+            <a:endParaRPr lang="tr-TR" dirty="0"/>
+          </a:p>
+        </p:txBody>
+      </p:sp>
       <p:pic>
         <p:nvPicPr>
-          <p:cNvPr id="8196" name="Picture 4"/>
+          <p:cNvPr id="8194" name="Picture 2"/>
           <p:cNvPicPr>
             <a:picLocks noChangeAspect="1" noChangeArrowheads="1"/>
           </p:cNvPicPr>
@@ -5449,8 +5738,8 @@
         </p:blipFill>
         <p:spPr bwMode="auto">
           <a:xfrm>
-            <a:off x="4572000" y="908720"/>
-            <a:ext cx="4039517" cy="3254407"/>
+            <a:off x="251520" y="980728"/>
+            <a:ext cx="4032448" cy="3170087"/>
           </a:xfrm>
           <a:prstGeom prst="rect">
             <a:avLst/>
@@ -5549,9 +5838,39 @@
           </a:p>
         </p:txBody>
       </p:sp>
+      <p:sp>
+        <p:nvSpPr>
+          <p:cNvPr id="5" name="4 Metin kutusu"/>
+          <p:cNvSpPr txBox="1"/>
+          <p:nvPr/>
+        </p:nvSpPr>
+        <p:spPr>
+          <a:xfrm>
+            <a:off x="5292080" y="1412776"/>
+            <a:ext cx="2160240" cy="646331"/>
+          </a:xfrm>
+          <a:prstGeom prst="rect">
+            <a:avLst/>
+          </a:prstGeom>
+          <a:noFill/>
+        </p:spPr>
+        <p:txBody>
+          <a:bodyPr wrap="square" rtlCol="0">
+            <a:spAutoFit/>
+          </a:bodyPr>
+          <a:lstStyle/>
+          <a:p>
+            <a:r>
+              <a:rPr lang="en-US" dirty="0" smtClean="0"/>
+              <a:t>Replication Length: 24 hour</a:t>
+            </a:r>
+            <a:endParaRPr lang="en-US" dirty="0"/>
+          </a:p>
+        </p:txBody>
+      </p:sp>
       <p:pic>
         <p:nvPicPr>
-          <p:cNvPr id="9218" name="Picture 2"/>
+          <p:cNvPr id="6" name="Picture 4"/>
           <p:cNvPicPr>
             <a:picLocks noChangeAspect="1" noChangeArrowheads="1"/>
           </p:cNvPicPr>
@@ -5567,7 +5886,7 @@
         <p:spPr bwMode="auto">
           <a:xfrm>
             <a:off x="395536" y="1196752"/>
-            <a:ext cx="4366275" cy="2520280"/>
+            <a:ext cx="4039517" cy="3254407"/>
           </a:xfrm>
           <a:prstGeom prst="rect">
             <a:avLst/>
@@ -5583,7 +5902,7 @@
       </p:pic>
       <p:pic>
         <p:nvPicPr>
-          <p:cNvPr id="9219" name="Picture 3"/>
+          <p:cNvPr id="9218" name="Picture 2"/>
           <p:cNvPicPr>
             <a:picLocks noChangeAspect="1" noChangeArrowheads="1"/>
           </p:cNvPicPr>
@@ -5598,8 +5917,8 @@
         </p:blipFill>
         <p:spPr bwMode="auto">
           <a:xfrm>
-            <a:off x="3923928" y="2996952"/>
-            <a:ext cx="4320480" cy="3373347"/>
+            <a:off x="3419872" y="3645024"/>
+            <a:ext cx="5239530" cy="3024336"/>
           </a:xfrm>
           <a:prstGeom prst="rect">
             <a:avLst/>
@@ -5613,36 +5932,6 @@
           </a:ln>
         </p:spPr>
       </p:pic>
-      <p:sp>
-        <p:nvSpPr>
-          <p:cNvPr id="5" name="4 Metin kutusu"/>
-          <p:cNvSpPr txBox="1"/>
-          <p:nvPr/>
-        </p:nvSpPr>
-        <p:spPr>
-          <a:xfrm>
-            <a:off x="5292080" y="1412776"/>
-            <a:ext cx="2160240" cy="646331"/>
-          </a:xfrm>
-          <a:prstGeom prst="rect">
-            <a:avLst/>
-          </a:prstGeom>
-          <a:noFill/>
-        </p:spPr>
-        <p:txBody>
-          <a:bodyPr wrap="square" rtlCol="0">
-            <a:spAutoFit/>
-          </a:bodyPr>
-          <a:lstStyle/>
-          <a:p>
-            <a:r>
-              <a:rPr lang="en-US" dirty="0" smtClean="0"/>
-              <a:t>Replication Length: 24 hour</a:t>
-            </a:r>
-            <a:endParaRPr lang="en-US" dirty="0"/>
-          </a:p>
-        </p:txBody>
-      </p:sp>
     </p:spTree>
   </p:cSld>
   <p:clrMapOvr>
@@ -5768,6 +6057,1202 @@
 </p:sld>
 </file>
 
+<file path=ppt/slides/slide115.xml><?xml version="1.0" encoding="utf-8"?>
+<p:sld xmlns:a="http://schemas.openxmlformats.org/drawingml/2006/main" xmlns:r="http://schemas.openxmlformats.org/officeDocument/2006/relationships" xmlns:p="http://schemas.openxmlformats.org/presentationml/2006/main">
+  <p:cSld>
+    <p:spTree>
+      <p:nvGrpSpPr>
+        <p:cNvPr id="1" name=""/>
+        <p:cNvGrpSpPr/>
+        <p:nvPr/>
+      </p:nvGrpSpPr>
+      <p:grpSpPr>
+        <a:xfrm>
+          <a:off x="0" y="0"/>
+          <a:ext cx="0" cy="0"/>
+          <a:chOff x="0" y="0"/>
+          <a:chExt cx="0" cy="0"/>
+        </a:xfrm>
+      </p:grpSpPr>
+      <p:sp>
+        <p:nvSpPr>
+          <p:cNvPr id="2" name="1 Başlık"/>
+          <p:cNvSpPr>
+            <a:spLocks noGrp="1"/>
+          </p:cNvSpPr>
+          <p:nvPr>
+            <p:ph type="title"/>
+          </p:nvPr>
+        </p:nvSpPr>
+        <p:spPr/>
+        <p:txBody>
+          <a:bodyPr/>
+          <a:lstStyle/>
+          <a:p>
+            <a:r>
+              <a:rPr lang="tr-TR" dirty="0" smtClean="0"/>
+              <a:t>WORKSHEET EXAMPLE-8</a:t>
+            </a:r>
+            <a:endParaRPr lang="tr-TR" dirty="0"/>
+          </a:p>
+        </p:txBody>
+      </p:sp>
+      <p:sp>
+        <p:nvSpPr>
+          <p:cNvPr id="3" name="2 İçerik Yer Tutucusu"/>
+          <p:cNvSpPr>
+            <a:spLocks noGrp="1"/>
+          </p:cNvSpPr>
+          <p:nvPr>
+            <p:ph idx="1"/>
+          </p:nvPr>
+        </p:nvSpPr>
+        <p:spPr/>
+        <p:txBody>
+          <a:bodyPr>
+            <a:normAutofit fontScale="70000" lnSpcReduction="20000"/>
+          </a:bodyPr>
+          <a:lstStyle/>
+          <a:p>
+            <a:r>
+              <a:rPr lang="en-US" dirty="0" smtClean="0"/>
+              <a:t>a Time-Persistent</a:t>
+            </a:r>
+            <a:r>
+              <a:rPr lang="tr-TR" dirty="0" smtClean="0"/>
+              <a:t> </a:t>
+            </a:r>
+            <a:r>
+              <a:rPr lang="en-US" dirty="0" smtClean="0"/>
+              <a:t>statistic, called Stock On Hand, for the Inventory variable </a:t>
+            </a:r>
+          </a:p>
+          <a:p>
+            <a:r>
+              <a:rPr lang="en-US" dirty="0" smtClean="0"/>
+              <a:t>• a Time-Persistent</a:t>
+            </a:r>
+            <a:r>
+              <a:rPr lang="tr-TR" dirty="0" smtClean="0"/>
+              <a:t> </a:t>
+            </a:r>
+            <a:r>
+              <a:rPr lang="en-US" dirty="0" smtClean="0"/>
+              <a:t>statistic, called Production On, for the condition Production = 1 </a:t>
+            </a:r>
+          </a:p>
+          <a:p>
+            <a:r>
+              <a:rPr lang="en-US" dirty="0" smtClean="0"/>
+              <a:t>• a Frequency statistic, called Process States, which estimates the state probabilities of the packaging process, namely, the probabilities that the packaging process is busy or down </a:t>
+            </a:r>
+          </a:p>
+          <a:p>
+            <a:r>
+              <a:rPr lang="en-US" dirty="0" smtClean="0"/>
+              <a:t>• The statistical outputs for Inventory include the average value </a:t>
+            </a:r>
+          </a:p>
+          <a:p>
+            <a:r>
+              <a:rPr lang="tr-TR" dirty="0" smtClean="0"/>
+              <a:t>• 95% </a:t>
+            </a:r>
+            <a:r>
+              <a:rPr lang="tr-TR" dirty="0" err="1" smtClean="0"/>
+              <a:t>confidence</a:t>
+            </a:r>
+            <a:r>
+              <a:rPr lang="tr-TR" dirty="0" smtClean="0"/>
+              <a:t> </a:t>
+            </a:r>
+            <a:r>
+              <a:rPr lang="tr-TR" dirty="0" err="1" smtClean="0"/>
+              <a:t>interval</a:t>
+            </a:r>
+            <a:r>
+              <a:rPr lang="tr-TR" dirty="0" smtClean="0"/>
+              <a:t> </a:t>
+            </a:r>
+          </a:p>
+          <a:p>
+            <a:r>
+              <a:rPr lang="tr-TR" dirty="0" smtClean="0"/>
+              <a:t>• minimal and </a:t>
+            </a:r>
+            <a:r>
+              <a:rPr lang="tr-TR" dirty="0" err="1" smtClean="0"/>
+              <a:t>maximal</a:t>
+            </a:r>
+            <a:r>
+              <a:rPr lang="tr-TR" dirty="0" smtClean="0"/>
+              <a:t> </a:t>
+            </a:r>
+            <a:r>
+              <a:rPr lang="tr-TR" dirty="0" err="1" smtClean="0"/>
+              <a:t>values</a:t>
+            </a:r>
+            <a:r>
+              <a:rPr lang="tr-TR" dirty="0" smtClean="0"/>
+              <a:t> </a:t>
+            </a:r>
+          </a:p>
+          <a:p>
+            <a:r>
+              <a:rPr lang="en-US" dirty="0" smtClean="0"/>
+              <a:t>•The statistical output for state Production = 1 is the percentage of time this expression is true, that is, the probability that the packaging process is in production</a:t>
+            </a:r>
+            <a:endParaRPr lang="tr-TR" dirty="0"/>
+          </a:p>
+        </p:txBody>
+      </p:sp>
+    </p:spTree>
+  </p:cSld>
+  <p:clrMapOvr>
+    <a:masterClrMapping/>
+  </p:clrMapOvr>
+</p:sld>
+</file>
+
+<file path=ppt/slides/slide116.xml><?xml version="1.0" encoding="utf-8"?>
+<p:sld xmlns:a="http://schemas.openxmlformats.org/drawingml/2006/main" xmlns:r="http://schemas.openxmlformats.org/officeDocument/2006/relationships" xmlns:p="http://schemas.openxmlformats.org/presentationml/2006/main">
+  <p:cSld>
+    <p:spTree>
+      <p:nvGrpSpPr>
+        <p:cNvPr id="1" name=""/>
+        <p:cNvGrpSpPr/>
+        <p:nvPr/>
+      </p:nvGrpSpPr>
+      <p:grpSpPr>
+        <a:xfrm>
+          <a:off x="0" y="0"/>
+          <a:ext cx="0" cy="0"/>
+          <a:chOff x="0" y="0"/>
+          <a:chExt cx="0" cy="0"/>
+        </a:xfrm>
+      </p:grpSpPr>
+      <p:sp>
+        <p:nvSpPr>
+          <p:cNvPr id="2" name="1 Başlık"/>
+          <p:cNvSpPr>
+            <a:spLocks noGrp="1"/>
+          </p:cNvSpPr>
+          <p:nvPr>
+            <p:ph type="title"/>
+          </p:nvPr>
+        </p:nvSpPr>
+        <p:spPr/>
+        <p:txBody>
+          <a:bodyPr/>
+          <a:lstStyle/>
+          <a:p>
+            <a:r>
+              <a:rPr lang="tr-TR" dirty="0" smtClean="0"/>
+              <a:t>WORKSHEET </a:t>
+            </a:r>
+            <a:r>
+              <a:rPr lang="tr-TR" dirty="0" smtClean="0"/>
+              <a:t>EXAMPLE-9</a:t>
+            </a:r>
+            <a:endParaRPr lang="tr-TR" dirty="0"/>
+          </a:p>
+        </p:txBody>
+      </p:sp>
+      <p:sp>
+        <p:nvSpPr>
+          <p:cNvPr id="3" name="2 İçerik Yer Tutucusu"/>
+          <p:cNvSpPr>
+            <a:spLocks noGrp="1"/>
+          </p:cNvSpPr>
+          <p:nvPr>
+            <p:ph idx="1"/>
+          </p:nvPr>
+        </p:nvSpPr>
+        <p:spPr>
+          <a:xfrm>
+            <a:off x="467544" y="1484784"/>
+            <a:ext cx="8229600" cy="1972815"/>
+          </a:xfrm>
+        </p:spPr>
+        <p:txBody>
+          <a:bodyPr>
+            <a:normAutofit fontScale="70000" lnSpcReduction="20000"/>
+          </a:bodyPr>
+          <a:lstStyle/>
+          <a:p>
+            <a:r>
+              <a:rPr lang="en-US" dirty="0" smtClean="0"/>
+              <a:t>Cells </a:t>
+            </a:r>
+            <a:r>
+              <a:rPr lang="en-US" dirty="0" smtClean="0"/>
+              <a:t>1, 2, and 4: single machine each </a:t>
+            </a:r>
+          </a:p>
+          <a:p>
+            <a:r>
+              <a:rPr lang="en-US" dirty="0" smtClean="0"/>
+              <a:t>Cell </a:t>
+            </a:r>
+            <a:r>
+              <a:rPr lang="en-US" dirty="0" smtClean="0"/>
+              <a:t>3: two machines — newer one 20% faster </a:t>
+            </a:r>
+          </a:p>
+          <a:p>
+            <a:r>
+              <a:rPr lang="en-US" dirty="0" smtClean="0"/>
+              <a:t>Need</a:t>
+            </a:r>
+            <a:r>
+              <a:rPr lang="en-US" dirty="0" smtClean="0"/>
+              <a:t>: way to model non-identical resource units </a:t>
+            </a:r>
+          </a:p>
+          <a:p>
+            <a:r>
+              <a:rPr lang="en-US" dirty="0" smtClean="0"/>
+              <a:t>Circular layout of cells </a:t>
+            </a:r>
+          </a:p>
+          <a:p>
+            <a:r>
+              <a:rPr lang="en-US" dirty="0" smtClean="0"/>
+              <a:t>Parts </a:t>
+            </a:r>
+            <a:r>
+              <a:rPr lang="en-US" dirty="0" smtClean="0"/>
+              <a:t>enter at left, exit at right, travel only clockwise, all transfer times = 2 min. </a:t>
+            </a:r>
+          </a:p>
+          <a:p>
+            <a:endParaRPr lang="tr-TR" dirty="0"/>
+          </a:p>
+        </p:txBody>
+      </p:sp>
+      <p:pic>
+        <p:nvPicPr>
+          <p:cNvPr id="1028" name="Picture 4"/>
+          <p:cNvPicPr>
+            <a:picLocks noChangeAspect="1" noChangeArrowheads="1"/>
+          </p:cNvPicPr>
+          <p:nvPr/>
+        </p:nvPicPr>
+        <p:blipFill>
+          <a:blip r:embed="rId2" cstate="print"/>
+          <a:srcRect/>
+          <a:stretch>
+            <a:fillRect/>
+          </a:stretch>
+        </p:blipFill>
+        <p:spPr bwMode="auto">
+          <a:xfrm>
+            <a:off x="467544" y="3789040"/>
+            <a:ext cx="8072201" cy="2520280"/>
+          </a:xfrm>
+          <a:prstGeom prst="rect">
+            <a:avLst/>
+          </a:prstGeom>
+          <a:noFill/>
+          <a:ln w="9525">
+            <a:noFill/>
+            <a:miter lim="800000"/>
+            <a:headEnd/>
+            <a:tailEnd/>
+          </a:ln>
+        </p:spPr>
+      </p:pic>
+    </p:spTree>
+  </p:cSld>
+  <p:clrMapOvr>
+    <a:masterClrMapping/>
+  </p:clrMapOvr>
+</p:sld>
+</file>
+
+<file path=ppt/slides/slide117.xml><?xml version="1.0" encoding="utf-8"?>
+<p:sld xmlns:a="http://schemas.openxmlformats.org/drawingml/2006/main" xmlns:r="http://schemas.openxmlformats.org/officeDocument/2006/relationships" xmlns:p="http://schemas.openxmlformats.org/presentationml/2006/main">
+  <p:cSld>
+    <p:spTree>
+      <p:nvGrpSpPr>
+        <p:cNvPr id="1" name=""/>
+        <p:cNvGrpSpPr/>
+        <p:nvPr/>
+      </p:nvGrpSpPr>
+      <p:grpSpPr>
+        <a:xfrm>
+          <a:off x="0" y="0"/>
+          <a:ext cx="0" cy="0"/>
+          <a:chOff x="0" y="0"/>
+          <a:chExt cx="0" cy="0"/>
+        </a:xfrm>
+      </p:grpSpPr>
+      <p:sp>
+        <p:nvSpPr>
+          <p:cNvPr id="2" name="1 Başlık"/>
+          <p:cNvSpPr>
+            <a:spLocks noGrp="1"/>
+          </p:cNvSpPr>
+          <p:nvPr>
+            <p:ph type="title"/>
+          </p:nvPr>
+        </p:nvSpPr>
+        <p:spPr>
+          <a:xfrm>
+            <a:off x="467544" y="0"/>
+            <a:ext cx="8229600" cy="1143000"/>
+          </a:xfrm>
+        </p:spPr>
+        <p:txBody>
+          <a:bodyPr/>
+          <a:lstStyle/>
+          <a:p>
+            <a:r>
+              <a:rPr lang="tr-TR" dirty="0" smtClean="0"/>
+              <a:t>WORKSHEET </a:t>
+            </a:r>
+            <a:r>
+              <a:rPr lang="tr-TR" dirty="0" smtClean="0"/>
+              <a:t>EXAMPLE-9</a:t>
+            </a:r>
+            <a:endParaRPr lang="tr-TR" dirty="0"/>
+          </a:p>
+        </p:txBody>
+      </p:sp>
+      <p:pic>
+        <p:nvPicPr>
+          <p:cNvPr id="2050" name="Picture 2"/>
+          <p:cNvPicPr>
+            <a:picLocks noChangeAspect="1" noChangeArrowheads="1"/>
+          </p:cNvPicPr>
+          <p:nvPr/>
+        </p:nvPicPr>
+        <p:blipFill>
+          <a:blip r:embed="rId2" cstate="print"/>
+          <a:srcRect/>
+          <a:stretch>
+            <a:fillRect/>
+          </a:stretch>
+        </p:blipFill>
+        <p:spPr bwMode="auto">
+          <a:xfrm>
+            <a:off x="539552" y="3645024"/>
+            <a:ext cx="7141338" cy="3020566"/>
+          </a:xfrm>
+          <a:prstGeom prst="rect">
+            <a:avLst/>
+          </a:prstGeom>
+          <a:noFill/>
+          <a:ln w="9525">
+            <a:noFill/>
+            <a:miter lim="800000"/>
+            <a:headEnd/>
+            <a:tailEnd/>
+          </a:ln>
+        </p:spPr>
+      </p:pic>
+      <p:pic>
+        <p:nvPicPr>
+          <p:cNvPr id="2051" name="Picture 3"/>
+          <p:cNvPicPr>
+            <a:picLocks noChangeAspect="1" noChangeArrowheads="1"/>
+          </p:cNvPicPr>
+          <p:nvPr/>
+        </p:nvPicPr>
+        <p:blipFill>
+          <a:blip r:embed="rId3" cstate="print"/>
+          <a:srcRect/>
+          <a:stretch>
+            <a:fillRect/>
+          </a:stretch>
+        </p:blipFill>
+        <p:spPr bwMode="auto">
+          <a:xfrm>
+            <a:off x="3851920" y="5445224"/>
+            <a:ext cx="4855397" cy="1224136"/>
+          </a:xfrm>
+          <a:prstGeom prst="rect">
+            <a:avLst/>
+          </a:prstGeom>
+          <a:noFill/>
+          <a:ln w="9525">
+            <a:noFill/>
+            <a:miter lim="800000"/>
+            <a:headEnd/>
+            <a:tailEnd/>
+          </a:ln>
+        </p:spPr>
+      </p:pic>
+      <p:pic>
+        <p:nvPicPr>
+          <p:cNvPr id="2052" name="Picture 4"/>
+          <p:cNvPicPr>
+            <a:picLocks noChangeAspect="1" noChangeArrowheads="1"/>
+          </p:cNvPicPr>
+          <p:nvPr/>
+        </p:nvPicPr>
+        <p:blipFill>
+          <a:blip r:embed="rId4" cstate="print"/>
+          <a:srcRect/>
+          <a:stretch>
+            <a:fillRect/>
+          </a:stretch>
+        </p:blipFill>
+        <p:spPr bwMode="auto">
+          <a:xfrm>
+            <a:off x="251520" y="1124744"/>
+            <a:ext cx="5133557" cy="2378199"/>
+          </a:xfrm>
+          <a:prstGeom prst="rect">
+            <a:avLst/>
+          </a:prstGeom>
+          <a:noFill/>
+          <a:ln w="9525">
+            <a:noFill/>
+            <a:miter lim="800000"/>
+            <a:headEnd/>
+            <a:tailEnd/>
+          </a:ln>
+        </p:spPr>
+      </p:pic>
+      <p:pic>
+        <p:nvPicPr>
+          <p:cNvPr id="2053" name="Picture 5"/>
+          <p:cNvPicPr>
+            <a:picLocks noChangeAspect="1" noChangeArrowheads="1"/>
+          </p:cNvPicPr>
+          <p:nvPr/>
+        </p:nvPicPr>
+        <p:blipFill>
+          <a:blip r:embed="rId5" cstate="print"/>
+          <a:srcRect/>
+          <a:stretch>
+            <a:fillRect/>
+          </a:stretch>
+        </p:blipFill>
+        <p:spPr bwMode="auto">
+          <a:xfrm>
+            <a:off x="3563888" y="2060848"/>
+            <a:ext cx="5280406" cy="1339974"/>
+          </a:xfrm>
+          <a:prstGeom prst="rect">
+            <a:avLst/>
+          </a:prstGeom>
+          <a:noFill/>
+          <a:ln w="9525">
+            <a:noFill/>
+            <a:miter lim="800000"/>
+            <a:headEnd/>
+            <a:tailEnd/>
+          </a:ln>
+        </p:spPr>
+      </p:pic>
+      <p:cxnSp>
+        <p:nvCxnSpPr>
+          <p:cNvPr id="11" name="10 Düz Ok Bağlayıcısı"/>
+          <p:cNvCxnSpPr/>
+          <p:nvPr/>
+        </p:nvCxnSpPr>
+        <p:spPr>
+          <a:xfrm flipV="1">
+            <a:off x="2699792" y="5589240"/>
+            <a:ext cx="756592" cy="576064"/>
+          </a:xfrm>
+          <a:prstGeom prst="straightConnector1">
+            <a:avLst/>
+          </a:prstGeom>
+          <a:ln w="53975">
+            <a:tailEnd type="arrow"/>
+          </a:ln>
+        </p:spPr>
+        <p:style>
+          <a:lnRef idx="1">
+            <a:schemeClr val="accent1"/>
+          </a:lnRef>
+          <a:fillRef idx="0">
+            <a:schemeClr val="accent1"/>
+          </a:fillRef>
+          <a:effectRef idx="0">
+            <a:schemeClr val="accent1"/>
+          </a:effectRef>
+          <a:fontRef idx="minor">
+            <a:schemeClr val="tx1"/>
+          </a:fontRef>
+        </p:style>
+      </p:cxnSp>
+      <p:cxnSp>
+        <p:nvCxnSpPr>
+          <p:cNvPr id="13" name="12 Düz Ok Bağlayıcısı"/>
+          <p:cNvCxnSpPr/>
+          <p:nvPr/>
+        </p:nvCxnSpPr>
+        <p:spPr>
+          <a:xfrm>
+            <a:off x="6012160" y="4797152"/>
+            <a:ext cx="648072" cy="1080120"/>
+          </a:xfrm>
+          <a:prstGeom prst="straightConnector1">
+            <a:avLst/>
+          </a:prstGeom>
+          <a:ln w="53975">
+            <a:tailEnd type="arrow"/>
+          </a:ln>
+        </p:spPr>
+        <p:style>
+          <a:lnRef idx="1">
+            <a:schemeClr val="accent1"/>
+          </a:lnRef>
+          <a:fillRef idx="0">
+            <a:schemeClr val="accent1"/>
+          </a:fillRef>
+          <a:effectRef idx="0">
+            <a:schemeClr val="accent1"/>
+          </a:effectRef>
+          <a:fontRef idx="minor">
+            <a:schemeClr val="tx1"/>
+          </a:fontRef>
+        </p:style>
+      </p:cxnSp>
+      <p:cxnSp>
+        <p:nvCxnSpPr>
+          <p:cNvPr id="16" name="15 Düz Ok Bağlayıcısı"/>
+          <p:cNvCxnSpPr/>
+          <p:nvPr/>
+        </p:nvCxnSpPr>
+        <p:spPr>
+          <a:xfrm flipV="1">
+            <a:off x="5292080" y="2780928"/>
+            <a:ext cx="1656184" cy="2232248"/>
+          </a:xfrm>
+          <a:prstGeom prst="straightConnector1">
+            <a:avLst/>
+          </a:prstGeom>
+          <a:ln w="53975">
+            <a:tailEnd type="arrow"/>
+          </a:ln>
+        </p:spPr>
+        <p:style>
+          <a:lnRef idx="1">
+            <a:schemeClr val="accent1"/>
+          </a:lnRef>
+          <a:fillRef idx="0">
+            <a:schemeClr val="accent1"/>
+          </a:fillRef>
+          <a:effectRef idx="0">
+            <a:schemeClr val="accent1"/>
+          </a:effectRef>
+          <a:fontRef idx="minor">
+            <a:schemeClr val="tx1"/>
+          </a:fontRef>
+        </p:style>
+      </p:cxnSp>
+      <p:cxnSp>
+        <p:nvCxnSpPr>
+          <p:cNvPr id="18" name="17 Düz Ok Bağlayıcısı"/>
+          <p:cNvCxnSpPr/>
+          <p:nvPr/>
+        </p:nvCxnSpPr>
+        <p:spPr>
+          <a:xfrm flipH="1">
+            <a:off x="971600" y="3429000"/>
+            <a:ext cx="1512168" cy="2232248"/>
+          </a:xfrm>
+          <a:prstGeom prst="straightConnector1">
+            <a:avLst/>
+          </a:prstGeom>
+          <a:ln w="53975">
+            <a:tailEnd type="arrow"/>
+          </a:ln>
+        </p:spPr>
+        <p:style>
+          <a:lnRef idx="1">
+            <a:schemeClr val="accent1"/>
+          </a:lnRef>
+          <a:fillRef idx="0">
+            <a:schemeClr val="accent1"/>
+          </a:fillRef>
+          <a:effectRef idx="0">
+            <a:schemeClr val="accent1"/>
+          </a:effectRef>
+          <a:fontRef idx="minor">
+            <a:schemeClr val="tx1"/>
+          </a:fontRef>
+        </p:style>
+      </p:cxnSp>
+      <p:cxnSp>
+        <p:nvCxnSpPr>
+          <p:cNvPr id="21" name="20 Düz Ok Bağlayıcısı"/>
+          <p:cNvCxnSpPr/>
+          <p:nvPr/>
+        </p:nvCxnSpPr>
+        <p:spPr>
+          <a:xfrm flipH="1">
+            <a:off x="683568" y="2276872"/>
+            <a:ext cx="576064" cy="3456384"/>
+          </a:xfrm>
+          <a:prstGeom prst="straightConnector1">
+            <a:avLst/>
+          </a:prstGeom>
+          <a:ln w="53975">
+            <a:tailEnd type="arrow"/>
+          </a:ln>
+        </p:spPr>
+        <p:style>
+          <a:lnRef idx="1">
+            <a:schemeClr val="accent1"/>
+          </a:lnRef>
+          <a:fillRef idx="0">
+            <a:schemeClr val="accent1"/>
+          </a:fillRef>
+          <a:effectRef idx="0">
+            <a:schemeClr val="accent1"/>
+          </a:effectRef>
+          <a:fontRef idx="minor">
+            <a:schemeClr val="tx1"/>
+          </a:fontRef>
+        </p:style>
+      </p:cxnSp>
+    </p:spTree>
+  </p:cSld>
+  <p:clrMapOvr>
+    <a:masterClrMapping/>
+  </p:clrMapOvr>
+</p:sld>
+</file>
+
+<file path=ppt/slides/slide118.xml><?xml version="1.0" encoding="utf-8"?>
+<p:sld xmlns:a="http://schemas.openxmlformats.org/drawingml/2006/main" xmlns:r="http://schemas.openxmlformats.org/officeDocument/2006/relationships" xmlns:p="http://schemas.openxmlformats.org/presentationml/2006/main">
+  <p:cSld>
+    <p:spTree>
+      <p:nvGrpSpPr>
+        <p:cNvPr id="1" name=""/>
+        <p:cNvGrpSpPr/>
+        <p:nvPr/>
+      </p:nvGrpSpPr>
+      <p:grpSpPr>
+        <a:xfrm>
+          <a:off x="0" y="0"/>
+          <a:ext cx="0" cy="0"/>
+          <a:chOff x="0" y="0"/>
+          <a:chExt cx="0" cy="0"/>
+        </a:xfrm>
+      </p:grpSpPr>
+      <p:sp>
+        <p:nvSpPr>
+          <p:cNvPr id="2" name="1 Başlık"/>
+          <p:cNvSpPr>
+            <a:spLocks noGrp="1"/>
+          </p:cNvSpPr>
+          <p:nvPr>
+            <p:ph type="title"/>
+          </p:nvPr>
+        </p:nvSpPr>
+        <p:spPr>
+          <a:xfrm>
+            <a:off x="467544" y="188640"/>
+            <a:ext cx="8229600" cy="1143000"/>
+          </a:xfrm>
+        </p:spPr>
+        <p:txBody>
+          <a:bodyPr/>
+          <a:lstStyle/>
+          <a:p>
+            <a:r>
+              <a:rPr lang="tr-TR" dirty="0" smtClean="0"/>
+              <a:t>WORKSHEET </a:t>
+            </a:r>
+            <a:r>
+              <a:rPr lang="tr-TR" dirty="0" smtClean="0"/>
+              <a:t>EXAMPLE-9</a:t>
+            </a:r>
+            <a:endParaRPr lang="tr-TR" dirty="0"/>
+          </a:p>
+        </p:txBody>
+      </p:sp>
+      <p:pic>
+        <p:nvPicPr>
+          <p:cNvPr id="3074" name="Picture 2"/>
+          <p:cNvPicPr>
+            <a:picLocks noChangeAspect="1" noChangeArrowheads="1"/>
+          </p:cNvPicPr>
+          <p:nvPr/>
+        </p:nvPicPr>
+        <p:blipFill>
+          <a:blip r:embed="rId2" cstate="print"/>
+          <a:srcRect/>
+          <a:stretch>
+            <a:fillRect/>
+          </a:stretch>
+        </p:blipFill>
+        <p:spPr bwMode="auto">
+          <a:xfrm>
+            <a:off x="467544" y="1268761"/>
+            <a:ext cx="6048672" cy="2360190"/>
+          </a:xfrm>
+          <a:prstGeom prst="rect">
+            <a:avLst/>
+          </a:prstGeom>
+          <a:noFill/>
+          <a:ln w="9525">
+            <a:noFill/>
+            <a:miter lim="800000"/>
+            <a:headEnd/>
+            <a:tailEnd/>
+          </a:ln>
+        </p:spPr>
+      </p:pic>
+      <p:pic>
+        <p:nvPicPr>
+          <p:cNvPr id="3075" name="Picture 3"/>
+          <p:cNvPicPr>
+            <a:picLocks noChangeAspect="1" noChangeArrowheads="1"/>
+          </p:cNvPicPr>
+          <p:nvPr/>
+        </p:nvPicPr>
+        <p:blipFill>
+          <a:blip r:embed="rId3" cstate="print"/>
+          <a:srcRect/>
+          <a:stretch>
+            <a:fillRect/>
+          </a:stretch>
+        </p:blipFill>
+        <p:spPr bwMode="auto">
+          <a:xfrm>
+            <a:off x="6732240" y="2348880"/>
+            <a:ext cx="2016224" cy="1008112"/>
+          </a:xfrm>
+          <a:prstGeom prst="rect">
+            <a:avLst/>
+          </a:prstGeom>
+          <a:noFill/>
+          <a:ln w="9525">
+            <a:noFill/>
+            <a:miter lim="800000"/>
+            <a:headEnd/>
+            <a:tailEnd/>
+          </a:ln>
+        </p:spPr>
+      </p:pic>
+      <p:cxnSp>
+        <p:nvCxnSpPr>
+          <p:cNvPr id="7" name="6 Düz Ok Bağlayıcısı"/>
+          <p:cNvCxnSpPr/>
+          <p:nvPr/>
+        </p:nvCxnSpPr>
+        <p:spPr>
+          <a:xfrm flipH="1" flipV="1">
+            <a:off x="3851920" y="2492896"/>
+            <a:ext cx="792088" cy="648072"/>
+          </a:xfrm>
+          <a:prstGeom prst="straightConnector1">
+            <a:avLst/>
+          </a:prstGeom>
+          <a:ln w="53975">
+            <a:tailEnd type="arrow"/>
+          </a:ln>
+        </p:spPr>
+        <p:style>
+          <a:lnRef idx="1">
+            <a:schemeClr val="accent1"/>
+          </a:lnRef>
+          <a:fillRef idx="0">
+            <a:schemeClr val="accent1"/>
+          </a:fillRef>
+          <a:effectRef idx="0">
+            <a:schemeClr val="accent1"/>
+          </a:effectRef>
+          <a:fontRef idx="minor">
+            <a:schemeClr val="tx1"/>
+          </a:fontRef>
+        </p:style>
+      </p:cxnSp>
+      <p:cxnSp>
+        <p:nvCxnSpPr>
+          <p:cNvPr id="11" name="10 Düz Ok Bağlayıcısı"/>
+          <p:cNvCxnSpPr/>
+          <p:nvPr/>
+        </p:nvCxnSpPr>
+        <p:spPr>
+          <a:xfrm flipV="1">
+            <a:off x="5292080" y="2996952"/>
+            <a:ext cx="2016224" cy="504056"/>
+          </a:xfrm>
+          <a:prstGeom prst="straightConnector1">
+            <a:avLst/>
+          </a:prstGeom>
+          <a:ln w="53975">
+            <a:tailEnd type="arrow"/>
+          </a:ln>
+        </p:spPr>
+        <p:style>
+          <a:lnRef idx="1">
+            <a:schemeClr val="accent1"/>
+          </a:lnRef>
+          <a:fillRef idx="0">
+            <a:schemeClr val="accent1"/>
+          </a:fillRef>
+          <a:effectRef idx="0">
+            <a:schemeClr val="accent1"/>
+          </a:effectRef>
+          <a:fontRef idx="minor">
+            <a:schemeClr val="tx1"/>
+          </a:fontRef>
+        </p:style>
+      </p:cxnSp>
+      <p:pic>
+        <p:nvPicPr>
+          <p:cNvPr id="3076" name="Picture 4"/>
+          <p:cNvPicPr>
+            <a:picLocks noChangeAspect="1" noChangeArrowheads="1"/>
+          </p:cNvPicPr>
+          <p:nvPr/>
+        </p:nvPicPr>
+        <p:blipFill>
+          <a:blip r:embed="rId4" cstate="print"/>
+          <a:srcRect/>
+          <a:stretch>
+            <a:fillRect/>
+          </a:stretch>
+        </p:blipFill>
+        <p:spPr bwMode="auto">
+          <a:xfrm>
+            <a:off x="2051720" y="3717032"/>
+            <a:ext cx="5328592" cy="2913035"/>
+          </a:xfrm>
+          <a:prstGeom prst="rect">
+            <a:avLst/>
+          </a:prstGeom>
+          <a:noFill/>
+          <a:ln w="9525">
+            <a:noFill/>
+            <a:miter lim="800000"/>
+            <a:headEnd/>
+            <a:tailEnd/>
+          </a:ln>
+        </p:spPr>
+      </p:pic>
+      <p:sp>
+        <p:nvSpPr>
+          <p:cNvPr id="17" name="16 Dikdörtgen"/>
+          <p:cNvSpPr/>
+          <p:nvPr/>
+        </p:nvSpPr>
+        <p:spPr>
+          <a:xfrm>
+            <a:off x="179512" y="3717032"/>
+            <a:ext cx="1656184" cy="1200329"/>
+          </a:xfrm>
+          <a:prstGeom prst="rect">
+            <a:avLst/>
+          </a:prstGeom>
+        </p:spPr>
+        <p:txBody>
+          <a:bodyPr wrap="square">
+            <a:spAutoFit/>
+          </a:bodyPr>
+          <a:lstStyle/>
+          <a:p>
+            <a:endParaRPr lang="tr-TR" dirty="0" smtClean="0"/>
+          </a:p>
+          <a:p>
+            <a:r>
+              <a:rPr lang="en-US" dirty="0" smtClean="0"/>
+              <a:t>Speed factor at Cell 3: 2 x 1 vector Factor </a:t>
+            </a:r>
+          </a:p>
+        </p:txBody>
+      </p:sp>
+      <p:sp>
+        <p:nvSpPr>
+          <p:cNvPr id="18" name="17 Dikdörtgen"/>
+          <p:cNvSpPr/>
+          <p:nvPr/>
+        </p:nvSpPr>
+        <p:spPr>
+          <a:xfrm>
+            <a:off x="179512" y="4869160"/>
+            <a:ext cx="1763688" cy="1477328"/>
+          </a:xfrm>
+          <a:prstGeom prst="rect">
+            <a:avLst/>
+          </a:prstGeom>
+        </p:spPr>
+        <p:txBody>
+          <a:bodyPr wrap="square">
+            <a:spAutoFit/>
+          </a:bodyPr>
+          <a:lstStyle/>
+          <a:p>
+            <a:endParaRPr lang="tr-TR" dirty="0" smtClean="0"/>
+          </a:p>
+          <a:p>
+            <a:r>
+              <a:rPr lang="en-US" dirty="0" smtClean="0"/>
+              <a:t>0.8 for index 1 (new machine), 1.0 for index 2 (old) </a:t>
+            </a:r>
+          </a:p>
+        </p:txBody>
+      </p:sp>
+    </p:spTree>
+  </p:cSld>
+  <p:clrMapOvr>
+    <a:masterClrMapping/>
+  </p:clrMapOvr>
+</p:sld>
+</file>
+
+<file path=ppt/slides/slide119.xml><?xml version="1.0" encoding="utf-8"?>
+<p:sld xmlns:a="http://schemas.openxmlformats.org/drawingml/2006/main" xmlns:r="http://schemas.openxmlformats.org/officeDocument/2006/relationships" xmlns:p="http://schemas.openxmlformats.org/presentationml/2006/main">
+  <p:cSld>
+    <p:spTree>
+      <p:nvGrpSpPr>
+        <p:cNvPr id="1" name=""/>
+        <p:cNvGrpSpPr/>
+        <p:nvPr/>
+      </p:nvGrpSpPr>
+      <p:grpSpPr>
+        <a:xfrm>
+          <a:off x="0" y="0"/>
+          <a:ext cx="0" cy="0"/>
+          <a:chOff x="0" y="0"/>
+          <a:chExt cx="0" cy="0"/>
+        </a:xfrm>
+      </p:grpSpPr>
+      <p:sp>
+        <p:nvSpPr>
+          <p:cNvPr id="2" name="1 Başlık"/>
+          <p:cNvSpPr>
+            <a:spLocks noGrp="1"/>
+          </p:cNvSpPr>
+          <p:nvPr>
+            <p:ph type="title"/>
+          </p:nvPr>
+        </p:nvSpPr>
+        <p:spPr>
+          <a:xfrm>
+            <a:off x="467544" y="188640"/>
+            <a:ext cx="8229600" cy="1143000"/>
+          </a:xfrm>
+        </p:spPr>
+        <p:txBody>
+          <a:bodyPr/>
+          <a:lstStyle/>
+          <a:p>
+            <a:r>
+              <a:rPr lang="tr-TR" dirty="0" smtClean="0"/>
+              <a:t>WORKSHEET </a:t>
+            </a:r>
+            <a:r>
+              <a:rPr lang="tr-TR" dirty="0" smtClean="0"/>
+              <a:t>EXAMPLE-9</a:t>
+            </a:r>
+            <a:endParaRPr lang="tr-TR" dirty="0"/>
+          </a:p>
+        </p:txBody>
+      </p:sp>
+      <p:pic>
+        <p:nvPicPr>
+          <p:cNvPr id="4098" name="Picture 2"/>
+          <p:cNvPicPr>
+            <a:picLocks noChangeAspect="1" noChangeArrowheads="1"/>
+          </p:cNvPicPr>
+          <p:nvPr/>
+        </p:nvPicPr>
+        <p:blipFill>
+          <a:blip r:embed="rId2" cstate="print"/>
+          <a:srcRect/>
+          <a:stretch>
+            <a:fillRect/>
+          </a:stretch>
+        </p:blipFill>
+        <p:spPr bwMode="auto">
+          <a:xfrm>
+            <a:off x="1187624" y="2348880"/>
+            <a:ext cx="3600400" cy="2599105"/>
+          </a:xfrm>
+          <a:prstGeom prst="rect">
+            <a:avLst/>
+          </a:prstGeom>
+          <a:noFill/>
+          <a:ln w="9525">
+            <a:noFill/>
+            <a:miter lim="800000"/>
+            <a:headEnd/>
+            <a:tailEnd/>
+          </a:ln>
+        </p:spPr>
+      </p:pic>
+      <p:pic>
+        <p:nvPicPr>
+          <p:cNvPr id="4099" name="Picture 3"/>
+          <p:cNvPicPr>
+            <a:picLocks noChangeAspect="1" noChangeArrowheads="1"/>
+          </p:cNvPicPr>
+          <p:nvPr/>
+        </p:nvPicPr>
+        <p:blipFill>
+          <a:blip r:embed="rId3" cstate="print"/>
+          <a:srcRect/>
+          <a:stretch>
+            <a:fillRect/>
+          </a:stretch>
+        </p:blipFill>
+        <p:spPr bwMode="auto">
+          <a:xfrm>
+            <a:off x="5364088" y="2348880"/>
+            <a:ext cx="2657856" cy="1440160"/>
+          </a:xfrm>
+          <a:prstGeom prst="rect">
+            <a:avLst/>
+          </a:prstGeom>
+          <a:noFill/>
+          <a:ln w="9525">
+            <a:noFill/>
+            <a:miter lim="800000"/>
+            <a:headEnd/>
+            <a:tailEnd/>
+          </a:ln>
+        </p:spPr>
+      </p:pic>
+      <p:pic>
+        <p:nvPicPr>
+          <p:cNvPr id="4100" name="Picture 4"/>
+          <p:cNvPicPr>
+            <a:picLocks noChangeAspect="1" noChangeArrowheads="1"/>
+          </p:cNvPicPr>
+          <p:nvPr/>
+        </p:nvPicPr>
+        <p:blipFill>
+          <a:blip r:embed="rId4" cstate="print"/>
+          <a:srcRect/>
+          <a:stretch>
+            <a:fillRect/>
+          </a:stretch>
+        </p:blipFill>
+        <p:spPr bwMode="auto">
+          <a:xfrm>
+            <a:off x="5436096" y="3861048"/>
+            <a:ext cx="2232248" cy="1504082"/>
+          </a:xfrm>
+          <a:prstGeom prst="rect">
+            <a:avLst/>
+          </a:prstGeom>
+          <a:noFill/>
+          <a:ln w="9525">
+            <a:noFill/>
+            <a:miter lim="800000"/>
+            <a:headEnd/>
+            <a:tailEnd/>
+          </a:ln>
+        </p:spPr>
+      </p:pic>
+      <p:cxnSp>
+        <p:nvCxnSpPr>
+          <p:cNvPr id="11" name="10 Düz Ok Bağlayıcısı"/>
+          <p:cNvCxnSpPr/>
+          <p:nvPr/>
+        </p:nvCxnSpPr>
+        <p:spPr>
+          <a:xfrm flipV="1">
+            <a:off x="3851920" y="2924944"/>
+            <a:ext cx="1944216" cy="1656184"/>
+          </a:xfrm>
+          <a:prstGeom prst="straightConnector1">
+            <a:avLst/>
+          </a:prstGeom>
+          <a:ln w="53975">
+            <a:tailEnd type="arrow"/>
+          </a:ln>
+        </p:spPr>
+        <p:style>
+          <a:lnRef idx="1">
+            <a:schemeClr val="accent1"/>
+          </a:lnRef>
+          <a:fillRef idx="0">
+            <a:schemeClr val="accent1"/>
+          </a:fillRef>
+          <a:effectRef idx="0">
+            <a:schemeClr val="accent1"/>
+          </a:effectRef>
+          <a:fontRef idx="minor">
+            <a:schemeClr val="tx1"/>
+          </a:fontRef>
+        </p:style>
+      </p:cxnSp>
+      <p:cxnSp>
+        <p:nvCxnSpPr>
+          <p:cNvPr id="13" name="12 Düz Ok Bağlayıcısı"/>
+          <p:cNvCxnSpPr/>
+          <p:nvPr/>
+        </p:nvCxnSpPr>
+        <p:spPr>
+          <a:xfrm flipV="1">
+            <a:off x="3932312" y="4229472"/>
+            <a:ext cx="2088232" cy="576064"/>
+          </a:xfrm>
+          <a:prstGeom prst="straightConnector1">
+            <a:avLst/>
+          </a:prstGeom>
+          <a:ln w="53975">
+            <a:tailEnd type="arrow"/>
+          </a:ln>
+        </p:spPr>
+        <p:style>
+          <a:lnRef idx="1">
+            <a:schemeClr val="accent1"/>
+          </a:lnRef>
+          <a:fillRef idx="0">
+            <a:schemeClr val="accent1"/>
+          </a:fillRef>
+          <a:effectRef idx="0">
+            <a:schemeClr val="accent1"/>
+          </a:effectRef>
+          <a:fontRef idx="minor">
+            <a:schemeClr val="tx1"/>
+          </a:fontRef>
+        </p:style>
+      </p:cxnSp>
+      <p:cxnSp>
+        <p:nvCxnSpPr>
+          <p:cNvPr id="15" name="14 Düz Ok Bağlayıcısı"/>
+          <p:cNvCxnSpPr/>
+          <p:nvPr/>
+        </p:nvCxnSpPr>
+        <p:spPr>
+          <a:xfrm flipH="1" flipV="1">
+            <a:off x="2627784" y="3645024"/>
+            <a:ext cx="520824" cy="664840"/>
+          </a:xfrm>
+          <a:prstGeom prst="straightConnector1">
+            <a:avLst/>
+          </a:prstGeom>
+          <a:ln w="53975">
+            <a:tailEnd type="arrow"/>
+          </a:ln>
+        </p:spPr>
+        <p:style>
+          <a:lnRef idx="1">
+            <a:schemeClr val="accent1"/>
+          </a:lnRef>
+          <a:fillRef idx="0">
+            <a:schemeClr val="accent1"/>
+          </a:fillRef>
+          <a:effectRef idx="0">
+            <a:schemeClr val="accent1"/>
+          </a:effectRef>
+          <a:fontRef idx="minor">
+            <a:schemeClr val="tx1"/>
+          </a:fontRef>
+        </p:style>
+      </p:cxnSp>
+    </p:spTree>
+  </p:cSld>
+  <p:clrMapOvr>
+    <a:masterClrMapping/>
+  </p:clrMapOvr>
+</p:sld>
+</file>
+
 <file path=ppt/slides/slide12.xml><?xml version="1.0" encoding="utf-8"?>
 <p:sld xmlns:a="http://schemas.openxmlformats.org/drawingml/2006/main" xmlns:r="http://schemas.openxmlformats.org/officeDocument/2006/relationships" xmlns:p="http://schemas.openxmlformats.org/presentationml/2006/main">
   <p:cSld>
@@ -5907,6 +7392,2269 @@
           </a:p>
         </p:txBody>
       </p:sp>
+    </p:spTree>
+  </p:cSld>
+  <p:clrMapOvr>
+    <a:masterClrMapping/>
+  </p:clrMapOvr>
+</p:sld>
+</file>
+
+<file path=ppt/slides/slide120.xml><?xml version="1.0" encoding="utf-8"?>
+<p:sld xmlns:a="http://schemas.openxmlformats.org/drawingml/2006/main" xmlns:r="http://schemas.openxmlformats.org/officeDocument/2006/relationships" xmlns:p="http://schemas.openxmlformats.org/presentationml/2006/main">
+  <p:cSld>
+    <p:spTree>
+      <p:nvGrpSpPr>
+        <p:cNvPr id="1" name=""/>
+        <p:cNvGrpSpPr/>
+        <p:nvPr/>
+      </p:nvGrpSpPr>
+      <p:grpSpPr>
+        <a:xfrm>
+          <a:off x="0" y="0"/>
+          <a:ext cx="0" cy="0"/>
+          <a:chOff x="0" y="0"/>
+          <a:chExt cx="0" cy="0"/>
+        </a:xfrm>
+      </p:grpSpPr>
+      <p:sp>
+        <p:nvSpPr>
+          <p:cNvPr id="2" name="1 Başlık"/>
+          <p:cNvSpPr>
+            <a:spLocks noGrp="1"/>
+          </p:cNvSpPr>
+          <p:nvPr>
+            <p:ph type="title"/>
+          </p:nvPr>
+        </p:nvSpPr>
+        <p:spPr/>
+        <p:txBody>
+          <a:bodyPr/>
+          <a:lstStyle/>
+          <a:p>
+            <a:r>
+              <a:rPr lang="tr-TR" dirty="0" smtClean="0"/>
+              <a:t>WORKSHEET </a:t>
+            </a:r>
+            <a:r>
+              <a:rPr lang="tr-TR" dirty="0" smtClean="0"/>
+              <a:t>EXAMPLE-9</a:t>
+            </a:r>
+            <a:endParaRPr lang="tr-TR" dirty="0"/>
+          </a:p>
+        </p:txBody>
+      </p:sp>
+      <p:sp>
+        <p:nvSpPr>
+          <p:cNvPr id="3" name="2 İçerik Yer Tutucusu"/>
+          <p:cNvSpPr>
+            <a:spLocks noGrp="1"/>
+          </p:cNvSpPr>
+          <p:nvPr>
+            <p:ph idx="1"/>
+          </p:nvPr>
+        </p:nvSpPr>
+        <p:spPr>
+          <a:xfrm>
+            <a:off x="467544" y="1484784"/>
+            <a:ext cx="8229600" cy="5040560"/>
+          </a:xfrm>
+        </p:spPr>
+        <p:txBody>
+          <a:bodyPr>
+            <a:normAutofit fontScale="55000" lnSpcReduction="20000"/>
+          </a:bodyPr>
+          <a:lstStyle/>
+          <a:p>
+            <a:pPr indent="-163513"/>
+            <a:r>
+              <a:rPr lang="en-US" dirty="0" smtClean="0"/>
+              <a:t>There </a:t>
+            </a:r>
+            <a:r>
+              <a:rPr lang="en-US" dirty="0" smtClean="0"/>
+              <a:t>are usually several different ways to represent a model in software </a:t>
+            </a:r>
+          </a:p>
+          <a:p>
+            <a:pPr indent="-163513"/>
+            <a:r>
+              <a:rPr lang="en-US" dirty="0" smtClean="0"/>
+              <a:t>Often </a:t>
+            </a:r>
+            <a:r>
+              <a:rPr lang="en-US" dirty="0" smtClean="0"/>
+              <a:t>driven by data requirements, availability </a:t>
+            </a:r>
+          </a:p>
+          <a:p>
+            <a:pPr indent="-163513"/>
+            <a:r>
+              <a:rPr lang="en-US" dirty="0" smtClean="0"/>
+              <a:t>Decide </a:t>
+            </a:r>
+            <a:r>
+              <a:rPr lang="en-US" dirty="0" smtClean="0"/>
+              <a:t>on and write down ahead of time how things will be represented; here: </a:t>
+            </a:r>
+            <a:endParaRPr lang="tr-TR" dirty="0" smtClean="0"/>
+          </a:p>
+          <a:p>
+            <a:pPr indent="-163513"/>
+            <a:endParaRPr lang="en-US" dirty="0" smtClean="0"/>
+          </a:p>
+          <a:p>
+            <a:pPr indent="-163513">
+              <a:buNone/>
+            </a:pPr>
+            <a:r>
+              <a:rPr lang="tr-TR" dirty="0" smtClean="0"/>
+              <a:t>	</a:t>
+            </a:r>
+            <a:r>
+              <a:rPr lang="en-US" dirty="0" smtClean="0"/>
+              <a:t>– </a:t>
+            </a:r>
+            <a:r>
+              <a:rPr lang="en-US" dirty="0" smtClean="0"/>
+              <a:t>Sequences (in a Set) to control part flow </a:t>
+            </a:r>
+          </a:p>
+          <a:p>
+            <a:pPr indent="-163513">
+              <a:buNone/>
+            </a:pPr>
+            <a:r>
+              <a:rPr lang="tr-TR" dirty="0" smtClean="0"/>
+              <a:t>	</a:t>
+            </a:r>
+            <a:r>
+              <a:rPr lang="en-US" dirty="0" smtClean="0"/>
+              <a:t>– </a:t>
+            </a:r>
+            <a:r>
+              <a:rPr lang="en-US" dirty="0" smtClean="0"/>
+              <a:t>Assign entities in Sequences for process times except for Cell 1 </a:t>
+            </a:r>
+          </a:p>
+          <a:p>
+            <a:pPr indent="-163513">
+              <a:buNone/>
+            </a:pPr>
+            <a:r>
+              <a:rPr lang="tr-TR" dirty="0" smtClean="0"/>
+              <a:t>	</a:t>
+            </a:r>
+            <a:r>
+              <a:rPr lang="en-US" dirty="0" smtClean="0"/>
+              <a:t>– </a:t>
+            </a:r>
+            <a:r>
+              <a:rPr lang="en-US" dirty="0" smtClean="0"/>
+              <a:t>Use Expression vector for process times at Cell 1 </a:t>
+            </a:r>
+          </a:p>
+          <a:p>
+            <a:pPr indent="-163513">
+              <a:buNone/>
+            </a:pPr>
+            <a:r>
+              <a:rPr lang="tr-TR" dirty="0" smtClean="0"/>
+              <a:t>	</a:t>
+            </a:r>
+            <a:r>
+              <a:rPr lang="en-US" dirty="0" smtClean="0"/>
+              <a:t>– </a:t>
+            </a:r>
+            <a:r>
+              <a:rPr lang="en-US" dirty="0" smtClean="0"/>
+              <a:t>Use Variables for transfer times, speed factor at Cell 3 </a:t>
+            </a:r>
+            <a:endParaRPr lang="tr-TR" dirty="0" smtClean="0"/>
+          </a:p>
+          <a:p>
+            <a:pPr indent="-163513">
+              <a:buNone/>
+            </a:pPr>
+            <a:endParaRPr lang="en-US" dirty="0" smtClean="0"/>
+          </a:p>
+          <a:p>
+            <a:pPr indent="-163513"/>
+            <a:r>
+              <a:rPr lang="en-US" dirty="0" smtClean="0"/>
+              <a:t>Define station paths for different part types </a:t>
+            </a:r>
+          </a:p>
+          <a:p>
+            <a:pPr indent="-163513"/>
+            <a:r>
+              <a:rPr lang="tr-TR" dirty="0" smtClean="0"/>
+              <a:t>Name the </a:t>
+            </a:r>
+            <a:r>
+              <a:rPr lang="tr-TR" dirty="0" err="1" smtClean="0"/>
+              <a:t>sequences</a:t>
+            </a:r>
+            <a:r>
+              <a:rPr lang="tr-TR" dirty="0" smtClean="0"/>
+              <a:t> </a:t>
+            </a:r>
+          </a:p>
+          <a:p>
+            <a:pPr indent="-163513"/>
+            <a:r>
+              <a:rPr lang="tr-TR" dirty="0" smtClean="0"/>
+              <a:t>Part 1 Process Plan, Part 2 Process Plan, etc. </a:t>
+            </a:r>
+          </a:p>
+          <a:p>
+            <a:pPr indent="-163513"/>
+            <a:r>
+              <a:rPr lang="en-US" dirty="0" smtClean="0"/>
+              <a:t>Can define actions at each station as part of the definition of the sequences </a:t>
+            </a:r>
+          </a:p>
+          <a:p>
+            <a:pPr indent="-163513"/>
+            <a:r>
+              <a:rPr lang="en-US" dirty="0" smtClean="0"/>
+              <a:t>Define Process Time attribute (except at Cell 1) </a:t>
+            </a:r>
+          </a:p>
+          <a:p>
+            <a:pPr indent="-163513"/>
+            <a:r>
+              <a:rPr lang="en-US" dirty="0" smtClean="0"/>
+              <a:t>Group the sequences into a Set (later) </a:t>
+            </a:r>
+          </a:p>
+          <a:p>
+            <a:pPr indent="-163513"/>
+            <a:r>
+              <a:rPr lang="en-US" dirty="0" smtClean="0"/>
+              <a:t>Assign a sequence, indexed by set, to each arriving part once its type is generated </a:t>
+            </a:r>
+          </a:p>
+          <a:p>
+            <a:pPr indent="-163513"/>
+            <a:r>
+              <a:rPr lang="en-US" dirty="0" smtClean="0"/>
+              <a:t>Don’t forget to define “exit” for each sequence</a:t>
+            </a:r>
+            <a:endParaRPr lang="tr-TR" dirty="0"/>
+          </a:p>
+        </p:txBody>
+      </p:sp>
+    </p:spTree>
+  </p:cSld>
+  <p:clrMapOvr>
+    <a:masterClrMapping/>
+  </p:clrMapOvr>
+</p:sld>
+</file>
+
+<file path=ppt/slides/slide121.xml><?xml version="1.0" encoding="utf-8"?>
+<p:sld xmlns:a="http://schemas.openxmlformats.org/drawingml/2006/main" xmlns:r="http://schemas.openxmlformats.org/officeDocument/2006/relationships" xmlns:p="http://schemas.openxmlformats.org/presentationml/2006/main">
+  <p:cSld>
+    <p:spTree>
+      <p:nvGrpSpPr>
+        <p:cNvPr id="1" name=""/>
+        <p:cNvGrpSpPr/>
+        <p:nvPr/>
+      </p:nvGrpSpPr>
+      <p:grpSpPr>
+        <a:xfrm>
+          <a:off x="0" y="0"/>
+          <a:ext cx="0" cy="0"/>
+          <a:chOff x="0" y="0"/>
+          <a:chExt cx="0" cy="0"/>
+        </a:xfrm>
+      </p:grpSpPr>
+      <p:sp>
+        <p:nvSpPr>
+          <p:cNvPr id="2" name="1 Başlık"/>
+          <p:cNvSpPr>
+            <a:spLocks noGrp="1"/>
+          </p:cNvSpPr>
+          <p:nvPr>
+            <p:ph type="title"/>
+          </p:nvPr>
+        </p:nvSpPr>
+        <p:spPr/>
+        <p:txBody>
+          <a:bodyPr/>
+          <a:lstStyle/>
+          <a:p>
+            <a:r>
+              <a:rPr lang="tr-TR" dirty="0" smtClean="0"/>
+              <a:t>WORKSHEET </a:t>
+            </a:r>
+            <a:r>
+              <a:rPr lang="tr-TR" dirty="0" smtClean="0"/>
+              <a:t>EXAMPLE-9</a:t>
+            </a:r>
+            <a:endParaRPr lang="tr-TR" dirty="0"/>
+          </a:p>
+        </p:txBody>
+      </p:sp>
+      <p:sp>
+        <p:nvSpPr>
+          <p:cNvPr id="3" name="2 İçerik Yer Tutucusu"/>
+          <p:cNvSpPr>
+            <a:spLocks noGrp="1"/>
+          </p:cNvSpPr>
+          <p:nvPr>
+            <p:ph idx="1"/>
+          </p:nvPr>
+        </p:nvSpPr>
+        <p:spPr>
+          <a:xfrm>
+            <a:off x="467544" y="1484784"/>
+            <a:ext cx="8229600" cy="5040560"/>
+          </a:xfrm>
+        </p:spPr>
+        <p:txBody>
+          <a:bodyPr>
+            <a:normAutofit fontScale="85000" lnSpcReduction="20000"/>
+          </a:bodyPr>
+          <a:lstStyle/>
+          <a:p>
+            <a:pPr marL="449263" indent="-269875"/>
+            <a:r>
+              <a:rPr lang="en-US" dirty="0" smtClean="0"/>
+              <a:t>Identify </a:t>
+            </a:r>
+            <a:r>
+              <a:rPr lang="en-US" dirty="0" smtClean="0"/>
+              <a:t>model and define Length of Replication, as in earlier models </a:t>
+            </a:r>
+          </a:p>
+          <a:p>
+            <a:pPr marL="449263" indent="-269875"/>
+            <a:r>
+              <a:rPr lang="en-US" dirty="0" smtClean="0"/>
+              <a:t>Also</a:t>
+            </a:r>
+            <a:r>
+              <a:rPr lang="en-US" dirty="0" smtClean="0"/>
+              <a:t>, draw the three entity Pictures and associate with names of members of Pictures set </a:t>
+            </a:r>
+          </a:p>
+          <a:p>
+            <a:pPr marL="449263" indent="-269875">
+              <a:buNone/>
+            </a:pPr>
+            <a:r>
+              <a:rPr lang="tr-TR" dirty="0" smtClean="0"/>
+              <a:t>	</a:t>
+            </a:r>
+            <a:r>
+              <a:rPr lang="en-US" dirty="0" smtClean="0"/>
+              <a:t>– Double-click </a:t>
+            </a:r>
+            <a:r>
+              <a:rPr lang="en-US" dirty="0" smtClean="0"/>
+              <a:t>on “generic” entity picture above module handle </a:t>
+            </a:r>
+          </a:p>
+          <a:p>
+            <a:pPr marL="449263" indent="-269875">
+              <a:buNone/>
+            </a:pPr>
+            <a:r>
+              <a:rPr lang="tr-TR" dirty="0" smtClean="0"/>
+              <a:t>	</a:t>
+            </a:r>
+            <a:r>
+              <a:rPr lang="en-US" dirty="0" smtClean="0"/>
+              <a:t>– </a:t>
+            </a:r>
+            <a:r>
+              <a:rPr lang="en-US" dirty="0" smtClean="0"/>
+              <a:t>Add new or edit existing pictures in list </a:t>
+            </a:r>
+          </a:p>
+          <a:p>
+            <a:pPr marL="449263" indent="-269875"/>
+            <a:r>
+              <a:rPr lang="en-US" dirty="0" smtClean="0"/>
+              <a:t>Copy </a:t>
+            </a:r>
+            <a:r>
+              <a:rPr lang="en-US" dirty="0" smtClean="0"/>
+              <a:t>current last entry to add to bottom of list </a:t>
+            </a:r>
+          </a:p>
+          <a:p>
+            <a:pPr marL="449263" indent="-269875"/>
+            <a:r>
+              <a:rPr lang="en-US" dirty="0" smtClean="0"/>
+              <a:t>Draw</a:t>
+            </a:r>
+            <a:r>
+              <a:rPr lang="en-US" dirty="0" smtClean="0"/>
+              <a:t>: shapes, size; colors for fill, line, text, etc. </a:t>
+            </a:r>
+          </a:p>
+          <a:p>
+            <a:pPr marL="449263" indent="-269875"/>
+            <a:r>
+              <a:rPr lang="en-US" dirty="0" smtClean="0"/>
+              <a:t>Close </a:t>
+            </a:r>
+            <a:r>
+              <a:rPr lang="en-US" dirty="0" smtClean="0"/>
+              <a:t>drawing window to accept </a:t>
+            </a:r>
+          </a:p>
+          <a:p>
+            <a:pPr marL="449263" indent="-269875">
+              <a:buNone/>
+            </a:pPr>
+            <a:r>
+              <a:rPr lang="tr-TR" dirty="0" smtClean="0"/>
+              <a:t>	</a:t>
+            </a:r>
+            <a:r>
+              <a:rPr lang="en-US" dirty="0" smtClean="0"/>
+              <a:t>– </a:t>
+            </a:r>
+            <a:r>
+              <a:rPr lang="en-US" dirty="0" smtClean="0"/>
+              <a:t>Names (Values) must already be assigned in Sets </a:t>
+            </a:r>
+          </a:p>
+          <a:p>
+            <a:pPr marL="449263" indent="-269875">
+              <a:buNone/>
+            </a:pPr>
+            <a:r>
+              <a:rPr lang="tr-TR" dirty="0" smtClean="0"/>
+              <a:t>	</a:t>
+            </a:r>
+            <a:r>
+              <a:rPr lang="en-US" dirty="0" smtClean="0"/>
+              <a:t>– </a:t>
+            </a:r>
+            <a:r>
+              <a:rPr lang="en-US" dirty="0" smtClean="0"/>
+              <a:t>Need: way to change routing depending on part type — </a:t>
+            </a:r>
+            <a:r>
+              <a:rPr lang="en-US" i="1" dirty="0" smtClean="0"/>
+              <a:t>process plans </a:t>
+            </a:r>
+          </a:p>
+        </p:txBody>
+      </p:sp>
+    </p:spTree>
+  </p:cSld>
+  <p:clrMapOvr>
+    <a:masterClrMapping/>
+  </p:clrMapOvr>
+</p:sld>
+</file>
+
+<file path=ppt/slides/slide122.xml><?xml version="1.0" encoding="utf-8"?>
+<p:sld xmlns:a="http://schemas.openxmlformats.org/drawingml/2006/main" xmlns:r="http://schemas.openxmlformats.org/officeDocument/2006/relationships" xmlns:p="http://schemas.openxmlformats.org/presentationml/2006/main">
+  <p:cSld>
+    <p:spTree>
+      <p:nvGrpSpPr>
+        <p:cNvPr id="1" name=""/>
+        <p:cNvGrpSpPr/>
+        <p:nvPr/>
+      </p:nvGrpSpPr>
+      <p:grpSpPr>
+        <a:xfrm>
+          <a:off x="0" y="0"/>
+          <a:ext cx="0" cy="0"/>
+          <a:chOff x="0" y="0"/>
+          <a:chExt cx="0" cy="0"/>
+        </a:xfrm>
+      </p:grpSpPr>
+      <p:sp>
+        <p:nvSpPr>
+          <p:cNvPr id="2" name="1 Başlık"/>
+          <p:cNvSpPr>
+            <a:spLocks noGrp="1"/>
+          </p:cNvSpPr>
+          <p:nvPr>
+            <p:ph type="title"/>
+          </p:nvPr>
+        </p:nvSpPr>
+        <p:spPr/>
+        <p:txBody>
+          <a:bodyPr/>
+          <a:lstStyle/>
+          <a:p>
+            <a:r>
+              <a:rPr lang="tr-TR" dirty="0" smtClean="0"/>
+              <a:t>WORKSHEET </a:t>
+            </a:r>
+            <a:r>
+              <a:rPr lang="tr-TR" dirty="0" smtClean="0"/>
+              <a:t>EXAMPLE-9</a:t>
+            </a:r>
+            <a:endParaRPr lang="tr-TR" dirty="0"/>
+          </a:p>
+        </p:txBody>
+      </p:sp>
+      <p:sp>
+        <p:nvSpPr>
+          <p:cNvPr id="3" name="2 İçerik Yer Tutucusu"/>
+          <p:cNvSpPr>
+            <a:spLocks noGrp="1"/>
+          </p:cNvSpPr>
+          <p:nvPr>
+            <p:ph idx="1"/>
+          </p:nvPr>
+        </p:nvSpPr>
+        <p:spPr>
+          <a:xfrm>
+            <a:off x="467544" y="1484784"/>
+            <a:ext cx="8229600" cy="5040560"/>
+          </a:xfrm>
+        </p:spPr>
+        <p:txBody>
+          <a:bodyPr>
+            <a:normAutofit fontScale="85000" lnSpcReduction="20000"/>
+          </a:bodyPr>
+          <a:lstStyle/>
+          <a:p>
+            <a:pPr marL="449263" indent="-269875">
+              <a:buNone/>
+            </a:pPr>
+            <a:r>
+              <a:rPr lang="tr-TR" i="1" dirty="0" smtClean="0"/>
+              <a:t>	</a:t>
+            </a:r>
+            <a:r>
+              <a:rPr lang="tr-TR" b="1" i="1" dirty="0" err="1" smtClean="0"/>
+              <a:t>Create</a:t>
+            </a:r>
+            <a:r>
+              <a:rPr lang="tr-TR" b="1" i="1" dirty="0" smtClean="0"/>
+              <a:t> Module</a:t>
+            </a:r>
+          </a:p>
+          <a:p>
+            <a:r>
+              <a:rPr lang="tr-TR" dirty="0" err="1" smtClean="0"/>
+              <a:t>Three</a:t>
+            </a:r>
+            <a:r>
+              <a:rPr lang="tr-TR" dirty="0" smtClean="0"/>
+              <a:t> </a:t>
+            </a:r>
+            <a:r>
+              <a:rPr lang="tr-TR" dirty="0" err="1" smtClean="0"/>
+              <a:t>separate</a:t>
+            </a:r>
+            <a:r>
+              <a:rPr lang="tr-TR" dirty="0" smtClean="0"/>
+              <a:t> </a:t>
+            </a:r>
+            <a:r>
+              <a:rPr lang="tr-TR" dirty="0" err="1" smtClean="0"/>
+              <a:t>part</a:t>
+            </a:r>
+            <a:r>
+              <a:rPr lang="tr-TR" dirty="0" smtClean="0"/>
+              <a:t> </a:t>
+            </a:r>
+            <a:r>
+              <a:rPr lang="tr-TR" dirty="0" err="1" smtClean="0"/>
+              <a:t>types</a:t>
+            </a:r>
+            <a:r>
+              <a:rPr lang="tr-TR" dirty="0" smtClean="0"/>
+              <a:t> </a:t>
+            </a:r>
+          </a:p>
+          <a:p>
+            <a:pPr>
+              <a:buNone/>
+            </a:pPr>
+            <a:r>
+              <a:rPr lang="tr-TR" dirty="0" smtClean="0"/>
+              <a:t>	– </a:t>
+            </a:r>
+            <a:r>
+              <a:rPr lang="tr-TR" dirty="0" smtClean="0"/>
+              <a:t>Interarrivals (</a:t>
+            </a:r>
+            <a:r>
+              <a:rPr lang="tr-TR" dirty="0" err="1" smtClean="0"/>
+              <a:t>all</a:t>
+            </a:r>
+            <a:r>
+              <a:rPr lang="tr-TR" dirty="0" smtClean="0"/>
+              <a:t> </a:t>
+            </a:r>
+            <a:r>
+              <a:rPr lang="tr-TR" dirty="0" err="1" smtClean="0"/>
+              <a:t>types</a:t>
+            </a:r>
+            <a:r>
+              <a:rPr lang="tr-TR" dirty="0" smtClean="0"/>
+              <a:t> </a:t>
+            </a:r>
+            <a:r>
+              <a:rPr lang="tr-TR" dirty="0" err="1" smtClean="0"/>
+              <a:t>merged</a:t>
+            </a:r>
+            <a:r>
+              <a:rPr lang="tr-TR" dirty="0" smtClean="0"/>
+              <a:t>) ~ expo(13) minutes </a:t>
+            </a:r>
+          </a:p>
+          <a:p>
+            <a:pPr>
+              <a:buNone/>
+            </a:pPr>
+            <a:r>
+              <a:rPr lang="tr-TR" dirty="0" smtClean="0"/>
+              <a:t>	– </a:t>
+            </a:r>
+            <a:r>
+              <a:rPr lang="tr-TR" dirty="0" smtClean="0"/>
+              <a:t>26% type 1, 48% type 2, 26% type 3 </a:t>
+            </a:r>
+            <a:endParaRPr lang="tr-TR" dirty="0" smtClean="0"/>
+          </a:p>
+          <a:p>
+            <a:pPr>
+              <a:buNone/>
+            </a:pPr>
+            <a:endParaRPr lang="tr-TR" dirty="0" smtClean="0"/>
+          </a:p>
+          <a:p>
+            <a:pPr>
+              <a:buNone/>
+            </a:pPr>
+            <a:r>
+              <a:rPr lang="tr-TR" b="1" i="1" dirty="0" smtClean="0"/>
+              <a:t>	</a:t>
+            </a:r>
+            <a:r>
+              <a:rPr lang="tr-TR" b="1" i="1" dirty="0" err="1" smtClean="0"/>
+              <a:t>Assign</a:t>
+            </a:r>
+            <a:r>
+              <a:rPr lang="tr-TR" b="1" i="1" dirty="0" smtClean="0"/>
+              <a:t> Module</a:t>
+            </a:r>
+            <a:endParaRPr lang="tr-TR" b="1" i="1" dirty="0" smtClean="0"/>
+          </a:p>
+          <a:p>
+            <a:r>
+              <a:rPr lang="tr-TR" dirty="0" err="1" smtClean="0"/>
+              <a:t>Attributes</a:t>
+            </a:r>
+            <a:r>
+              <a:rPr lang="tr-TR" dirty="0" smtClean="0"/>
+              <a:t>: </a:t>
+            </a:r>
+          </a:p>
+          <a:p>
+            <a:pPr>
+              <a:buNone/>
+            </a:pPr>
+            <a:r>
+              <a:rPr lang="tr-TR" dirty="0" smtClean="0"/>
+              <a:t>	Part </a:t>
+            </a:r>
+            <a:r>
+              <a:rPr lang="tr-TR" dirty="0" err="1" smtClean="0"/>
+              <a:t>Index</a:t>
+            </a:r>
+            <a:r>
+              <a:rPr lang="tr-TR" dirty="0" smtClean="0"/>
+              <a:t> DISC( 0.26,1 , 0.74,2 , 1.0,3 ) </a:t>
+            </a:r>
+          </a:p>
+          <a:p>
+            <a:pPr>
+              <a:buNone/>
+            </a:pPr>
+            <a:r>
+              <a:rPr lang="tr-TR" dirty="0" smtClean="0"/>
+              <a:t>	</a:t>
+            </a:r>
+            <a:r>
+              <a:rPr lang="fr-FR" dirty="0" err="1" smtClean="0"/>
+              <a:t>Entity.Sequence</a:t>
+            </a:r>
+            <a:r>
+              <a:rPr lang="fr-FR" dirty="0" smtClean="0"/>
+              <a:t> </a:t>
+            </a:r>
+            <a:r>
+              <a:rPr lang="fr-FR" dirty="0" smtClean="0"/>
+              <a:t>Part </a:t>
+            </a:r>
+            <a:r>
+              <a:rPr lang="fr-FR" dirty="0" err="1" smtClean="0"/>
+              <a:t>Sequences</a:t>
+            </a:r>
+            <a:r>
+              <a:rPr lang="fr-FR" dirty="0" smtClean="0"/>
+              <a:t> ( Part Index ) </a:t>
+            </a:r>
+            <a:endParaRPr lang="tr-TR" dirty="0" smtClean="0"/>
+          </a:p>
+          <a:p>
+            <a:pPr>
+              <a:buNone/>
+            </a:pPr>
+            <a:endParaRPr lang="tr-TR" dirty="0" smtClean="0"/>
+          </a:p>
+          <a:p>
+            <a:pPr>
+              <a:buNone/>
+            </a:pPr>
+            <a:r>
+              <a:rPr lang="tr-TR" i="1" dirty="0" smtClean="0"/>
+              <a:t>	</a:t>
+            </a:r>
+            <a:r>
+              <a:rPr lang="tr-TR" b="1" i="1" dirty="0" err="1" smtClean="0"/>
+              <a:t>Station</a:t>
+            </a:r>
+            <a:r>
+              <a:rPr lang="tr-TR" b="1" i="1" dirty="0" smtClean="0"/>
+              <a:t> Module</a:t>
+            </a:r>
+            <a:endParaRPr lang="tr-TR" b="1" dirty="0" smtClean="0"/>
+          </a:p>
+          <a:p>
+            <a:r>
+              <a:rPr lang="tr-TR" dirty="0" err="1" smtClean="0"/>
+              <a:t>Station</a:t>
+            </a:r>
+            <a:r>
+              <a:rPr lang="tr-TR" dirty="0" smtClean="0"/>
+              <a:t> name: Order </a:t>
+            </a:r>
+            <a:r>
+              <a:rPr lang="tr-TR" dirty="0" err="1" smtClean="0"/>
+              <a:t>Release</a:t>
+            </a:r>
+            <a:r>
+              <a:rPr lang="tr-TR" dirty="0" smtClean="0"/>
+              <a:t> </a:t>
+            </a:r>
+          </a:p>
+          <a:p>
+            <a:endParaRPr lang="tr-TR" dirty="0" smtClean="0"/>
+          </a:p>
+          <a:p>
+            <a:endParaRPr lang="tr-TR" dirty="0" smtClean="0"/>
+          </a:p>
+          <a:p>
+            <a:pPr>
+              <a:buNone/>
+            </a:pPr>
+            <a:endParaRPr lang="en-US" i="1" dirty="0" smtClean="0"/>
+          </a:p>
+        </p:txBody>
+      </p:sp>
+    </p:spTree>
+  </p:cSld>
+  <p:clrMapOvr>
+    <a:masterClrMapping/>
+  </p:clrMapOvr>
+</p:sld>
+</file>
+
+<file path=ppt/slides/slide123.xml><?xml version="1.0" encoding="utf-8"?>
+<p:sld xmlns:a="http://schemas.openxmlformats.org/drawingml/2006/main" xmlns:r="http://schemas.openxmlformats.org/officeDocument/2006/relationships" xmlns:p="http://schemas.openxmlformats.org/presentationml/2006/main">
+  <p:cSld>
+    <p:spTree>
+      <p:nvGrpSpPr>
+        <p:cNvPr id="1" name=""/>
+        <p:cNvGrpSpPr/>
+        <p:nvPr/>
+      </p:nvGrpSpPr>
+      <p:grpSpPr>
+        <a:xfrm>
+          <a:off x="0" y="0"/>
+          <a:ext cx="0" cy="0"/>
+          <a:chOff x="0" y="0"/>
+          <a:chExt cx="0" cy="0"/>
+        </a:xfrm>
+      </p:grpSpPr>
+      <p:sp>
+        <p:nvSpPr>
+          <p:cNvPr id="2" name="1 Başlık"/>
+          <p:cNvSpPr>
+            <a:spLocks noGrp="1"/>
+          </p:cNvSpPr>
+          <p:nvPr>
+            <p:ph type="title"/>
+          </p:nvPr>
+        </p:nvSpPr>
+        <p:spPr/>
+        <p:txBody>
+          <a:bodyPr/>
+          <a:lstStyle/>
+          <a:p>
+            <a:r>
+              <a:rPr lang="tr-TR" dirty="0" smtClean="0"/>
+              <a:t>WORKSHEET </a:t>
+            </a:r>
+            <a:r>
+              <a:rPr lang="tr-TR" dirty="0" smtClean="0"/>
+              <a:t>EXAMPLE-9</a:t>
+            </a:r>
+            <a:endParaRPr lang="tr-TR" dirty="0"/>
+          </a:p>
+        </p:txBody>
+      </p:sp>
+      <p:sp>
+        <p:nvSpPr>
+          <p:cNvPr id="3" name="2 İçerik Yer Tutucusu"/>
+          <p:cNvSpPr>
+            <a:spLocks noGrp="1"/>
+          </p:cNvSpPr>
+          <p:nvPr>
+            <p:ph idx="1"/>
+          </p:nvPr>
+        </p:nvSpPr>
+        <p:spPr>
+          <a:xfrm>
+            <a:off x="467544" y="1484784"/>
+            <a:ext cx="8229600" cy="5040560"/>
+          </a:xfrm>
+        </p:spPr>
+        <p:txBody>
+          <a:bodyPr>
+            <a:normAutofit fontScale="55000" lnSpcReduction="20000"/>
+          </a:bodyPr>
+          <a:lstStyle/>
+          <a:p>
+            <a:pPr marL="449263" indent="-269875"/>
+            <a:r>
+              <a:rPr lang="en-US" dirty="0" smtClean="0"/>
+              <a:t>Time Between: EXPO(13) </a:t>
+            </a:r>
+          </a:p>
+          <a:p>
+            <a:pPr marL="449263" indent="-269875">
+              <a:buNone/>
+            </a:pPr>
+            <a:r>
+              <a:rPr lang="en-US" dirty="0" smtClean="0"/>
+              <a:t>	– </a:t>
+            </a:r>
+            <a:r>
+              <a:rPr lang="en-US" dirty="0" smtClean="0"/>
+              <a:t>Mark Time Attribute: Enter Time </a:t>
+            </a:r>
+          </a:p>
+          <a:p>
+            <a:pPr marL="449263" indent="-269875">
+              <a:buNone/>
+            </a:pPr>
+            <a:r>
+              <a:rPr lang="en-US" dirty="0" smtClean="0"/>
+              <a:t>	– Leave Data </a:t>
+            </a:r>
+          </a:p>
+          <a:p>
+            <a:pPr marL="449263" indent="-269875"/>
+            <a:r>
+              <a:rPr lang="en-US" dirty="0" smtClean="0"/>
+              <a:t>Route</a:t>
+            </a:r>
+            <a:r>
+              <a:rPr lang="en-US" dirty="0" smtClean="0"/>
+              <a:t>: </a:t>
+            </a:r>
+            <a:r>
+              <a:rPr lang="en-US" i="1" dirty="0" smtClean="0"/>
+              <a:t>select (this is the default anyway) </a:t>
+            </a:r>
+          </a:p>
+          <a:p>
+            <a:pPr marL="449263" indent="-269875"/>
+            <a:r>
+              <a:rPr lang="en-US" dirty="0" err="1" smtClean="0"/>
+              <a:t>Seq</a:t>
+            </a:r>
+            <a:r>
+              <a:rPr lang="en-US" dirty="0" smtClean="0"/>
+              <a:t>: </a:t>
+            </a:r>
+            <a:r>
+              <a:rPr lang="en-US" i="1" dirty="0" smtClean="0"/>
+              <a:t>select </a:t>
+            </a:r>
+          </a:p>
+          <a:p>
+            <a:pPr marL="449263" indent="-269875"/>
+            <a:r>
+              <a:rPr lang="en-US" dirty="0" smtClean="0"/>
+              <a:t>Route Time: Transfer Time </a:t>
+            </a:r>
+          </a:p>
+          <a:p>
+            <a:endParaRPr lang="en-US" dirty="0" smtClean="0"/>
+          </a:p>
+          <a:p>
+            <a:pPr indent="-163513"/>
+            <a:r>
+              <a:rPr lang="en-US" dirty="0" smtClean="0"/>
+              <a:t>Station</a:t>
+            </a:r>
+            <a:r>
+              <a:rPr lang="en-US" dirty="0" smtClean="0"/>
+              <a:t>: Cell 1 (or Cell 2 or Cell 4 ) </a:t>
+            </a:r>
+          </a:p>
+          <a:p>
+            <a:pPr indent="-163513">
+              <a:buNone/>
+            </a:pPr>
+            <a:r>
+              <a:rPr lang="en-US" dirty="0" smtClean="0"/>
+              <a:t>	– Process Time: </a:t>
+            </a:r>
+          </a:p>
+          <a:p>
+            <a:pPr indent="-163513"/>
+            <a:r>
+              <a:rPr lang="en-US" dirty="0" smtClean="0"/>
+              <a:t>If </a:t>
+            </a:r>
+            <a:r>
+              <a:rPr lang="en-US" dirty="0" smtClean="0"/>
+              <a:t>Cell 1: Cell 1 Times(Part Index) </a:t>
+            </a:r>
+          </a:p>
+          <a:p>
+            <a:pPr indent="-163513">
+              <a:buNone/>
+            </a:pPr>
+            <a:r>
+              <a:rPr lang="en-US" dirty="0" smtClean="0"/>
+              <a:t>	– </a:t>
+            </a:r>
+            <a:r>
+              <a:rPr lang="en-US" dirty="0" smtClean="0"/>
+              <a:t>Global Expression defined in Expressions module </a:t>
+            </a:r>
+          </a:p>
+          <a:p>
+            <a:pPr indent="-163513"/>
+            <a:r>
+              <a:rPr lang="en-US" dirty="0" smtClean="0"/>
+              <a:t>If </a:t>
+            </a:r>
+            <a:r>
+              <a:rPr lang="en-US" dirty="0" smtClean="0"/>
+              <a:t>Cell 2 or 4: Process Time </a:t>
+            </a:r>
+          </a:p>
+          <a:p>
+            <a:pPr indent="-163513">
+              <a:buNone/>
+            </a:pPr>
+            <a:r>
+              <a:rPr lang="en-US" dirty="0" smtClean="0"/>
+              <a:t>	– </a:t>
+            </a:r>
+            <a:r>
+              <a:rPr lang="en-US" dirty="0" smtClean="0"/>
+              <a:t>Entity Attribute defined as part of Sequences </a:t>
+            </a:r>
+          </a:p>
+          <a:p>
+            <a:pPr indent="-163513">
+              <a:buNone/>
+            </a:pPr>
+            <a:r>
+              <a:rPr lang="en-US" dirty="0" smtClean="0"/>
+              <a:t>	– Leave Data: </a:t>
+            </a:r>
+          </a:p>
+          <a:p>
+            <a:pPr indent="-163513"/>
+            <a:r>
+              <a:rPr lang="en-US" dirty="0" smtClean="0"/>
+              <a:t>Route: </a:t>
+            </a:r>
+            <a:r>
+              <a:rPr lang="en-US" i="1" dirty="0" smtClean="0"/>
+              <a:t>select </a:t>
+            </a:r>
+          </a:p>
+          <a:p>
+            <a:pPr indent="-163513"/>
+            <a:r>
+              <a:rPr lang="en-US" dirty="0" err="1" smtClean="0"/>
+              <a:t>Seq</a:t>
+            </a:r>
+            <a:r>
+              <a:rPr lang="en-US" dirty="0" smtClean="0"/>
+              <a:t>: </a:t>
+            </a:r>
+            <a:r>
+              <a:rPr lang="en-US" i="1" dirty="0" smtClean="0"/>
+              <a:t>select </a:t>
+            </a:r>
+          </a:p>
+          <a:p>
+            <a:pPr indent="-163513"/>
+            <a:r>
+              <a:rPr lang="en-US" dirty="0" smtClean="0"/>
+              <a:t>Route Time: Transfer Time </a:t>
+            </a:r>
+          </a:p>
+          <a:p>
+            <a:pPr indent="-163513">
+              <a:buNone/>
+            </a:pPr>
+            <a:r>
+              <a:rPr lang="en-US" dirty="0" smtClean="0"/>
+              <a:t>	– Global Variable defined in Variables module </a:t>
+            </a:r>
+          </a:p>
+          <a:p>
+            <a:endParaRPr lang="tr-TR" dirty="0" smtClean="0"/>
+          </a:p>
+          <a:p>
+            <a:endParaRPr lang="tr-TR" dirty="0" smtClean="0"/>
+          </a:p>
+          <a:p>
+            <a:endParaRPr lang="tr-TR" dirty="0" smtClean="0"/>
+          </a:p>
+          <a:p>
+            <a:pPr>
+              <a:buNone/>
+            </a:pPr>
+            <a:endParaRPr lang="en-US" i="1" dirty="0" smtClean="0"/>
+          </a:p>
+        </p:txBody>
+      </p:sp>
+    </p:spTree>
+  </p:cSld>
+  <p:clrMapOvr>
+    <a:masterClrMapping/>
+  </p:clrMapOvr>
+</p:sld>
+</file>
+
+<file path=ppt/slides/slide124.xml><?xml version="1.0" encoding="utf-8"?>
+<p:sld xmlns:a="http://schemas.openxmlformats.org/drawingml/2006/main" xmlns:r="http://schemas.openxmlformats.org/officeDocument/2006/relationships" xmlns:p="http://schemas.openxmlformats.org/presentationml/2006/main">
+  <p:cSld>
+    <p:spTree>
+      <p:nvGrpSpPr>
+        <p:cNvPr id="1" name=""/>
+        <p:cNvGrpSpPr/>
+        <p:nvPr/>
+      </p:nvGrpSpPr>
+      <p:grpSpPr>
+        <a:xfrm>
+          <a:off x="0" y="0"/>
+          <a:ext cx="0" cy="0"/>
+          <a:chOff x="0" y="0"/>
+          <a:chExt cx="0" cy="0"/>
+        </a:xfrm>
+      </p:grpSpPr>
+      <p:sp>
+        <p:nvSpPr>
+          <p:cNvPr id="2" name="1 Başlık"/>
+          <p:cNvSpPr>
+            <a:spLocks noGrp="1"/>
+          </p:cNvSpPr>
+          <p:nvPr>
+            <p:ph type="title"/>
+          </p:nvPr>
+        </p:nvSpPr>
+        <p:spPr/>
+        <p:txBody>
+          <a:bodyPr/>
+          <a:lstStyle/>
+          <a:p>
+            <a:r>
+              <a:rPr lang="tr-TR" dirty="0" smtClean="0"/>
+              <a:t>WORKSHEET </a:t>
+            </a:r>
+            <a:r>
+              <a:rPr lang="tr-TR" dirty="0" smtClean="0"/>
+              <a:t>EXAMPLE-9</a:t>
+            </a:r>
+            <a:endParaRPr lang="tr-TR" dirty="0"/>
+          </a:p>
+        </p:txBody>
+      </p:sp>
+      <p:sp>
+        <p:nvSpPr>
+          <p:cNvPr id="3" name="2 İçerik Yer Tutucusu"/>
+          <p:cNvSpPr>
+            <a:spLocks noGrp="1"/>
+          </p:cNvSpPr>
+          <p:nvPr>
+            <p:ph idx="1"/>
+          </p:nvPr>
+        </p:nvSpPr>
+        <p:spPr>
+          <a:xfrm>
+            <a:off x="467544" y="1484784"/>
+            <a:ext cx="8229600" cy="5040560"/>
+          </a:xfrm>
+        </p:spPr>
+        <p:txBody>
+          <a:bodyPr>
+            <a:normAutofit fontScale="92500" lnSpcReduction="20000"/>
+          </a:bodyPr>
+          <a:lstStyle/>
+          <a:p>
+            <a:pPr marL="449263" indent="-269875">
+              <a:buNone/>
+            </a:pPr>
+            <a:r>
+              <a:rPr lang="tr-TR" i="1" dirty="0" smtClean="0"/>
+              <a:t>	</a:t>
+            </a:r>
+            <a:r>
+              <a:rPr lang="tr-TR" b="1" i="1" dirty="0" err="1" smtClean="0"/>
+              <a:t>Station</a:t>
+            </a:r>
+            <a:r>
+              <a:rPr lang="tr-TR" b="1" i="1" dirty="0" smtClean="0"/>
+              <a:t> Module</a:t>
+            </a:r>
+          </a:p>
+          <a:p>
+            <a:r>
+              <a:rPr lang="tr-TR" dirty="0" err="1" smtClean="0"/>
+              <a:t>Station</a:t>
+            </a:r>
+            <a:r>
+              <a:rPr lang="tr-TR" dirty="0" smtClean="0"/>
+              <a:t> name: </a:t>
+            </a:r>
+            <a:r>
+              <a:rPr lang="tr-TR" dirty="0" err="1" smtClean="0"/>
+              <a:t>Cell</a:t>
+            </a:r>
+            <a:r>
+              <a:rPr lang="tr-TR" dirty="0" smtClean="0"/>
+              <a:t> </a:t>
+            </a:r>
+            <a:r>
+              <a:rPr lang="tr-TR" dirty="0" smtClean="0"/>
+              <a:t>1</a:t>
+            </a:r>
+            <a:endParaRPr lang="tr-TR" dirty="0" smtClean="0"/>
+          </a:p>
+          <a:p>
+            <a:pPr>
+              <a:buNone/>
+            </a:pPr>
+            <a:endParaRPr lang="tr-TR" dirty="0" smtClean="0"/>
+          </a:p>
+          <a:p>
+            <a:pPr>
+              <a:buNone/>
+            </a:pPr>
+            <a:r>
+              <a:rPr lang="tr-TR" b="1" i="1" dirty="0" smtClean="0"/>
+              <a:t>	Process Module</a:t>
+            </a:r>
+            <a:endParaRPr lang="tr-TR" b="1" i="1" dirty="0" smtClean="0"/>
+          </a:p>
+          <a:p>
+            <a:r>
+              <a:rPr lang="tr-TR" dirty="0" smtClean="0"/>
+              <a:t>Resource: </a:t>
+            </a:r>
+            <a:r>
+              <a:rPr lang="tr-TR" dirty="0" err="1" smtClean="0"/>
+              <a:t>Cell</a:t>
+            </a:r>
+            <a:r>
+              <a:rPr lang="tr-TR" dirty="0" smtClean="0"/>
+              <a:t> 1 Machine</a:t>
+            </a:r>
+          </a:p>
+          <a:p>
+            <a:r>
+              <a:rPr lang="tr-TR" dirty="0" smtClean="0"/>
+              <a:t>Name: </a:t>
+            </a:r>
+            <a:r>
+              <a:rPr lang="tr-TR" dirty="0" err="1" smtClean="0"/>
+              <a:t>Cell</a:t>
+            </a:r>
+            <a:r>
+              <a:rPr lang="tr-TR" dirty="0" smtClean="0"/>
+              <a:t> 1 Process</a:t>
+            </a:r>
+          </a:p>
+          <a:p>
+            <a:r>
+              <a:rPr lang="tr-TR" dirty="0" smtClean="0"/>
+              <a:t>P. Time: Process Time</a:t>
+            </a:r>
+          </a:p>
+          <a:p>
+            <a:pPr>
+              <a:buNone/>
+            </a:pPr>
+            <a:endParaRPr lang="tr-TR" dirty="0" smtClean="0"/>
+          </a:p>
+          <a:p>
+            <a:pPr>
+              <a:buNone/>
+            </a:pPr>
+            <a:r>
+              <a:rPr lang="tr-TR" i="1" dirty="0" smtClean="0"/>
+              <a:t>	</a:t>
+            </a:r>
+            <a:r>
+              <a:rPr lang="tr-TR" b="1" i="1" dirty="0" err="1" smtClean="0"/>
+              <a:t>Route</a:t>
+            </a:r>
+            <a:r>
+              <a:rPr lang="tr-TR" b="1" i="1" dirty="0" smtClean="0"/>
+              <a:t> Module</a:t>
+            </a:r>
+            <a:endParaRPr lang="tr-TR" b="1" dirty="0" smtClean="0"/>
+          </a:p>
+          <a:p>
+            <a:r>
+              <a:rPr lang="tr-TR" dirty="0" err="1" smtClean="0"/>
+              <a:t>Route</a:t>
+            </a:r>
+            <a:r>
+              <a:rPr lang="tr-TR" dirty="0" smtClean="0"/>
+              <a:t> Time: Transfer Time</a:t>
+            </a:r>
+          </a:p>
+          <a:p>
+            <a:r>
+              <a:rPr lang="tr-TR" dirty="0" err="1" smtClean="0"/>
+              <a:t>Destination</a:t>
+            </a:r>
+            <a:r>
+              <a:rPr lang="tr-TR" dirty="0" smtClean="0"/>
+              <a:t> Type: </a:t>
+            </a:r>
+            <a:r>
+              <a:rPr lang="tr-TR" dirty="0" err="1" smtClean="0"/>
+              <a:t>By</a:t>
+            </a:r>
+            <a:r>
+              <a:rPr lang="tr-TR" dirty="0" smtClean="0"/>
+              <a:t> </a:t>
+            </a:r>
+            <a:r>
+              <a:rPr lang="tr-TR" dirty="0" err="1" smtClean="0"/>
+              <a:t>Sequence</a:t>
+            </a:r>
+            <a:endParaRPr lang="tr-TR" dirty="0" smtClean="0"/>
+          </a:p>
+          <a:p>
+            <a:endParaRPr lang="tr-TR" dirty="0" smtClean="0"/>
+          </a:p>
+          <a:p>
+            <a:endParaRPr lang="tr-TR" dirty="0" smtClean="0"/>
+          </a:p>
+          <a:p>
+            <a:pPr>
+              <a:buNone/>
+            </a:pPr>
+            <a:endParaRPr lang="en-US" i="1" dirty="0" smtClean="0"/>
+          </a:p>
+        </p:txBody>
+      </p:sp>
+    </p:spTree>
+  </p:cSld>
+  <p:clrMapOvr>
+    <a:masterClrMapping/>
+  </p:clrMapOvr>
+</p:sld>
+</file>
+
+<file path=ppt/slides/slide125.xml><?xml version="1.0" encoding="utf-8"?>
+<p:sld xmlns:a="http://schemas.openxmlformats.org/drawingml/2006/main" xmlns:r="http://schemas.openxmlformats.org/officeDocument/2006/relationships" xmlns:p="http://schemas.openxmlformats.org/presentationml/2006/main">
+  <p:cSld>
+    <p:spTree>
+      <p:nvGrpSpPr>
+        <p:cNvPr id="1" name=""/>
+        <p:cNvGrpSpPr/>
+        <p:nvPr/>
+      </p:nvGrpSpPr>
+      <p:grpSpPr>
+        <a:xfrm>
+          <a:off x="0" y="0"/>
+          <a:ext cx="0" cy="0"/>
+          <a:chOff x="0" y="0"/>
+          <a:chExt cx="0" cy="0"/>
+        </a:xfrm>
+      </p:grpSpPr>
+      <p:sp>
+        <p:nvSpPr>
+          <p:cNvPr id="2" name="1 Başlık"/>
+          <p:cNvSpPr>
+            <a:spLocks noGrp="1"/>
+          </p:cNvSpPr>
+          <p:nvPr>
+            <p:ph type="title"/>
+          </p:nvPr>
+        </p:nvSpPr>
+        <p:spPr/>
+        <p:txBody>
+          <a:bodyPr/>
+          <a:lstStyle/>
+          <a:p>
+            <a:r>
+              <a:rPr lang="tr-TR" dirty="0" smtClean="0"/>
+              <a:t>WORKSHEET </a:t>
+            </a:r>
+            <a:r>
+              <a:rPr lang="tr-TR" dirty="0" smtClean="0"/>
+              <a:t>EXAMPLE-9</a:t>
+            </a:r>
+            <a:endParaRPr lang="tr-TR" dirty="0"/>
+          </a:p>
+        </p:txBody>
+      </p:sp>
+      <p:sp>
+        <p:nvSpPr>
+          <p:cNvPr id="3" name="2 İçerik Yer Tutucusu"/>
+          <p:cNvSpPr>
+            <a:spLocks noGrp="1"/>
+          </p:cNvSpPr>
+          <p:nvPr>
+            <p:ph idx="1"/>
+          </p:nvPr>
+        </p:nvSpPr>
+        <p:spPr>
+          <a:xfrm>
+            <a:off x="467544" y="1484784"/>
+            <a:ext cx="8229600" cy="5040560"/>
+          </a:xfrm>
+        </p:spPr>
+        <p:txBody>
+          <a:bodyPr>
+            <a:normAutofit fontScale="92500" lnSpcReduction="20000"/>
+          </a:bodyPr>
+          <a:lstStyle/>
+          <a:p>
+            <a:pPr marL="449263" indent="-269875">
+              <a:buNone/>
+            </a:pPr>
+            <a:r>
+              <a:rPr lang="tr-TR" i="1" dirty="0" smtClean="0"/>
+              <a:t>	</a:t>
+            </a:r>
+            <a:r>
+              <a:rPr lang="tr-TR" b="1" i="1" dirty="0" err="1" smtClean="0"/>
+              <a:t>Station</a:t>
+            </a:r>
+            <a:r>
+              <a:rPr lang="tr-TR" b="1" i="1" dirty="0" smtClean="0"/>
+              <a:t> Module</a:t>
+            </a:r>
+          </a:p>
+          <a:p>
+            <a:r>
+              <a:rPr lang="tr-TR" dirty="0" err="1" smtClean="0"/>
+              <a:t>Station</a:t>
+            </a:r>
+            <a:r>
+              <a:rPr lang="tr-TR" dirty="0" smtClean="0"/>
+              <a:t> name: </a:t>
+            </a:r>
+            <a:r>
+              <a:rPr lang="tr-TR" dirty="0" err="1" smtClean="0"/>
+              <a:t>Cell</a:t>
+            </a:r>
+            <a:r>
+              <a:rPr lang="tr-TR" dirty="0" smtClean="0"/>
+              <a:t> 2</a:t>
+            </a:r>
+          </a:p>
+          <a:p>
+            <a:pPr>
+              <a:buNone/>
+            </a:pPr>
+            <a:endParaRPr lang="tr-TR" dirty="0" smtClean="0"/>
+          </a:p>
+          <a:p>
+            <a:pPr>
+              <a:buNone/>
+            </a:pPr>
+            <a:r>
+              <a:rPr lang="tr-TR" b="1" i="1" dirty="0" smtClean="0"/>
+              <a:t>	Process Module</a:t>
+            </a:r>
+            <a:endParaRPr lang="tr-TR" b="1" i="1" dirty="0" smtClean="0"/>
+          </a:p>
+          <a:p>
+            <a:r>
+              <a:rPr lang="tr-TR" dirty="0" smtClean="0"/>
+              <a:t>Resource: </a:t>
+            </a:r>
+            <a:r>
+              <a:rPr lang="tr-TR" dirty="0" err="1" smtClean="0"/>
+              <a:t>Cell</a:t>
+            </a:r>
+            <a:r>
+              <a:rPr lang="tr-TR" dirty="0" smtClean="0"/>
+              <a:t> 2 Machine</a:t>
+            </a:r>
+          </a:p>
+          <a:p>
+            <a:r>
+              <a:rPr lang="tr-TR" dirty="0" smtClean="0"/>
+              <a:t>Name: </a:t>
+            </a:r>
+            <a:r>
+              <a:rPr lang="tr-TR" dirty="0" err="1" smtClean="0"/>
+              <a:t>Cell</a:t>
+            </a:r>
+            <a:r>
+              <a:rPr lang="tr-TR" dirty="0" smtClean="0"/>
+              <a:t> 2 Process</a:t>
+            </a:r>
+          </a:p>
+          <a:p>
+            <a:r>
+              <a:rPr lang="tr-TR" dirty="0" smtClean="0"/>
+              <a:t>P. Time: Process Time</a:t>
+            </a:r>
+          </a:p>
+          <a:p>
+            <a:pPr>
+              <a:buNone/>
+            </a:pPr>
+            <a:endParaRPr lang="tr-TR" dirty="0" smtClean="0"/>
+          </a:p>
+          <a:p>
+            <a:pPr>
+              <a:buNone/>
+            </a:pPr>
+            <a:r>
+              <a:rPr lang="tr-TR" i="1" dirty="0" smtClean="0"/>
+              <a:t>	</a:t>
+            </a:r>
+            <a:r>
+              <a:rPr lang="tr-TR" b="1" i="1" dirty="0" err="1" smtClean="0"/>
+              <a:t>Route</a:t>
+            </a:r>
+            <a:r>
+              <a:rPr lang="tr-TR" b="1" i="1" dirty="0" smtClean="0"/>
+              <a:t> Module</a:t>
+            </a:r>
+            <a:endParaRPr lang="tr-TR" b="1" dirty="0" smtClean="0"/>
+          </a:p>
+          <a:p>
+            <a:r>
+              <a:rPr lang="tr-TR" dirty="0" err="1" smtClean="0"/>
+              <a:t>Route</a:t>
+            </a:r>
+            <a:r>
+              <a:rPr lang="tr-TR" dirty="0" smtClean="0"/>
+              <a:t> Time: Transfer Time</a:t>
+            </a:r>
+          </a:p>
+          <a:p>
+            <a:r>
+              <a:rPr lang="tr-TR" dirty="0" err="1" smtClean="0"/>
+              <a:t>Destination</a:t>
+            </a:r>
+            <a:r>
+              <a:rPr lang="tr-TR" dirty="0" smtClean="0"/>
+              <a:t> Type: </a:t>
+            </a:r>
+            <a:r>
+              <a:rPr lang="tr-TR" dirty="0" err="1" smtClean="0"/>
+              <a:t>By</a:t>
+            </a:r>
+            <a:r>
+              <a:rPr lang="tr-TR" dirty="0" smtClean="0"/>
+              <a:t> </a:t>
+            </a:r>
+            <a:r>
+              <a:rPr lang="tr-TR" dirty="0" err="1" smtClean="0"/>
+              <a:t>Sequence</a:t>
+            </a:r>
+            <a:endParaRPr lang="tr-TR" dirty="0" smtClean="0"/>
+          </a:p>
+          <a:p>
+            <a:endParaRPr lang="tr-TR" dirty="0" smtClean="0"/>
+          </a:p>
+          <a:p>
+            <a:endParaRPr lang="tr-TR" dirty="0" smtClean="0"/>
+          </a:p>
+          <a:p>
+            <a:pPr>
+              <a:buNone/>
+            </a:pPr>
+            <a:endParaRPr lang="en-US" i="1" dirty="0" smtClean="0"/>
+          </a:p>
+        </p:txBody>
+      </p:sp>
+    </p:spTree>
+  </p:cSld>
+  <p:clrMapOvr>
+    <a:masterClrMapping/>
+  </p:clrMapOvr>
+</p:sld>
+</file>
+
+<file path=ppt/slides/slide126.xml><?xml version="1.0" encoding="utf-8"?>
+<p:sld xmlns:a="http://schemas.openxmlformats.org/drawingml/2006/main" xmlns:r="http://schemas.openxmlformats.org/officeDocument/2006/relationships" xmlns:p="http://schemas.openxmlformats.org/presentationml/2006/main">
+  <p:cSld>
+    <p:spTree>
+      <p:nvGrpSpPr>
+        <p:cNvPr id="1" name=""/>
+        <p:cNvGrpSpPr/>
+        <p:nvPr/>
+      </p:nvGrpSpPr>
+      <p:grpSpPr>
+        <a:xfrm>
+          <a:off x="0" y="0"/>
+          <a:ext cx="0" cy="0"/>
+          <a:chOff x="0" y="0"/>
+          <a:chExt cx="0" cy="0"/>
+        </a:xfrm>
+      </p:grpSpPr>
+      <p:sp>
+        <p:nvSpPr>
+          <p:cNvPr id="2" name="1 Başlık"/>
+          <p:cNvSpPr>
+            <a:spLocks noGrp="1"/>
+          </p:cNvSpPr>
+          <p:nvPr>
+            <p:ph type="title"/>
+          </p:nvPr>
+        </p:nvSpPr>
+        <p:spPr/>
+        <p:txBody>
+          <a:bodyPr/>
+          <a:lstStyle/>
+          <a:p>
+            <a:r>
+              <a:rPr lang="tr-TR" dirty="0" smtClean="0"/>
+              <a:t>WORKSHEET </a:t>
+            </a:r>
+            <a:r>
+              <a:rPr lang="tr-TR" dirty="0" smtClean="0"/>
+              <a:t>EXAMPLE-9</a:t>
+            </a:r>
+            <a:endParaRPr lang="tr-TR" dirty="0"/>
+          </a:p>
+        </p:txBody>
+      </p:sp>
+      <p:sp>
+        <p:nvSpPr>
+          <p:cNvPr id="3" name="2 İçerik Yer Tutucusu"/>
+          <p:cNvSpPr>
+            <a:spLocks noGrp="1"/>
+          </p:cNvSpPr>
+          <p:nvPr>
+            <p:ph idx="1"/>
+          </p:nvPr>
+        </p:nvSpPr>
+        <p:spPr>
+          <a:xfrm>
+            <a:off x="467544" y="1484784"/>
+            <a:ext cx="8229600" cy="5040560"/>
+          </a:xfrm>
+        </p:spPr>
+        <p:txBody>
+          <a:bodyPr>
+            <a:normAutofit fontScale="77500" lnSpcReduction="20000"/>
+          </a:bodyPr>
+          <a:lstStyle/>
+          <a:p>
+            <a:pPr marL="449263" indent="-269875">
+              <a:buNone/>
+            </a:pPr>
+            <a:r>
+              <a:rPr lang="tr-TR" i="1" dirty="0" smtClean="0"/>
+              <a:t>	</a:t>
+            </a:r>
+            <a:r>
+              <a:rPr lang="tr-TR" b="1" i="1" dirty="0" err="1" smtClean="0"/>
+              <a:t>Station</a:t>
+            </a:r>
+            <a:r>
+              <a:rPr lang="tr-TR" b="1" i="1" dirty="0" smtClean="0"/>
+              <a:t> Module</a:t>
+            </a:r>
+          </a:p>
+          <a:p>
+            <a:r>
+              <a:rPr lang="tr-TR" dirty="0" err="1" smtClean="0"/>
+              <a:t>Station</a:t>
+            </a:r>
+            <a:r>
+              <a:rPr lang="tr-TR" dirty="0" smtClean="0"/>
+              <a:t> name: </a:t>
+            </a:r>
+            <a:r>
+              <a:rPr lang="tr-TR" dirty="0" err="1" smtClean="0"/>
+              <a:t>Cell</a:t>
+            </a:r>
+            <a:r>
+              <a:rPr lang="tr-TR" dirty="0" smtClean="0"/>
+              <a:t> </a:t>
+            </a:r>
+            <a:r>
+              <a:rPr lang="tr-TR" dirty="0" smtClean="0"/>
+              <a:t>3</a:t>
+            </a:r>
+            <a:endParaRPr lang="tr-TR" dirty="0" smtClean="0"/>
+          </a:p>
+          <a:p>
+            <a:pPr>
+              <a:buNone/>
+            </a:pPr>
+            <a:endParaRPr lang="tr-TR" dirty="0" smtClean="0"/>
+          </a:p>
+          <a:p>
+            <a:pPr>
+              <a:buNone/>
+            </a:pPr>
+            <a:r>
+              <a:rPr lang="tr-TR" b="1" i="1" dirty="0" smtClean="0"/>
+              <a:t>	Process Module</a:t>
+            </a:r>
+            <a:endParaRPr lang="tr-TR" b="1" i="1" dirty="0" smtClean="0"/>
+          </a:p>
+          <a:p>
+            <a:r>
+              <a:rPr lang="tr-TR" dirty="0" smtClean="0"/>
+              <a:t>Set Name:</a:t>
+            </a:r>
+            <a:r>
+              <a:rPr lang="tr-TR" dirty="0" smtClean="0"/>
+              <a:t> </a:t>
+            </a:r>
+            <a:r>
+              <a:rPr lang="tr-TR" dirty="0" err="1" smtClean="0"/>
+              <a:t>Cell</a:t>
+            </a:r>
+            <a:r>
+              <a:rPr lang="tr-TR" dirty="0" smtClean="0"/>
+              <a:t> 3 </a:t>
+            </a:r>
+            <a:r>
+              <a:rPr lang="tr-TR" dirty="0" err="1" smtClean="0"/>
+              <a:t>Machines</a:t>
+            </a:r>
+            <a:endParaRPr lang="tr-TR" dirty="0" smtClean="0"/>
+          </a:p>
+          <a:p>
+            <a:r>
+              <a:rPr lang="tr-TR" dirty="0" err="1" smtClean="0"/>
+              <a:t>Selection</a:t>
+            </a:r>
+            <a:r>
+              <a:rPr lang="tr-TR" dirty="0" smtClean="0"/>
+              <a:t> </a:t>
+            </a:r>
+            <a:r>
+              <a:rPr lang="tr-TR" dirty="0" err="1" smtClean="0"/>
+              <a:t>Rule</a:t>
+            </a:r>
+            <a:r>
+              <a:rPr lang="tr-TR" dirty="0" smtClean="0"/>
+              <a:t>: </a:t>
+            </a:r>
+            <a:r>
+              <a:rPr lang="tr-TR" dirty="0" err="1" smtClean="0"/>
+              <a:t>Cyclical</a:t>
+            </a:r>
+            <a:endParaRPr lang="tr-TR" dirty="0" smtClean="0"/>
+          </a:p>
+          <a:p>
+            <a:r>
+              <a:rPr lang="tr-TR" dirty="0" err="1" smtClean="0"/>
+              <a:t>Save</a:t>
+            </a:r>
+            <a:r>
+              <a:rPr lang="tr-TR" dirty="0" smtClean="0"/>
+              <a:t> </a:t>
+            </a:r>
+            <a:r>
+              <a:rPr lang="tr-TR" dirty="0" err="1" smtClean="0"/>
+              <a:t>Attribute</a:t>
+            </a:r>
+            <a:r>
+              <a:rPr lang="tr-TR" dirty="0" smtClean="0"/>
+              <a:t>: Machine </a:t>
+            </a:r>
+            <a:r>
+              <a:rPr lang="tr-TR" dirty="0" err="1" smtClean="0"/>
+              <a:t>Index</a:t>
+            </a:r>
+            <a:endParaRPr lang="tr-TR" dirty="0" smtClean="0"/>
+          </a:p>
+          <a:p>
+            <a:r>
+              <a:rPr lang="tr-TR" dirty="0" smtClean="0"/>
+              <a:t>Name: </a:t>
+            </a:r>
+            <a:r>
+              <a:rPr lang="tr-TR" dirty="0" err="1" smtClean="0"/>
+              <a:t>Cell</a:t>
+            </a:r>
+            <a:r>
+              <a:rPr lang="tr-TR" dirty="0" smtClean="0"/>
+              <a:t> 3 Process</a:t>
+            </a:r>
+          </a:p>
+          <a:p>
+            <a:r>
+              <a:rPr lang="tr-TR" dirty="0" smtClean="0"/>
+              <a:t>P. Time: Process Time</a:t>
+            </a:r>
+          </a:p>
+          <a:p>
+            <a:pPr>
+              <a:buNone/>
+            </a:pPr>
+            <a:endParaRPr lang="tr-TR" dirty="0" smtClean="0"/>
+          </a:p>
+          <a:p>
+            <a:pPr>
+              <a:buNone/>
+            </a:pPr>
+            <a:r>
+              <a:rPr lang="tr-TR" i="1" dirty="0" smtClean="0"/>
+              <a:t>	</a:t>
+            </a:r>
+            <a:r>
+              <a:rPr lang="tr-TR" b="1" i="1" dirty="0" err="1" smtClean="0"/>
+              <a:t>Route</a:t>
+            </a:r>
+            <a:r>
+              <a:rPr lang="tr-TR" b="1" i="1" dirty="0" smtClean="0"/>
+              <a:t> Module</a:t>
+            </a:r>
+            <a:endParaRPr lang="tr-TR" b="1" dirty="0" smtClean="0"/>
+          </a:p>
+          <a:p>
+            <a:r>
+              <a:rPr lang="tr-TR" dirty="0" err="1" smtClean="0"/>
+              <a:t>Route</a:t>
+            </a:r>
+            <a:r>
+              <a:rPr lang="tr-TR" dirty="0" smtClean="0"/>
+              <a:t> Time: Transfer Time</a:t>
+            </a:r>
+          </a:p>
+          <a:p>
+            <a:r>
+              <a:rPr lang="tr-TR" dirty="0" err="1" smtClean="0"/>
+              <a:t>Destination</a:t>
+            </a:r>
+            <a:r>
+              <a:rPr lang="tr-TR" dirty="0" smtClean="0"/>
+              <a:t> Type: </a:t>
+            </a:r>
+            <a:r>
+              <a:rPr lang="tr-TR" dirty="0" err="1" smtClean="0"/>
+              <a:t>By</a:t>
+            </a:r>
+            <a:r>
+              <a:rPr lang="tr-TR" dirty="0" smtClean="0"/>
+              <a:t> </a:t>
+            </a:r>
+            <a:r>
+              <a:rPr lang="tr-TR" dirty="0" err="1" smtClean="0"/>
+              <a:t>Sequence</a:t>
+            </a:r>
+            <a:endParaRPr lang="tr-TR" dirty="0" smtClean="0"/>
+          </a:p>
+          <a:p>
+            <a:endParaRPr lang="tr-TR" dirty="0" smtClean="0"/>
+          </a:p>
+          <a:p>
+            <a:endParaRPr lang="tr-TR" dirty="0" smtClean="0"/>
+          </a:p>
+          <a:p>
+            <a:pPr>
+              <a:buNone/>
+            </a:pPr>
+            <a:endParaRPr lang="en-US" i="1" dirty="0" smtClean="0"/>
+          </a:p>
+        </p:txBody>
+      </p:sp>
+    </p:spTree>
+  </p:cSld>
+  <p:clrMapOvr>
+    <a:masterClrMapping/>
+  </p:clrMapOvr>
+</p:sld>
+</file>
+
+<file path=ppt/slides/slide127.xml><?xml version="1.0" encoding="utf-8"?>
+<p:sld xmlns:a="http://schemas.openxmlformats.org/drawingml/2006/main" xmlns:r="http://schemas.openxmlformats.org/officeDocument/2006/relationships" xmlns:p="http://schemas.openxmlformats.org/presentationml/2006/main">
+  <p:cSld>
+    <p:spTree>
+      <p:nvGrpSpPr>
+        <p:cNvPr id="1" name=""/>
+        <p:cNvGrpSpPr/>
+        <p:nvPr/>
+      </p:nvGrpSpPr>
+      <p:grpSpPr>
+        <a:xfrm>
+          <a:off x="0" y="0"/>
+          <a:ext cx="0" cy="0"/>
+          <a:chOff x="0" y="0"/>
+          <a:chExt cx="0" cy="0"/>
+        </a:xfrm>
+      </p:grpSpPr>
+      <p:sp>
+        <p:nvSpPr>
+          <p:cNvPr id="2" name="1 Başlık"/>
+          <p:cNvSpPr>
+            <a:spLocks noGrp="1"/>
+          </p:cNvSpPr>
+          <p:nvPr>
+            <p:ph type="title"/>
+          </p:nvPr>
+        </p:nvSpPr>
+        <p:spPr/>
+        <p:txBody>
+          <a:bodyPr/>
+          <a:lstStyle/>
+          <a:p>
+            <a:r>
+              <a:rPr lang="tr-TR" dirty="0" smtClean="0"/>
+              <a:t>WORKSHEET </a:t>
+            </a:r>
+            <a:r>
+              <a:rPr lang="tr-TR" dirty="0" smtClean="0"/>
+              <a:t>EXAMPLE-9</a:t>
+            </a:r>
+            <a:endParaRPr lang="tr-TR" dirty="0"/>
+          </a:p>
+        </p:txBody>
+      </p:sp>
+      <p:sp>
+        <p:nvSpPr>
+          <p:cNvPr id="3" name="2 İçerik Yer Tutucusu"/>
+          <p:cNvSpPr>
+            <a:spLocks noGrp="1"/>
+          </p:cNvSpPr>
+          <p:nvPr>
+            <p:ph idx="1"/>
+          </p:nvPr>
+        </p:nvSpPr>
+        <p:spPr>
+          <a:xfrm>
+            <a:off x="467544" y="1484784"/>
+            <a:ext cx="8229600" cy="5040560"/>
+          </a:xfrm>
+        </p:spPr>
+        <p:txBody>
+          <a:bodyPr>
+            <a:normAutofit fontScale="92500" lnSpcReduction="20000"/>
+          </a:bodyPr>
+          <a:lstStyle/>
+          <a:p>
+            <a:pPr marL="449263" indent="-269875">
+              <a:buNone/>
+            </a:pPr>
+            <a:r>
+              <a:rPr lang="tr-TR" i="1" dirty="0" smtClean="0"/>
+              <a:t>	</a:t>
+            </a:r>
+            <a:r>
+              <a:rPr lang="tr-TR" b="1" i="1" dirty="0" err="1" smtClean="0"/>
+              <a:t>Station</a:t>
+            </a:r>
+            <a:r>
+              <a:rPr lang="tr-TR" b="1" i="1" dirty="0" smtClean="0"/>
+              <a:t> Module</a:t>
+            </a:r>
+          </a:p>
+          <a:p>
+            <a:r>
+              <a:rPr lang="tr-TR" dirty="0" err="1" smtClean="0"/>
+              <a:t>Station</a:t>
+            </a:r>
+            <a:r>
+              <a:rPr lang="tr-TR" dirty="0" smtClean="0"/>
+              <a:t> name: </a:t>
+            </a:r>
+            <a:r>
+              <a:rPr lang="tr-TR" dirty="0" err="1" smtClean="0"/>
+              <a:t>Cell</a:t>
+            </a:r>
+            <a:r>
+              <a:rPr lang="tr-TR" dirty="0" smtClean="0"/>
+              <a:t> </a:t>
+            </a:r>
+            <a:r>
+              <a:rPr lang="tr-TR" dirty="0" smtClean="0"/>
+              <a:t>4</a:t>
+            </a:r>
+            <a:endParaRPr lang="tr-TR" dirty="0" smtClean="0"/>
+          </a:p>
+          <a:p>
+            <a:pPr>
+              <a:buNone/>
+            </a:pPr>
+            <a:endParaRPr lang="tr-TR" dirty="0" smtClean="0"/>
+          </a:p>
+          <a:p>
+            <a:pPr>
+              <a:buNone/>
+            </a:pPr>
+            <a:r>
+              <a:rPr lang="tr-TR" b="1" i="1" dirty="0" smtClean="0"/>
+              <a:t>	Process Module</a:t>
+            </a:r>
+            <a:endParaRPr lang="tr-TR" b="1" i="1" dirty="0" smtClean="0"/>
+          </a:p>
+          <a:p>
+            <a:r>
+              <a:rPr lang="tr-TR" dirty="0" smtClean="0"/>
+              <a:t>Resource: </a:t>
+            </a:r>
+            <a:r>
+              <a:rPr lang="tr-TR" dirty="0" err="1" smtClean="0"/>
+              <a:t>Cell</a:t>
+            </a:r>
+            <a:r>
+              <a:rPr lang="tr-TR" dirty="0" smtClean="0"/>
+              <a:t> 4 Machine</a:t>
+            </a:r>
+          </a:p>
+          <a:p>
+            <a:r>
+              <a:rPr lang="tr-TR" dirty="0" smtClean="0"/>
+              <a:t>Name: </a:t>
+            </a:r>
+            <a:r>
+              <a:rPr lang="tr-TR" dirty="0" err="1" smtClean="0"/>
+              <a:t>Cell</a:t>
+            </a:r>
+            <a:r>
+              <a:rPr lang="tr-TR" dirty="0" smtClean="0"/>
+              <a:t> 4 Process</a:t>
+            </a:r>
+          </a:p>
+          <a:p>
+            <a:r>
+              <a:rPr lang="tr-TR" dirty="0" smtClean="0"/>
+              <a:t>P. Time: Process Time</a:t>
+            </a:r>
+          </a:p>
+          <a:p>
+            <a:pPr>
+              <a:buNone/>
+            </a:pPr>
+            <a:endParaRPr lang="tr-TR" dirty="0" smtClean="0"/>
+          </a:p>
+          <a:p>
+            <a:pPr>
+              <a:buNone/>
+            </a:pPr>
+            <a:r>
+              <a:rPr lang="tr-TR" i="1" dirty="0" smtClean="0"/>
+              <a:t>	</a:t>
+            </a:r>
+            <a:r>
+              <a:rPr lang="tr-TR" b="1" i="1" dirty="0" err="1" smtClean="0"/>
+              <a:t>Route</a:t>
+            </a:r>
+            <a:r>
+              <a:rPr lang="tr-TR" b="1" i="1" dirty="0" smtClean="0"/>
+              <a:t> Module</a:t>
+            </a:r>
+            <a:endParaRPr lang="tr-TR" b="1" dirty="0" smtClean="0"/>
+          </a:p>
+          <a:p>
+            <a:r>
+              <a:rPr lang="tr-TR" dirty="0" err="1" smtClean="0"/>
+              <a:t>Route</a:t>
+            </a:r>
+            <a:r>
+              <a:rPr lang="tr-TR" dirty="0" smtClean="0"/>
+              <a:t> Time: Transfer Time</a:t>
+            </a:r>
+          </a:p>
+          <a:p>
+            <a:r>
+              <a:rPr lang="tr-TR" dirty="0" err="1" smtClean="0"/>
+              <a:t>Destination</a:t>
+            </a:r>
+            <a:r>
+              <a:rPr lang="tr-TR" dirty="0" smtClean="0"/>
+              <a:t> Type: </a:t>
+            </a:r>
+            <a:r>
+              <a:rPr lang="tr-TR" dirty="0" err="1" smtClean="0"/>
+              <a:t>By</a:t>
+            </a:r>
+            <a:r>
+              <a:rPr lang="tr-TR" dirty="0" smtClean="0"/>
+              <a:t> </a:t>
+            </a:r>
+            <a:r>
+              <a:rPr lang="tr-TR" dirty="0" err="1" smtClean="0"/>
+              <a:t>Sequence</a:t>
+            </a:r>
+            <a:endParaRPr lang="tr-TR" dirty="0" smtClean="0"/>
+          </a:p>
+          <a:p>
+            <a:endParaRPr lang="tr-TR" dirty="0" smtClean="0"/>
+          </a:p>
+          <a:p>
+            <a:endParaRPr lang="tr-TR" dirty="0" smtClean="0"/>
+          </a:p>
+          <a:p>
+            <a:pPr>
+              <a:buNone/>
+            </a:pPr>
+            <a:endParaRPr lang="en-US" i="1" dirty="0" smtClean="0"/>
+          </a:p>
+        </p:txBody>
+      </p:sp>
+    </p:spTree>
+  </p:cSld>
+  <p:clrMapOvr>
+    <a:masterClrMapping/>
+  </p:clrMapOvr>
+</p:sld>
+</file>
+
+<file path=ppt/slides/slide128.xml><?xml version="1.0" encoding="utf-8"?>
+<p:sld xmlns:a="http://schemas.openxmlformats.org/drawingml/2006/main" xmlns:r="http://schemas.openxmlformats.org/officeDocument/2006/relationships" xmlns:p="http://schemas.openxmlformats.org/presentationml/2006/main">
+  <p:cSld>
+    <p:spTree>
+      <p:nvGrpSpPr>
+        <p:cNvPr id="1" name=""/>
+        <p:cNvGrpSpPr/>
+        <p:nvPr/>
+      </p:nvGrpSpPr>
+      <p:grpSpPr>
+        <a:xfrm>
+          <a:off x="0" y="0"/>
+          <a:ext cx="0" cy="0"/>
+          <a:chOff x="0" y="0"/>
+          <a:chExt cx="0" cy="0"/>
+        </a:xfrm>
+      </p:grpSpPr>
+      <p:sp>
+        <p:nvSpPr>
+          <p:cNvPr id="2" name="1 Başlık"/>
+          <p:cNvSpPr>
+            <a:spLocks noGrp="1"/>
+          </p:cNvSpPr>
+          <p:nvPr>
+            <p:ph type="title"/>
+          </p:nvPr>
+        </p:nvSpPr>
+        <p:spPr/>
+        <p:txBody>
+          <a:bodyPr/>
+          <a:lstStyle/>
+          <a:p>
+            <a:r>
+              <a:rPr lang="tr-TR" dirty="0" smtClean="0"/>
+              <a:t>WORKSHEET </a:t>
+            </a:r>
+            <a:r>
+              <a:rPr lang="tr-TR" dirty="0" smtClean="0"/>
+              <a:t>EXAMPLE-9</a:t>
+            </a:r>
+            <a:endParaRPr lang="tr-TR" dirty="0"/>
+          </a:p>
+        </p:txBody>
+      </p:sp>
+      <p:sp>
+        <p:nvSpPr>
+          <p:cNvPr id="3" name="2 İçerik Yer Tutucusu"/>
+          <p:cNvSpPr>
+            <a:spLocks noGrp="1"/>
+          </p:cNvSpPr>
+          <p:nvPr>
+            <p:ph idx="1"/>
+          </p:nvPr>
+        </p:nvSpPr>
+        <p:spPr>
+          <a:xfrm>
+            <a:off x="467544" y="1268760"/>
+            <a:ext cx="8229600" cy="648072"/>
+          </a:xfrm>
+        </p:spPr>
+        <p:txBody>
+          <a:bodyPr>
+            <a:normAutofit fontScale="62500" lnSpcReduction="20000"/>
+          </a:bodyPr>
+          <a:lstStyle/>
+          <a:p>
+            <a:pPr marL="449263" indent="-269875">
+              <a:buNone/>
+            </a:pPr>
+            <a:r>
+              <a:rPr lang="tr-TR" i="1" dirty="0" smtClean="0"/>
+              <a:t>	</a:t>
+            </a:r>
+            <a:r>
+              <a:rPr lang="tr-TR" b="1" i="1" dirty="0" err="1" smtClean="0"/>
+              <a:t>Station</a:t>
+            </a:r>
+            <a:r>
+              <a:rPr lang="tr-TR" b="1" i="1" dirty="0" smtClean="0"/>
+              <a:t> Module</a:t>
+            </a:r>
+          </a:p>
+          <a:p>
+            <a:r>
+              <a:rPr lang="tr-TR" dirty="0" err="1" smtClean="0"/>
+              <a:t>Station</a:t>
+            </a:r>
+            <a:r>
+              <a:rPr lang="tr-TR" dirty="0" smtClean="0"/>
+              <a:t> name: </a:t>
+            </a:r>
+            <a:r>
+              <a:rPr lang="tr-TR" dirty="0" err="1" smtClean="0"/>
+              <a:t>Exit</a:t>
+            </a:r>
+            <a:r>
+              <a:rPr lang="tr-TR" dirty="0" smtClean="0"/>
+              <a:t> System </a:t>
+            </a:r>
+            <a:r>
+              <a:rPr lang="tr-TR" dirty="0" err="1" smtClean="0"/>
+              <a:t>Station</a:t>
+            </a:r>
+            <a:endParaRPr lang="tr-TR" dirty="0" smtClean="0"/>
+          </a:p>
+          <a:p>
+            <a:pPr>
+              <a:buNone/>
+            </a:pPr>
+            <a:endParaRPr lang="tr-TR" dirty="0" smtClean="0"/>
+          </a:p>
+          <a:p>
+            <a:pPr>
+              <a:buNone/>
+            </a:pPr>
+            <a:endParaRPr lang="tr-TR" dirty="0" smtClean="0"/>
+          </a:p>
+          <a:p>
+            <a:endParaRPr lang="tr-TR" dirty="0" smtClean="0"/>
+          </a:p>
+          <a:p>
+            <a:pPr>
+              <a:buNone/>
+            </a:pPr>
+            <a:endParaRPr lang="en-US" i="1" dirty="0" smtClean="0"/>
+          </a:p>
+        </p:txBody>
+      </p:sp>
+      <p:pic>
+        <p:nvPicPr>
+          <p:cNvPr id="5122" name="Picture 2"/>
+          <p:cNvPicPr>
+            <a:picLocks noChangeAspect="1" noChangeArrowheads="1"/>
+          </p:cNvPicPr>
+          <p:nvPr/>
+        </p:nvPicPr>
+        <p:blipFill>
+          <a:blip r:embed="rId2" cstate="print"/>
+          <a:srcRect/>
+          <a:stretch>
+            <a:fillRect/>
+          </a:stretch>
+        </p:blipFill>
+        <p:spPr bwMode="auto">
+          <a:xfrm>
+            <a:off x="251519" y="1988840"/>
+            <a:ext cx="8652559" cy="1728192"/>
+          </a:xfrm>
+          <a:prstGeom prst="rect">
+            <a:avLst/>
+          </a:prstGeom>
+          <a:noFill/>
+          <a:ln w="9525">
+            <a:noFill/>
+            <a:miter lim="800000"/>
+            <a:headEnd/>
+            <a:tailEnd/>
+          </a:ln>
+        </p:spPr>
+      </p:pic>
+      <p:pic>
+        <p:nvPicPr>
+          <p:cNvPr id="5123" name="Picture 3"/>
+          <p:cNvPicPr>
+            <a:picLocks noChangeAspect="1" noChangeArrowheads="1"/>
+          </p:cNvPicPr>
+          <p:nvPr/>
+        </p:nvPicPr>
+        <p:blipFill>
+          <a:blip r:embed="rId3" cstate="print"/>
+          <a:srcRect/>
+          <a:stretch>
+            <a:fillRect/>
+          </a:stretch>
+        </p:blipFill>
+        <p:spPr bwMode="auto">
+          <a:xfrm>
+            <a:off x="251520" y="3861048"/>
+            <a:ext cx="5760640" cy="1522368"/>
+          </a:xfrm>
+          <a:prstGeom prst="rect">
+            <a:avLst/>
+          </a:prstGeom>
+          <a:noFill/>
+          <a:ln w="9525">
+            <a:noFill/>
+            <a:miter lim="800000"/>
+            <a:headEnd/>
+            <a:tailEnd/>
+          </a:ln>
+        </p:spPr>
+      </p:pic>
+      <p:pic>
+        <p:nvPicPr>
+          <p:cNvPr id="5124" name="Picture 4"/>
+          <p:cNvPicPr>
+            <a:picLocks noChangeAspect="1" noChangeArrowheads="1"/>
+          </p:cNvPicPr>
+          <p:nvPr/>
+        </p:nvPicPr>
+        <p:blipFill>
+          <a:blip r:embed="rId4" cstate="print"/>
+          <a:srcRect/>
+          <a:stretch>
+            <a:fillRect/>
+          </a:stretch>
+        </p:blipFill>
+        <p:spPr bwMode="auto">
+          <a:xfrm>
+            <a:off x="251520" y="5445224"/>
+            <a:ext cx="8524875" cy="1200150"/>
+          </a:xfrm>
+          <a:prstGeom prst="rect">
+            <a:avLst/>
+          </a:prstGeom>
+          <a:noFill/>
+          <a:ln w="9525">
+            <a:noFill/>
+            <a:miter lim="800000"/>
+            <a:headEnd/>
+            <a:tailEnd/>
+          </a:ln>
+        </p:spPr>
+      </p:pic>
     </p:spTree>
   </p:cSld>
   <p:clrMapOvr>
